--- a/18 Магдалена Халачева/Защита теория.pptx
+++ b/18 Магдалена Халачева/Защита теория.pptx
@@ -2,7 +2,7 @@
 <file path=ppt/presentation.xml><?xml version="1.0" encoding="utf-8"?>
 <p:presentation xmlns:a="http://schemas.openxmlformats.org/drawingml/2006/main" xmlns:r="http://schemas.openxmlformats.org/officeDocument/2006/relationships" xmlns:p="http://schemas.openxmlformats.org/presentationml/2006/main" saveSubsetFonts="1">
   <p:sldMasterIdLst>
-    <p:sldMasterId id="2147483886" r:id="rId1"/>
+    <p:sldMasterId id="2147483904" r:id="rId1"/>
   </p:sldMasterIdLst>
   <p:notesMasterIdLst>
     <p:notesMasterId r:id="rId12"/>
@@ -224,7 +224,7 @@
           <a:p>
             <a:fld id="{27D7545A-D08E-4DF5-A378-8809D7ECFDDE}" type="datetimeFigureOut">
               <a:rPr lang="bg-BG" smtClean="0"/>
-              <a:t>12.5.2024 г.</a:t>
+              <a:t>21.5.2024 г.</a:t>
             </a:fld>
             <a:endParaRPr lang="bg-BG"/>
           </a:p>
@@ -394,7 +394,7 @@
           <a:p>
             <a:fld id="{1F7D60EE-26AA-4C09-B55F-8384F76E341D}" type="datetimeFigureOut">
               <a:rPr lang="bg-BG" smtClean="0"/>
-              <a:t>12.5.2024 г.</a:t>
+              <a:t>21.5.2024 г.</a:t>
             </a:fld>
             <a:endParaRPr lang="bg-BG"/>
           </a:p>
@@ -730,11 +730,7 @@
           <a:p>
             <a:r>
               <a:rPr lang="ru-RU" dirty="0" smtClean="0"/>
-              <a:t>Темата на моят дипломен проект е </a:t>
-            </a:r>
-            <a:r>
-              <a:rPr lang="ru-RU" dirty="0" smtClean="0"/>
-              <a:t>„Разработване на приложение за създаване на автобиография на базата на динамичното генериране на формуляри и PDF файлове. Потребителите могат да въвеждат своята лична информация, трудов опит и умения и автоматично се генерира професионално изглеждаща PDF автобиография въз основа на въведените от потребителя данни</a:t>
+              <a:t>Темата на моят дипломен проект е „Разработване на приложение за създаване на автобиография на базата на динамичното генериране на формуляри и PDF файлове. Потребителите могат да въвеждат своята лична информация, трудов опит и умения и автоматично се генерира професионално изглеждаща PDF автобиография въз основа на въведените от потребителя данни</a:t>
             </a:r>
             <a:r>
               <a:rPr lang="en-US" dirty="0" smtClean="0"/>
@@ -851,7 +847,6 @@
               <a:rPr lang="ru-RU" dirty="0" smtClean="0"/>
               <a:t>В днешната цифрова ера, където информацията е ключов елемент от нашия живот, автобиографията е важен начин за запазване и споделяне на личната и професионалната история. Създаването на автобиография обаче може да бъде труден процес, изискващ време и усилия. За да улесним този процес и да го направим по-достъпен за всеки е възможно да направим онлай  приложение, което да монаган на потребителите да създават добре оформениавтобиографии</a:t>
             </a:r>
-            <a:endParaRPr lang="ru-RU" dirty="0" smtClean="0"/>
           </a:p>
         </p:txBody>
       </p:sp>
@@ -974,7 +969,6 @@
               <a:rPr lang="ru-RU" dirty="0" smtClean="0"/>
               <a:t>По-голямата част от езиците за създаване на динамични уеб страници имат библиотеки, които да помогнат при общите задачи, но това не е достатъчно. Затова се появяват софтуерни рамки, които събират множество библиотеки и инструменти  в един компактен софтуерен стек , който да използват уеб разработчиците.</a:t>
             </a:r>
-            <a:endParaRPr lang="ru-RU" dirty="0" smtClean="0"/>
           </a:p>
         </p:txBody>
       </p:sp>
@@ -1306,15 +1300,6 @@
               </a:rPr>
               <a:t>HTML е използван в комбинация с други технологии като CSS и JavaScript, за да се създадат интерактивни уеб страници и уеб приложения. CSS се използва за оформление на уеб страници, като определя външния вид на елементите, а JavaScript се използва за създаване на динамични ефекти, като например форми за вход или анимации на страници.</a:t>
             </a:r>
-            <a:endParaRPr lang="ru-RU" sz="1200" kern="1200" dirty="0" smtClean="0">
-              <a:solidFill>
-                <a:schemeClr val="tx1"/>
-              </a:solidFill>
-              <a:effectLst/>
-              <a:latin typeface="+mn-lt"/>
-              <a:ea typeface="+mn-ea"/>
-              <a:cs typeface="+mn-cs"/>
-            </a:endParaRPr>
           </a:p>
         </p:txBody>
       </p:sp>
@@ -1461,15 +1446,6 @@
               </a:rPr>
               <a:t>Със сигурност има различни начини, средства и технологии за решаване на поставената задача. Но моят избор е Python и Django.</a:t>
             </a:r>
-            <a:endParaRPr lang="ru-RU" sz="1200" kern="1200" dirty="0" smtClean="0">
-              <a:solidFill>
-                <a:schemeClr val="tx1"/>
-              </a:solidFill>
-              <a:effectLst/>
-              <a:latin typeface="+mn-lt"/>
-              <a:ea typeface="+mn-ea"/>
-              <a:cs typeface="+mn-cs"/>
-            </a:endParaRPr>
           </a:p>
         </p:txBody>
       </p:sp>
@@ -1586,7 +1562,6 @@
               <a:rPr lang="ru-RU" dirty="0" smtClean="0"/>
               <a:t>В Django има вграден механизъм за работа с форми. Това значително опростява процеса по създаване и използване на фомите в реално приложение.</a:t>
             </a:r>
-            <a:endParaRPr lang="ru-RU" dirty="0" smtClean="0"/>
           </a:p>
         </p:txBody>
       </p:sp>
@@ -1909,7 +1884,7 @@
 </file>
 
 <file path=ppt/slideLayouts/slideLayout1.xml><?xml version="1.0" encoding="utf-8"?>
-<p:sldLayout xmlns:a="http://schemas.openxmlformats.org/drawingml/2006/main" xmlns:r="http://schemas.openxmlformats.org/officeDocument/2006/relationships" xmlns:p="http://schemas.openxmlformats.org/presentationml/2006/main" showMasterSp="0" type="title" preserve="1">
+<p:sldLayout xmlns:a="http://schemas.openxmlformats.org/drawingml/2006/main" xmlns:r="http://schemas.openxmlformats.org/officeDocument/2006/relationships" xmlns:p="http://schemas.openxmlformats.org/presentationml/2006/main" type="title" preserve="1">
   <p:cSld name="Title Slide">
     <p:spTree>
       <p:nvGrpSpPr>
@@ -1937,8 +1912,8 @@
         </p:nvSpPr>
         <p:spPr>
           <a:xfrm>
-            <a:off x="684212" y="685799"/>
-            <a:ext cx="8001000" cy="2971801"/>
+            <a:off x="2589213" y="2514600"/>
+            <a:ext cx="8915399" cy="2262781"/>
           </a:xfrm>
         </p:spPr>
         <p:txBody>
@@ -1946,10 +1921,8 @@
             <a:normAutofit/>
           </a:bodyPr>
           <a:lstStyle>
-            <a:lvl1pPr algn="l">
-              <a:defRPr sz="4800">
-                <a:effectLst/>
-              </a:defRPr>
+            <a:lvl1pPr>
+              <a:defRPr sz="5400"/>
             </a:lvl1pPr>
           </a:lstStyle>
           <a:p>
@@ -1973,20 +1946,21 @@
         </p:nvSpPr>
         <p:spPr>
           <a:xfrm>
-            <a:off x="684212" y="3843867"/>
-            <a:ext cx="6400800" cy="1947333"/>
+            <a:off x="2589213" y="4777379"/>
+            <a:ext cx="8915399" cy="1126283"/>
           </a:xfrm>
         </p:spPr>
         <p:txBody>
-          <a:bodyPr anchor="t">
-            <a:normAutofit/>
-          </a:bodyPr>
+          <a:bodyPr anchor="t"/>
           <a:lstStyle>
             <a:lvl1pPr marL="0" indent="0" algn="l">
               <a:buNone/>
-              <a:defRPr sz="2100">
+              <a:defRPr>
                 <a:solidFill>
-                  <a:schemeClr val="tx1"/>
+                  <a:schemeClr val="tx1">
+                    <a:lumMod val="65000"/>
+                    <a:lumOff val="35000"/>
+                  </a:schemeClr>
                 </a:solidFill>
               </a:defRPr>
             </a:lvl1pPr>
@@ -2097,7 +2071,7 @@
           <a:p>
             <a:fld id="{35131DE2-218C-4B73-8519-0AC6B795ABB7}" type="datetime1">
               <a:rPr lang="bg-BG" smtClean="0"/>
-              <a:t>12.5.2024 г.</a:t>
+              <a:t>21.5.2024 г.</a:t>
             </a:fld>
             <a:endParaRPr lang="bg-BG"/>
           </a:p>
@@ -2124,6 +2098,88 @@
       </p:sp>
       <p:sp>
         <p:nvSpPr>
+          <p:cNvPr id="7" name="Freeform 6"/>
+          <p:cNvSpPr/>
+          <p:nvPr/>
+        </p:nvSpPr>
+        <p:spPr bwMode="auto">
+          <a:xfrm>
+            <a:off x="0" y="4323810"/>
+            <a:ext cx="1744652" cy="778589"/>
+          </a:xfrm>
+          <a:custGeom>
+            <a:avLst/>
+            <a:gdLst/>
+            <a:ahLst/>
+            <a:cxnLst/>
+            <a:rect l="0" t="0" r="r" b="b"/>
+            <a:pathLst>
+              <a:path w="372" h="166">
+                <a:moveTo>
+                  <a:pt x="287" y="166"/>
+                </a:moveTo>
+                <a:cubicBezTo>
+                  <a:pt x="290" y="166"/>
+                  <a:pt x="292" y="165"/>
+                  <a:pt x="293" y="164"/>
+                </a:cubicBezTo>
+                <a:cubicBezTo>
+                  <a:pt x="293" y="163"/>
+                  <a:pt x="294" y="163"/>
+                  <a:pt x="294" y="163"/>
+                </a:cubicBezTo>
+                <a:cubicBezTo>
+                  <a:pt x="370" y="87"/>
+                  <a:pt x="370" y="87"/>
+                  <a:pt x="370" y="87"/>
+                </a:cubicBezTo>
+                <a:cubicBezTo>
+                  <a:pt x="372" y="85"/>
+                  <a:pt x="372" y="81"/>
+                  <a:pt x="370" y="78"/>
+                </a:cubicBezTo>
+                <a:cubicBezTo>
+                  <a:pt x="294" y="3"/>
+                  <a:pt x="294" y="3"/>
+                  <a:pt x="294" y="3"/>
+                </a:cubicBezTo>
+                <a:cubicBezTo>
+                  <a:pt x="294" y="2"/>
+                  <a:pt x="293" y="2"/>
+                  <a:pt x="293" y="2"/>
+                </a:cubicBezTo>
+                <a:cubicBezTo>
+                  <a:pt x="292" y="1"/>
+                  <a:pt x="290" y="0"/>
+                  <a:pt x="287" y="0"/>
+                </a:cubicBezTo>
+                <a:cubicBezTo>
+                  <a:pt x="0" y="0"/>
+                  <a:pt x="0" y="0"/>
+                  <a:pt x="0" y="0"/>
+                </a:cubicBezTo>
+                <a:cubicBezTo>
+                  <a:pt x="0" y="166"/>
+                  <a:pt x="0" y="166"/>
+                  <a:pt x="0" y="166"/>
+                </a:cubicBezTo>
+                <a:lnTo>
+                  <a:pt x="287" y="166"/>
+                </a:lnTo>
+                <a:close/>
+              </a:path>
+            </a:pathLst>
+          </a:custGeom>
+          <a:solidFill>
+            <a:schemeClr val="accent1"/>
+          </a:solidFill>
+          <a:ln>
+            <a:noFill/>
+          </a:ln>
+        </p:spPr>
+      </p:sp>
+      <p:sp>
+        <p:nvSpPr>
           <p:cNvPr id="6" name="Slide Number Placeholder 5"/>
           <p:cNvSpPr>
             <a:spLocks noGrp="1"/>
@@ -2132,7 +2188,12 @@
             <p:ph type="sldNum" sz="quarter" idx="12"/>
           </p:nvPr>
         </p:nvSpPr>
-        <p:spPr/>
+        <p:spPr>
+          <a:xfrm>
+            <a:off x="531812" y="4529540"/>
+            <a:ext cx="779767" cy="365125"/>
+          </a:xfrm>
+        </p:spPr>
         <p:txBody>
           <a:bodyPr/>
           <a:lstStyle/>
@@ -2145,185 +2206,10 @@
           </a:p>
         </p:txBody>
       </p:sp>
-      <p:cxnSp>
-        <p:nvCxnSpPr>
-          <p:cNvPr id="16" name="Straight Connector 15"/>
-          <p:cNvCxnSpPr/>
-          <p:nvPr/>
-        </p:nvCxnSpPr>
-        <p:spPr>
-          <a:xfrm flipH="1">
-            <a:off x="8228012" y="8467"/>
-            <a:ext cx="3810000" cy="3810000"/>
-          </a:xfrm>
-          <a:prstGeom prst="line">
-            <a:avLst/>
-          </a:prstGeom>
-          <a:ln w="12700">
-            <a:solidFill>
-              <a:schemeClr val="tx1"/>
-            </a:solidFill>
-          </a:ln>
-        </p:spPr>
-        <p:style>
-          <a:lnRef idx="2">
-            <a:schemeClr val="accent1"/>
-          </a:lnRef>
-          <a:fillRef idx="0">
-            <a:schemeClr val="accent1"/>
-          </a:fillRef>
-          <a:effectRef idx="1">
-            <a:schemeClr val="accent1"/>
-          </a:effectRef>
-          <a:fontRef idx="minor">
-            <a:schemeClr val="tx1"/>
-          </a:fontRef>
-        </p:style>
-      </p:cxnSp>
-      <p:cxnSp>
-        <p:nvCxnSpPr>
-          <p:cNvPr id="17" name="Straight Connector 16"/>
-          <p:cNvCxnSpPr/>
-          <p:nvPr/>
-        </p:nvCxnSpPr>
-        <p:spPr>
-          <a:xfrm flipH="1">
-            <a:off x="6108170" y="91545"/>
-            <a:ext cx="6080655" cy="6080655"/>
-          </a:xfrm>
-          <a:prstGeom prst="line">
-            <a:avLst/>
-          </a:prstGeom>
-          <a:ln w="12700">
-            <a:solidFill>
-              <a:schemeClr val="tx1"/>
-            </a:solidFill>
-          </a:ln>
-        </p:spPr>
-        <p:style>
-          <a:lnRef idx="2">
-            <a:schemeClr val="accent1"/>
-          </a:lnRef>
-          <a:fillRef idx="0">
-            <a:schemeClr val="accent1"/>
-          </a:fillRef>
-          <a:effectRef idx="1">
-            <a:schemeClr val="accent1"/>
-          </a:effectRef>
-          <a:fontRef idx="minor">
-            <a:schemeClr val="tx1"/>
-          </a:fontRef>
-        </p:style>
-      </p:cxnSp>
-      <p:cxnSp>
-        <p:nvCxnSpPr>
-          <p:cNvPr id="19" name="Straight Connector 18"/>
-          <p:cNvCxnSpPr/>
-          <p:nvPr/>
-        </p:nvCxnSpPr>
-        <p:spPr>
-          <a:xfrm flipH="1">
-            <a:off x="7235825" y="228600"/>
-            <a:ext cx="4953000" cy="4953000"/>
-          </a:xfrm>
-          <a:prstGeom prst="line">
-            <a:avLst/>
-          </a:prstGeom>
-          <a:ln w="12700">
-            <a:solidFill>
-              <a:schemeClr val="tx1"/>
-            </a:solidFill>
-          </a:ln>
-        </p:spPr>
-        <p:style>
-          <a:lnRef idx="2">
-            <a:schemeClr val="accent1"/>
-          </a:lnRef>
-          <a:fillRef idx="0">
-            <a:schemeClr val="accent1"/>
-          </a:fillRef>
-          <a:effectRef idx="1">
-            <a:schemeClr val="accent1"/>
-          </a:effectRef>
-          <a:fontRef idx="minor">
-            <a:schemeClr val="tx1"/>
-          </a:fontRef>
-        </p:style>
-      </p:cxnSp>
-      <p:cxnSp>
-        <p:nvCxnSpPr>
-          <p:cNvPr id="21" name="Straight Connector 20"/>
-          <p:cNvCxnSpPr/>
-          <p:nvPr/>
-        </p:nvCxnSpPr>
-        <p:spPr>
-          <a:xfrm flipH="1">
-            <a:off x="7335837" y="32278"/>
-            <a:ext cx="4852989" cy="4852989"/>
-          </a:xfrm>
-          <a:prstGeom prst="line">
-            <a:avLst/>
-          </a:prstGeom>
-          <a:ln w="31750">
-            <a:solidFill>
-              <a:schemeClr val="tx1"/>
-            </a:solidFill>
-          </a:ln>
-        </p:spPr>
-        <p:style>
-          <a:lnRef idx="2">
-            <a:schemeClr val="accent1"/>
-          </a:lnRef>
-          <a:fillRef idx="0">
-            <a:schemeClr val="accent1"/>
-          </a:fillRef>
-          <a:effectRef idx="1">
-            <a:schemeClr val="accent1"/>
-          </a:effectRef>
-          <a:fontRef idx="minor">
-            <a:schemeClr val="tx1"/>
-          </a:fontRef>
-        </p:style>
-      </p:cxnSp>
-      <p:cxnSp>
-        <p:nvCxnSpPr>
-          <p:cNvPr id="23" name="Straight Connector 22"/>
-          <p:cNvCxnSpPr/>
-          <p:nvPr/>
-        </p:nvCxnSpPr>
-        <p:spPr>
-          <a:xfrm flipH="1">
-            <a:off x="7845426" y="609601"/>
-            <a:ext cx="4343399" cy="4343399"/>
-          </a:xfrm>
-          <a:prstGeom prst="line">
-            <a:avLst/>
-          </a:prstGeom>
-          <a:ln w="31750">
-            <a:solidFill>
-              <a:schemeClr val="tx1"/>
-            </a:solidFill>
-          </a:ln>
-        </p:spPr>
-        <p:style>
-          <a:lnRef idx="2">
-            <a:schemeClr val="accent1"/>
-          </a:lnRef>
-          <a:fillRef idx="0">
-            <a:schemeClr val="accent1"/>
-          </a:fillRef>
-          <a:effectRef idx="1">
-            <a:schemeClr val="accent1"/>
-          </a:effectRef>
-          <a:fontRef idx="minor">
-            <a:schemeClr val="tx1"/>
-          </a:fontRef>
-        </p:style>
-      </p:cxnSp>
     </p:spTree>
     <p:extLst>
       <p:ext uri="{BB962C8B-B14F-4D97-AF65-F5344CB8AC3E}">
-        <p14:creationId xmlns:p14="http://schemas.microsoft.com/office/powerpoint/2010/main" val="1602738064"/>
+        <p14:creationId xmlns:p14="http://schemas.microsoft.com/office/powerpoint/2010/main" val="2855173668"/>
       </p:ext>
     </p:extLst>
   </p:cSld>
@@ -2334,267 +2220,6 @@
 </file>
 
 <file path=ppt/slideLayouts/slideLayout10.xml><?xml version="1.0" encoding="utf-8"?>
-<p:sldLayout xmlns:a="http://schemas.openxmlformats.org/drawingml/2006/main" xmlns:r="http://schemas.openxmlformats.org/officeDocument/2006/relationships" xmlns:p="http://schemas.openxmlformats.org/presentationml/2006/main" preserve="1">
-  <p:cSld name="Panoramic Picture with Caption">
-    <p:spTree>
-      <p:nvGrpSpPr>
-        <p:cNvPr id="1" name=""/>
-        <p:cNvGrpSpPr/>
-        <p:nvPr/>
-      </p:nvGrpSpPr>
-      <p:grpSpPr>
-        <a:xfrm>
-          <a:off x="0" y="0"/>
-          <a:ext cx="0" cy="0"/>
-          <a:chOff x="0" y="0"/>
-          <a:chExt cx="0" cy="0"/>
-        </a:xfrm>
-      </p:grpSpPr>
-      <p:sp>
-        <p:nvSpPr>
-          <p:cNvPr id="2" name="Title 1"/>
-          <p:cNvSpPr>
-            <a:spLocks noGrp="1"/>
-          </p:cNvSpPr>
-          <p:nvPr>
-            <p:ph type="title"/>
-          </p:nvPr>
-        </p:nvSpPr>
-        <p:spPr/>
-        <p:txBody>
-          <a:bodyPr/>
-          <a:lstStyle/>
-          <a:p>
-            <a:r>
-              <a:rPr lang="en-US" smtClean="0"/>
-              <a:t>Click to edit Master title style</a:t>
-            </a:r>
-            <a:endParaRPr lang="en-US" dirty="0"/>
-          </a:p>
-        </p:txBody>
-      </p:sp>
-      <p:sp>
-        <p:nvSpPr>
-          <p:cNvPr id="17" name="Picture Placeholder 2"/>
-          <p:cNvSpPr>
-            <a:spLocks noGrp="1" noChangeAspect="1"/>
-          </p:cNvSpPr>
-          <p:nvPr>
-            <p:ph type="pic" idx="13"/>
-          </p:nvPr>
-        </p:nvSpPr>
-        <p:spPr>
-          <a:xfrm>
-            <a:off x="685800" y="533400"/>
-            <a:ext cx="10818812" cy="3124200"/>
-          </a:xfrm>
-          <a:prstGeom prst="snip2DiagRect">
-            <a:avLst>
-              <a:gd name="adj1" fmla="val 10815"/>
-              <a:gd name="adj2" fmla="val 0"/>
-            </a:avLst>
-          </a:prstGeom>
-          <a:ln w="15875">
-            <a:solidFill>
-              <a:schemeClr val="tx1">
-                <a:alpha val="40000"/>
-              </a:schemeClr>
-            </a:solidFill>
-          </a:ln>
-          <a:effectLst>
-            <a:innerShdw blurRad="57150" dist="38100" dir="14460000">
-              <a:srgbClr val="000000">
-                <a:alpha val="70000"/>
-              </a:srgbClr>
-            </a:innerShdw>
-          </a:effectLst>
-        </p:spPr>
-        <p:txBody>
-          <a:bodyPr anchor="t">
-            <a:normAutofit/>
-          </a:bodyPr>
-          <a:lstStyle>
-            <a:lvl1pPr marL="0" indent="0" algn="ctr">
-              <a:buNone/>
-              <a:defRPr sz="1600"/>
-            </a:lvl1pPr>
-            <a:lvl2pPr marL="457200" indent="0">
-              <a:buNone/>
-              <a:defRPr sz="1600"/>
-            </a:lvl2pPr>
-            <a:lvl3pPr marL="914400" indent="0">
-              <a:buNone/>
-              <a:defRPr sz="1600"/>
-            </a:lvl3pPr>
-            <a:lvl4pPr marL="1371600" indent="0">
-              <a:buNone/>
-              <a:defRPr sz="1600"/>
-            </a:lvl4pPr>
-            <a:lvl5pPr marL="1828800" indent="0">
-              <a:buNone/>
-              <a:defRPr sz="1600"/>
-            </a:lvl5pPr>
-            <a:lvl6pPr marL="2286000" indent="0">
-              <a:buNone/>
-              <a:defRPr sz="1600"/>
-            </a:lvl6pPr>
-            <a:lvl7pPr marL="2743200" indent="0">
-              <a:buNone/>
-              <a:defRPr sz="1600"/>
-            </a:lvl7pPr>
-            <a:lvl8pPr marL="3200400" indent="0">
-              <a:buNone/>
-              <a:defRPr sz="1600"/>
-            </a:lvl8pPr>
-            <a:lvl9pPr marL="3657600" indent="0">
-              <a:buNone/>
-              <a:defRPr sz="1600"/>
-            </a:lvl9pPr>
-          </a:lstStyle>
-          <a:p>
-            <a:r>
-              <a:rPr lang="en-US" smtClean="0"/>
-              <a:t>Click icon to add picture</a:t>
-            </a:r>
-            <a:endParaRPr lang="en-US" dirty="0"/>
-          </a:p>
-        </p:txBody>
-      </p:sp>
-      <p:sp>
-        <p:nvSpPr>
-          <p:cNvPr id="16" name="Text Placeholder 9"/>
-          <p:cNvSpPr>
-            <a:spLocks noGrp="1"/>
-          </p:cNvSpPr>
-          <p:nvPr>
-            <p:ph type="body" sz="quarter" idx="14"/>
-          </p:nvPr>
-        </p:nvSpPr>
-        <p:spPr>
-          <a:xfrm>
-            <a:off x="914402" y="3843867"/>
-            <a:ext cx="8304210" cy="457200"/>
-          </a:xfrm>
-        </p:spPr>
-        <p:txBody>
-          <a:bodyPr anchor="t">
-            <a:normAutofit/>
-          </a:bodyPr>
-          <a:lstStyle>
-            <a:lvl1pPr marL="0" indent="0">
-              <a:buFontTx/>
-              <a:buNone/>
-              <a:defRPr sz="1600"/>
-            </a:lvl1pPr>
-            <a:lvl2pPr marL="457200" indent="0">
-              <a:buFontTx/>
-              <a:buNone/>
-              <a:defRPr/>
-            </a:lvl2pPr>
-            <a:lvl3pPr marL="914400" indent="0">
-              <a:buFontTx/>
-              <a:buNone/>
-              <a:defRPr/>
-            </a:lvl3pPr>
-            <a:lvl4pPr marL="1371600" indent="0">
-              <a:buFontTx/>
-              <a:buNone/>
-              <a:defRPr/>
-            </a:lvl4pPr>
-            <a:lvl5pPr marL="1828800" indent="0">
-              <a:buFontTx/>
-              <a:buNone/>
-              <a:defRPr/>
-            </a:lvl5pPr>
-          </a:lstStyle>
-          <a:p>
-            <a:pPr lvl="0"/>
-            <a:r>
-              <a:rPr lang="en-US" smtClean="0"/>
-              <a:t>Edit Master text styles</a:t>
-            </a:r>
-          </a:p>
-        </p:txBody>
-      </p:sp>
-      <p:sp>
-        <p:nvSpPr>
-          <p:cNvPr id="3" name="Date Placeholder 2"/>
-          <p:cNvSpPr>
-            <a:spLocks noGrp="1"/>
-          </p:cNvSpPr>
-          <p:nvPr>
-            <p:ph type="dt" sz="half" idx="10"/>
-          </p:nvPr>
-        </p:nvSpPr>
-        <p:spPr/>
-        <p:txBody>
-          <a:bodyPr/>
-          <a:lstStyle/>
-          <a:p>
-            <a:fld id="{67AE9758-D769-4E42-94B1-23A9DCC9867C}" type="datetime1">
-              <a:rPr lang="bg-BG" smtClean="0"/>
-              <a:t>12.5.2024 г.</a:t>
-            </a:fld>
-            <a:endParaRPr lang="bg-BG"/>
-          </a:p>
-        </p:txBody>
-      </p:sp>
-      <p:sp>
-        <p:nvSpPr>
-          <p:cNvPr id="4" name="Footer Placeholder 3"/>
-          <p:cNvSpPr>
-            <a:spLocks noGrp="1"/>
-          </p:cNvSpPr>
-          <p:nvPr>
-            <p:ph type="ftr" sz="quarter" idx="11"/>
-          </p:nvPr>
-        </p:nvSpPr>
-        <p:spPr/>
-        <p:txBody>
-          <a:bodyPr/>
-          <a:lstStyle/>
-          <a:p>
-            <a:endParaRPr lang="bg-BG"/>
-          </a:p>
-        </p:txBody>
-      </p:sp>
-      <p:sp>
-        <p:nvSpPr>
-          <p:cNvPr id="5" name="Slide Number Placeholder 4"/>
-          <p:cNvSpPr>
-            <a:spLocks noGrp="1"/>
-          </p:cNvSpPr>
-          <p:nvPr>
-            <p:ph type="sldNum" sz="quarter" idx="12"/>
-          </p:nvPr>
-        </p:nvSpPr>
-        <p:spPr/>
-        <p:txBody>
-          <a:bodyPr/>
-          <a:lstStyle/>
-          <a:p>
-            <a:fld id="{1542C117-F53B-4C04-8140-02C06F39F1BD}" type="slidenum">
-              <a:rPr lang="bg-BG" smtClean="0"/>
-              <a:t>‹#›</a:t>
-            </a:fld>
-            <a:endParaRPr lang="bg-BG"/>
-          </a:p>
-        </p:txBody>
-      </p:sp>
-    </p:spTree>
-    <p:extLst>
-      <p:ext uri="{BB962C8B-B14F-4D97-AF65-F5344CB8AC3E}">
-        <p14:creationId xmlns:p14="http://schemas.microsoft.com/office/powerpoint/2010/main" val="3269768137"/>
-      </p:ext>
-    </p:extLst>
-  </p:cSld>
-  <p:clrMapOvr>
-    <a:masterClrMapping/>
-  </p:clrMapOvr>
-</p:sldLayout>
-</file>
-
-<file path=ppt/slideLayouts/slideLayout11.xml><?xml version="1.0" encoding="utf-8"?>
 <p:sldLayout xmlns:a="http://schemas.openxmlformats.org/drawingml/2006/main" xmlns:r="http://schemas.openxmlformats.org/officeDocument/2006/relationships" xmlns:p="http://schemas.openxmlformats.org/presentationml/2006/main" preserve="1">
   <p:cSld name="Title and Caption">
     <p:spTree>
@@ -2623,8 +2248,8 @@
         </p:nvSpPr>
         <p:spPr>
           <a:xfrm>
-            <a:off x="684213" y="685800"/>
-            <a:ext cx="10058400" cy="2743200"/>
+            <a:off x="2589212" y="609600"/>
+            <a:ext cx="8915399" cy="3117040"/>
           </a:xfrm>
         </p:spPr>
         <p:txBody>
@@ -2633,7 +2258,7 @@
           </a:bodyPr>
           <a:lstStyle>
             <a:lvl1pPr algn="l">
-              <a:defRPr sz="3200" b="0" cap="all"/>
+              <a:defRPr sz="4800" b="0" cap="none"/>
             </a:lvl1pPr>
           </a:lstStyle>
           <a:p>
@@ -2657,8 +2282,8 @@
         </p:nvSpPr>
         <p:spPr>
           <a:xfrm>
-            <a:off x="684212" y="4114800"/>
-            <a:ext cx="8535988" cy="1879600"/>
+            <a:off x="2589212" y="4354046"/>
+            <a:ext cx="8915399" cy="1555864"/>
           </a:xfrm>
         </p:spPr>
         <p:txBody>
@@ -2668,9 +2293,12 @@
           <a:lstStyle>
             <a:lvl1pPr marL="0" indent="0" algn="l">
               <a:buNone/>
-              <a:defRPr sz="2000">
+              <a:defRPr sz="1800">
                 <a:solidFill>
-                  <a:schemeClr val="tx1"/>
+                  <a:schemeClr val="tx1">
+                    <a:lumMod val="65000"/>
+                    <a:lumOff val="35000"/>
+                  </a:schemeClr>
                 </a:solidFill>
               </a:defRPr>
             </a:lvl1pPr>
@@ -2781,7 +2409,7 @@
           <a:p>
             <a:fld id="{361CDE65-46CB-451E-8567-0EF192A9D732}" type="datetime1">
               <a:rPr lang="bg-BG" smtClean="0"/>
-              <a:t>12.5.2024 г.</a:t>
+              <a:t>21.5.2024 г.</a:t>
             </a:fld>
             <a:endParaRPr lang="bg-BG"/>
           </a:p>
@@ -2808,6 +2436,88 @@
       </p:sp>
       <p:sp>
         <p:nvSpPr>
+          <p:cNvPr id="9" name="Freeform 11"/>
+          <p:cNvSpPr/>
+          <p:nvPr/>
+        </p:nvSpPr>
+        <p:spPr bwMode="auto">
+          <a:xfrm flipV="1">
+            <a:off x="-4189" y="3178175"/>
+            <a:ext cx="1588527" cy="507297"/>
+          </a:xfrm>
+          <a:custGeom>
+            <a:avLst/>
+            <a:gdLst/>
+            <a:ahLst/>
+            <a:cxnLst/>
+            <a:rect l="l" t="t" r="r" b="b"/>
+            <a:pathLst>
+              <a:path w="9248" h="10000">
+                <a:moveTo>
+                  <a:pt x="9248" y="4701"/>
+                </a:moveTo>
+                <a:lnTo>
+                  <a:pt x="7915" y="188"/>
+                </a:lnTo>
+                <a:cubicBezTo>
+                  <a:pt x="7906" y="156"/>
+                  <a:pt x="7895" y="126"/>
+                  <a:pt x="7886" y="94"/>
+                </a:cubicBezTo>
+                <a:cubicBezTo>
+                  <a:pt x="7859" y="0"/>
+                  <a:pt x="7831" y="0"/>
+                  <a:pt x="7803" y="0"/>
+                </a:cubicBezTo>
+                <a:lnTo>
+                  <a:pt x="7275" y="0"/>
+                </a:lnTo>
+                <a:lnTo>
+                  <a:pt x="0" y="70"/>
+                </a:lnTo>
+                <a:cubicBezTo>
+                  <a:pt x="8" y="3380"/>
+                  <a:pt x="17" y="6690"/>
+                  <a:pt x="25" y="10000"/>
+                </a:cubicBezTo>
+                <a:lnTo>
+                  <a:pt x="7275" y="9966"/>
+                </a:lnTo>
+                <a:lnTo>
+                  <a:pt x="7803" y="9966"/>
+                </a:lnTo>
+                <a:cubicBezTo>
+                  <a:pt x="7831" y="9966"/>
+                  <a:pt x="7859" y="9872"/>
+                  <a:pt x="7886" y="9872"/>
+                </a:cubicBezTo>
+                <a:cubicBezTo>
+                  <a:pt x="7886" y="9778"/>
+                  <a:pt x="7915" y="9778"/>
+                  <a:pt x="7915" y="9778"/>
+                </a:cubicBezTo>
+                <a:lnTo>
+                  <a:pt x="9248" y="5265"/>
+                </a:lnTo>
+                <a:cubicBezTo>
+                  <a:pt x="9303" y="5077"/>
+                  <a:pt x="9303" y="4889"/>
+                  <a:pt x="9248" y="4701"/>
+                </a:cubicBezTo>
+                <a:close/>
+              </a:path>
+            </a:pathLst>
+          </a:custGeom>
+          <a:solidFill>
+            <a:schemeClr val="accent1"/>
+          </a:solidFill>
+          <a:ln>
+            <a:noFill/>
+          </a:ln>
+        </p:spPr>
+      </p:sp>
+      <p:sp>
+        <p:nvSpPr>
           <p:cNvPr id="6" name="Slide Number Placeholder 5"/>
           <p:cNvSpPr>
             <a:spLocks noGrp="1"/>
@@ -2816,7 +2526,12 @@
             <p:ph type="sldNum" sz="quarter" idx="12"/>
           </p:nvPr>
         </p:nvSpPr>
-        <p:spPr/>
+        <p:spPr>
+          <a:xfrm>
+            <a:off x="531812" y="3244139"/>
+            <a:ext cx="779767" cy="365125"/>
+          </a:xfrm>
+        </p:spPr>
         <p:txBody>
           <a:bodyPr/>
           <a:lstStyle/>
@@ -2832,7 +2547,7 @@
     </p:spTree>
     <p:extLst>
       <p:ext uri="{BB962C8B-B14F-4D97-AF65-F5344CB8AC3E}">
-        <p14:creationId xmlns:p14="http://schemas.microsoft.com/office/powerpoint/2010/main" val="710890688"/>
+        <p14:creationId xmlns:p14="http://schemas.microsoft.com/office/powerpoint/2010/main" val="204970089"/>
       </p:ext>
     </p:extLst>
   </p:cSld>
@@ -2842,7 +2557,7 @@
 </p:sldLayout>
 </file>
 
-<file path=ppt/slideLayouts/slideLayout12.xml><?xml version="1.0" encoding="utf-8"?>
+<file path=ppt/slideLayouts/slideLayout11.xml><?xml version="1.0" encoding="utf-8"?>
 <p:sldLayout xmlns:a="http://schemas.openxmlformats.org/drawingml/2006/main" xmlns:r="http://schemas.openxmlformats.org/officeDocument/2006/relationships" xmlns:p="http://schemas.openxmlformats.org/presentationml/2006/main" preserve="1">
   <p:cSld name="Quote with Caption">
     <p:spTree>
@@ -2871,8 +2586,8 @@
         </p:nvSpPr>
         <p:spPr>
           <a:xfrm>
-            <a:off x="1141411" y="685800"/>
-            <a:ext cx="9144001" cy="2743200"/>
+            <a:off x="2849949" y="609600"/>
+            <a:ext cx="8393926" cy="2895600"/>
           </a:xfrm>
         </p:spPr>
         <p:txBody>
@@ -2881,11 +2596,7 @@
           </a:bodyPr>
           <a:lstStyle>
             <a:lvl1pPr algn="l">
-              <a:defRPr sz="3200" b="0" cap="all">
-                <a:solidFill>
-                  <a:schemeClr val="tx1"/>
-                </a:solidFill>
-              </a:defRPr>
+              <a:defRPr sz="4800" b="0" cap="none"/>
             </a:lvl1pPr>
           </a:lstStyle>
           <a:p>
@@ -2899,7 +2610,7 @@
       </p:sp>
       <p:sp>
         <p:nvSpPr>
-          <p:cNvPr id="10" name="Text Placeholder 9"/>
+          <p:cNvPr id="13" name="Text Placeholder 9"/>
           <p:cNvSpPr>
             <a:spLocks noGrp="1"/>
           </p:cNvSpPr>
@@ -2909,17 +2620,26 @@
         </p:nvSpPr>
         <p:spPr>
           <a:xfrm>
-            <a:off x="1446212" y="3429000"/>
-            <a:ext cx="8534400" cy="381000"/>
+            <a:off x="3275012" y="3505200"/>
+            <a:ext cx="7536554" cy="381000"/>
           </a:xfrm>
         </p:spPr>
         <p:txBody>
-          <a:bodyPr anchor="ctr"/>
+          <a:bodyPr anchor="ctr">
+            <a:noAutofit/>
+          </a:bodyPr>
           <a:lstStyle>
             <a:lvl1pPr marL="0" indent="0">
               <a:buFontTx/>
               <a:buNone/>
-              <a:defRPr/>
+              <a:defRPr sz="1600">
+                <a:solidFill>
+                  <a:schemeClr val="tx1">
+                    <a:lumMod val="50000"/>
+                    <a:lumOff val="50000"/>
+                  </a:schemeClr>
+                </a:solidFill>
+              </a:defRPr>
             </a:lvl1pPr>
             <a:lvl2pPr marL="457200" indent="0">
               <a:buFontTx/>
@@ -2963,8 +2683,8 @@
         </p:nvSpPr>
         <p:spPr>
           <a:xfrm>
-            <a:off x="684213" y="4301067"/>
-            <a:ext cx="8534400" cy="1684865"/>
+            <a:off x="2589212" y="4354046"/>
+            <a:ext cx="8915399" cy="1555864"/>
           </a:xfrm>
         </p:spPr>
         <p:txBody>
@@ -2974,9 +2694,12 @@
           <a:lstStyle>
             <a:lvl1pPr marL="0" indent="0" algn="l">
               <a:buNone/>
-              <a:defRPr sz="2000">
+              <a:defRPr sz="1800">
                 <a:solidFill>
-                  <a:schemeClr val="tx1"/>
+                  <a:schemeClr val="tx1">
+                    <a:lumMod val="65000"/>
+                    <a:lumOff val="35000"/>
+                  </a:schemeClr>
                 </a:solidFill>
               </a:defRPr>
             </a:lvl1pPr>
@@ -3087,7 +2810,7 @@
           <a:p>
             <a:fld id="{D287CBD5-1E22-4483-96D4-57E0B76752DD}" type="datetime1">
               <a:rPr lang="bg-BG" smtClean="0"/>
-              <a:t>12.5.2024 г.</a:t>
+              <a:t>21.5.2024 г.</a:t>
             </a:fld>
             <a:endParaRPr lang="bg-BG"/>
           </a:p>
@@ -3114,6 +2837,88 @@
       </p:sp>
       <p:sp>
         <p:nvSpPr>
+          <p:cNvPr id="11" name="Freeform 11"/>
+          <p:cNvSpPr/>
+          <p:nvPr/>
+        </p:nvSpPr>
+        <p:spPr bwMode="auto">
+          <a:xfrm flipV="1">
+            <a:off x="-4189" y="3178175"/>
+            <a:ext cx="1588527" cy="507297"/>
+          </a:xfrm>
+          <a:custGeom>
+            <a:avLst/>
+            <a:gdLst/>
+            <a:ahLst/>
+            <a:cxnLst/>
+            <a:rect l="l" t="t" r="r" b="b"/>
+            <a:pathLst>
+              <a:path w="9248" h="10000">
+                <a:moveTo>
+                  <a:pt x="9248" y="4701"/>
+                </a:moveTo>
+                <a:lnTo>
+                  <a:pt x="7915" y="188"/>
+                </a:lnTo>
+                <a:cubicBezTo>
+                  <a:pt x="7906" y="156"/>
+                  <a:pt x="7895" y="126"/>
+                  <a:pt x="7886" y="94"/>
+                </a:cubicBezTo>
+                <a:cubicBezTo>
+                  <a:pt x="7859" y="0"/>
+                  <a:pt x="7831" y="0"/>
+                  <a:pt x="7803" y="0"/>
+                </a:cubicBezTo>
+                <a:lnTo>
+                  <a:pt x="7275" y="0"/>
+                </a:lnTo>
+                <a:lnTo>
+                  <a:pt x="0" y="70"/>
+                </a:lnTo>
+                <a:cubicBezTo>
+                  <a:pt x="8" y="3380"/>
+                  <a:pt x="17" y="6690"/>
+                  <a:pt x="25" y="10000"/>
+                </a:cubicBezTo>
+                <a:lnTo>
+                  <a:pt x="7275" y="9966"/>
+                </a:lnTo>
+                <a:lnTo>
+                  <a:pt x="7803" y="9966"/>
+                </a:lnTo>
+                <a:cubicBezTo>
+                  <a:pt x="7831" y="9966"/>
+                  <a:pt x="7859" y="9872"/>
+                  <a:pt x="7886" y="9872"/>
+                </a:cubicBezTo>
+                <a:cubicBezTo>
+                  <a:pt x="7886" y="9778"/>
+                  <a:pt x="7915" y="9778"/>
+                  <a:pt x="7915" y="9778"/>
+                </a:cubicBezTo>
+                <a:lnTo>
+                  <a:pt x="9248" y="5265"/>
+                </a:lnTo>
+                <a:cubicBezTo>
+                  <a:pt x="9303" y="5077"/>
+                  <a:pt x="9303" y="4889"/>
+                  <a:pt x="9248" y="4701"/>
+                </a:cubicBezTo>
+                <a:close/>
+              </a:path>
+            </a:pathLst>
+          </a:custGeom>
+          <a:solidFill>
+            <a:schemeClr val="accent1"/>
+          </a:solidFill>
+          <a:ln>
+            <a:noFill/>
+          </a:ln>
+        </p:spPr>
+      </p:sp>
+      <p:sp>
+        <p:nvSpPr>
           <p:cNvPr id="6" name="Slide Number Placeholder 5"/>
           <p:cNvSpPr>
             <a:spLocks noGrp="1"/>
@@ -3122,7 +2927,12 @@
             <p:ph type="sldNum" sz="quarter" idx="12"/>
           </p:nvPr>
         </p:nvSpPr>
-        <p:spPr/>
+        <p:spPr>
+          <a:xfrm>
+            <a:off x="531812" y="3244139"/>
+            <a:ext cx="779767" cy="365125"/>
+          </a:xfrm>
+        </p:spPr>
         <p:txBody>
           <a:bodyPr/>
           <a:lstStyle/>
@@ -3143,7 +2953,7 @@
         </p:nvSpPr>
         <p:spPr>
           <a:xfrm>
-            <a:off x="531812" y="812222"/>
+            <a:off x="2467652" y="648005"/>
             <a:ext cx="609600" cy="584776"/>
           </a:xfrm>
           <a:prstGeom prst="rect">
@@ -3158,11 +2968,15 @@
           <a:p>
             <a:pPr lvl="0"/>
             <a:r>
-              <a:rPr lang="en-US" sz="8000" dirty="0">
+              <a:rPr lang="en-US" sz="8000" baseline="0" dirty="0">
+                <a:ln w="3175" cmpd="sng">
+                  <a:noFill/>
+                </a:ln>
                 <a:solidFill>
-                  <a:schemeClr val="tx1"/>
+                  <a:schemeClr val="accent1"/>
                 </a:solidFill>
                 <a:effectLst/>
+                <a:latin typeface="Arial"/>
               </a:rPr>
               <a:t>“</a:t>
             </a:r>
@@ -3177,7 +2991,7 @@
         </p:nvSpPr>
         <p:spPr>
           <a:xfrm>
-            <a:off x="10285412" y="2768601"/>
+            <a:off x="11114852" y="2905306"/>
             <a:ext cx="609600" cy="584776"/>
           </a:xfrm>
           <a:prstGeom prst="rect">
@@ -3190,13 +3004,17 @@
           </a:bodyPr>
           <a:lstStyle/>
           <a:p>
-            <a:pPr lvl="0" algn="r"/>
-            <a:r>
-              <a:rPr lang="en-US" sz="8000" dirty="0">
+            <a:pPr lvl="0"/>
+            <a:r>
+              <a:rPr lang="en-US" sz="8000" baseline="0" dirty="0">
+                <a:ln w="3175" cmpd="sng">
+                  <a:noFill/>
+                </a:ln>
                 <a:solidFill>
-                  <a:schemeClr val="tx1"/>
+                  <a:schemeClr val="accent1"/>
                 </a:solidFill>
                 <a:effectLst/>
+                <a:latin typeface="Arial"/>
               </a:rPr>
               <a:t>”</a:t>
             </a:r>
@@ -3206,7 +3024,7 @@
     </p:spTree>
     <p:extLst>
       <p:ext uri="{BB962C8B-B14F-4D97-AF65-F5344CB8AC3E}">
-        <p14:creationId xmlns:p14="http://schemas.microsoft.com/office/powerpoint/2010/main" val="4137500661"/>
+        <p14:creationId xmlns:p14="http://schemas.microsoft.com/office/powerpoint/2010/main" val="387676981"/>
       </p:ext>
     </p:extLst>
   </p:cSld>
@@ -3216,7 +3034,7 @@
 </p:sldLayout>
 </file>
 
-<file path=ppt/slideLayouts/slideLayout13.xml><?xml version="1.0" encoding="utf-8"?>
+<file path=ppt/slideLayouts/slideLayout12.xml><?xml version="1.0" encoding="utf-8"?>
 <p:sldLayout xmlns:a="http://schemas.openxmlformats.org/drawingml/2006/main" xmlns:r="http://schemas.openxmlformats.org/officeDocument/2006/relationships" xmlns:p="http://schemas.openxmlformats.org/presentationml/2006/main" preserve="1">
   <p:cSld name="Name Card">
     <p:spTree>
@@ -3245,8 +3063,8 @@
         </p:nvSpPr>
         <p:spPr>
           <a:xfrm>
-            <a:off x="684212" y="3429000"/>
-            <a:ext cx="8534400" cy="1697400"/>
+            <a:off x="2589213" y="2438400"/>
+            <a:ext cx="8915400" cy="2724845"/>
           </a:xfrm>
         </p:spPr>
         <p:txBody>
@@ -3255,7 +3073,7 @@
           </a:bodyPr>
           <a:lstStyle>
             <a:lvl1pPr algn="l">
-              <a:defRPr sz="3200" b="0" cap="all"/>
+              <a:defRPr sz="4800" b="0"/>
             </a:lvl1pPr>
           </a:lstStyle>
           <a:p>
@@ -3269,30 +3087,1781 @@
       </p:sp>
       <p:sp>
         <p:nvSpPr>
-          <p:cNvPr id="3" name="Text Placeholder 2"/>
-          <p:cNvSpPr>
-            <a:spLocks noGrp="1"/>
-          </p:cNvSpPr>
-          <p:nvPr>
-            <p:ph type="body" idx="1"/>
+          <p:cNvPr id="4" name="Text Placeholder 3"/>
+          <p:cNvSpPr>
+            <a:spLocks noGrp="1"/>
+          </p:cNvSpPr>
+          <p:nvPr>
+            <p:ph type="body" sz="half" idx="2"/>
           </p:nvPr>
         </p:nvSpPr>
         <p:spPr>
           <a:xfrm>
-            <a:off x="684211" y="5132981"/>
-            <a:ext cx="8535990" cy="860400"/>
+            <a:off x="2589213" y="5181600"/>
+            <a:ext cx="8915400" cy="729622"/>
           </a:xfrm>
         </p:spPr>
         <p:txBody>
-          <a:bodyPr anchor="t">
+          <a:bodyPr vert="horz" lIns="91440" tIns="45720" rIns="91440" bIns="45720" rtlCol="0" anchor="t">
             <a:normAutofit/>
           </a:bodyPr>
+          <a:lstStyle>
+            <a:lvl1pPr>
+              <a:buNone/>
+              <a:defRPr lang="en-US">
+                <a:solidFill>
+                  <a:schemeClr val="tx1">
+                    <a:lumMod val="65000"/>
+                    <a:lumOff val="35000"/>
+                  </a:schemeClr>
+                </a:solidFill>
+              </a:defRPr>
+            </a:lvl1pPr>
+          </a:lstStyle>
+          <a:p>
+            <a:pPr marL="0" lvl="0" indent="0">
+              <a:buNone/>
+            </a:pPr>
+            <a:r>
+              <a:rPr lang="en-US" smtClean="0"/>
+              <a:t>Edit Master text styles</a:t>
+            </a:r>
+          </a:p>
+        </p:txBody>
+      </p:sp>
+      <p:sp>
+        <p:nvSpPr>
+          <p:cNvPr id="5" name="Date Placeholder 4"/>
+          <p:cNvSpPr>
+            <a:spLocks noGrp="1"/>
+          </p:cNvSpPr>
+          <p:nvPr>
+            <p:ph type="dt" sz="half" idx="10"/>
+          </p:nvPr>
+        </p:nvSpPr>
+        <p:spPr/>
+        <p:txBody>
+          <a:bodyPr/>
+          <a:lstStyle/>
+          <a:p>
+            <a:fld id="{D3094294-E651-4CD3-A3DF-7A7AB89AC69B}" type="datetime1">
+              <a:rPr lang="bg-BG" smtClean="0"/>
+              <a:t>21.5.2024 г.</a:t>
+            </a:fld>
+            <a:endParaRPr lang="bg-BG"/>
+          </a:p>
+        </p:txBody>
+      </p:sp>
+      <p:sp>
+        <p:nvSpPr>
+          <p:cNvPr id="6" name="Footer Placeholder 5"/>
+          <p:cNvSpPr>
+            <a:spLocks noGrp="1"/>
+          </p:cNvSpPr>
+          <p:nvPr>
+            <p:ph type="ftr" sz="quarter" idx="11"/>
+          </p:nvPr>
+        </p:nvSpPr>
+        <p:spPr/>
+        <p:txBody>
+          <a:bodyPr/>
+          <a:lstStyle/>
+          <a:p>
+            <a:endParaRPr lang="bg-BG"/>
+          </a:p>
+        </p:txBody>
+      </p:sp>
+      <p:sp>
+        <p:nvSpPr>
+          <p:cNvPr id="9" name="Freeform 11"/>
+          <p:cNvSpPr/>
+          <p:nvPr/>
+        </p:nvSpPr>
+        <p:spPr bwMode="auto">
+          <a:xfrm flipV="1">
+            <a:off x="-4189" y="4911725"/>
+            <a:ext cx="1588527" cy="507297"/>
+          </a:xfrm>
+          <a:custGeom>
+            <a:avLst/>
+            <a:gdLst/>
+            <a:ahLst/>
+            <a:cxnLst/>
+            <a:rect l="l" t="t" r="r" b="b"/>
+            <a:pathLst>
+              <a:path w="9248" h="10000">
+                <a:moveTo>
+                  <a:pt x="9248" y="4701"/>
+                </a:moveTo>
+                <a:lnTo>
+                  <a:pt x="7915" y="188"/>
+                </a:lnTo>
+                <a:cubicBezTo>
+                  <a:pt x="7906" y="156"/>
+                  <a:pt x="7895" y="126"/>
+                  <a:pt x="7886" y="94"/>
+                </a:cubicBezTo>
+                <a:cubicBezTo>
+                  <a:pt x="7859" y="0"/>
+                  <a:pt x="7831" y="0"/>
+                  <a:pt x="7803" y="0"/>
+                </a:cubicBezTo>
+                <a:lnTo>
+                  <a:pt x="7275" y="0"/>
+                </a:lnTo>
+                <a:lnTo>
+                  <a:pt x="0" y="70"/>
+                </a:lnTo>
+                <a:cubicBezTo>
+                  <a:pt x="8" y="3380"/>
+                  <a:pt x="17" y="6690"/>
+                  <a:pt x="25" y="10000"/>
+                </a:cubicBezTo>
+                <a:lnTo>
+                  <a:pt x="7275" y="9966"/>
+                </a:lnTo>
+                <a:lnTo>
+                  <a:pt x="7803" y="9966"/>
+                </a:lnTo>
+                <a:cubicBezTo>
+                  <a:pt x="7831" y="9966"/>
+                  <a:pt x="7859" y="9872"/>
+                  <a:pt x="7886" y="9872"/>
+                </a:cubicBezTo>
+                <a:cubicBezTo>
+                  <a:pt x="7886" y="9778"/>
+                  <a:pt x="7915" y="9778"/>
+                  <a:pt x="7915" y="9778"/>
+                </a:cubicBezTo>
+                <a:lnTo>
+                  <a:pt x="9248" y="5265"/>
+                </a:lnTo>
+                <a:cubicBezTo>
+                  <a:pt x="9303" y="5077"/>
+                  <a:pt x="9303" y="4889"/>
+                  <a:pt x="9248" y="4701"/>
+                </a:cubicBezTo>
+                <a:close/>
+              </a:path>
+            </a:pathLst>
+          </a:custGeom>
+          <a:solidFill>
+            <a:schemeClr val="accent1"/>
+          </a:solidFill>
+          <a:ln>
+            <a:noFill/>
+          </a:ln>
+        </p:spPr>
+      </p:sp>
+      <p:sp>
+        <p:nvSpPr>
+          <p:cNvPr id="7" name="Slide Number Placeholder 6"/>
+          <p:cNvSpPr>
+            <a:spLocks noGrp="1"/>
+          </p:cNvSpPr>
+          <p:nvPr>
+            <p:ph type="sldNum" sz="quarter" idx="12"/>
+          </p:nvPr>
+        </p:nvSpPr>
+        <p:spPr>
+          <a:xfrm>
+            <a:off x="531812" y="4983087"/>
+            <a:ext cx="779767" cy="365125"/>
+          </a:xfrm>
+        </p:spPr>
+        <p:txBody>
+          <a:bodyPr/>
+          <a:lstStyle/>
+          <a:p>
+            <a:fld id="{1542C117-F53B-4C04-8140-02C06F39F1BD}" type="slidenum">
+              <a:rPr lang="bg-BG" smtClean="0"/>
+              <a:t>‹#›</a:t>
+            </a:fld>
+            <a:endParaRPr lang="bg-BG"/>
+          </a:p>
+        </p:txBody>
+      </p:sp>
+    </p:spTree>
+    <p:extLst>
+      <p:ext uri="{BB962C8B-B14F-4D97-AF65-F5344CB8AC3E}">
+        <p14:creationId xmlns:p14="http://schemas.microsoft.com/office/powerpoint/2010/main" val="3144637904"/>
+      </p:ext>
+    </p:extLst>
+  </p:cSld>
+  <p:clrMapOvr>
+    <a:masterClrMapping/>
+  </p:clrMapOvr>
+</p:sldLayout>
+</file>
+
+<file path=ppt/slideLayouts/slideLayout13.xml><?xml version="1.0" encoding="utf-8"?>
+<p:sldLayout xmlns:a="http://schemas.openxmlformats.org/drawingml/2006/main" xmlns:r="http://schemas.openxmlformats.org/officeDocument/2006/relationships" xmlns:p="http://schemas.openxmlformats.org/presentationml/2006/main" preserve="1">
+  <p:cSld name="Quote Name Card">
+    <p:spTree>
+      <p:nvGrpSpPr>
+        <p:cNvPr id="1" name=""/>
+        <p:cNvGrpSpPr/>
+        <p:nvPr/>
+      </p:nvGrpSpPr>
+      <p:grpSpPr>
+        <a:xfrm>
+          <a:off x="0" y="0"/>
+          <a:ext cx="0" cy="0"/>
+          <a:chOff x="0" y="0"/>
+          <a:chExt cx="0" cy="0"/>
+        </a:xfrm>
+      </p:grpSpPr>
+      <p:sp>
+        <p:nvSpPr>
+          <p:cNvPr id="12" name="Title 1"/>
+          <p:cNvSpPr>
+            <a:spLocks noGrp="1"/>
+          </p:cNvSpPr>
+          <p:nvPr>
+            <p:ph type="title"/>
+          </p:nvPr>
+        </p:nvSpPr>
+        <p:spPr>
+          <a:xfrm>
+            <a:off x="2849949" y="609600"/>
+            <a:ext cx="8393926" cy="2895600"/>
+          </a:xfrm>
+        </p:spPr>
+        <p:txBody>
+          <a:bodyPr anchor="ctr">
+            <a:normAutofit/>
+          </a:bodyPr>
+          <a:lstStyle>
+            <a:lvl1pPr algn="l">
+              <a:defRPr sz="4800" b="0" cap="none"/>
+            </a:lvl1pPr>
+          </a:lstStyle>
+          <a:p>
+            <a:r>
+              <a:rPr lang="en-US" smtClean="0"/>
+              <a:t>Click to edit Master title style</a:t>
+            </a:r>
+            <a:endParaRPr lang="en-US" dirty="0"/>
+          </a:p>
+        </p:txBody>
+      </p:sp>
+      <p:sp>
+        <p:nvSpPr>
+          <p:cNvPr id="21" name="Text Placeholder 9"/>
+          <p:cNvSpPr>
+            <a:spLocks noGrp="1"/>
+          </p:cNvSpPr>
+          <p:nvPr>
+            <p:ph type="body" sz="quarter" idx="13"/>
+          </p:nvPr>
+        </p:nvSpPr>
+        <p:spPr>
+          <a:xfrm>
+            <a:off x="2589212" y="4343400"/>
+            <a:ext cx="8915400" cy="838200"/>
+          </a:xfrm>
+        </p:spPr>
+        <p:txBody>
+          <a:bodyPr anchor="b">
+            <a:noAutofit/>
+          </a:bodyPr>
+          <a:lstStyle>
+            <a:lvl1pPr marL="0" indent="0">
+              <a:buFontTx/>
+              <a:buNone/>
+              <a:defRPr sz="2400">
+                <a:solidFill>
+                  <a:schemeClr val="accent1"/>
+                </a:solidFill>
+              </a:defRPr>
+            </a:lvl1pPr>
+            <a:lvl2pPr marL="457200" indent="0">
+              <a:buFontTx/>
+              <a:buNone/>
+              <a:defRPr/>
+            </a:lvl2pPr>
+            <a:lvl3pPr marL="914400" indent="0">
+              <a:buFontTx/>
+              <a:buNone/>
+              <a:defRPr/>
+            </a:lvl3pPr>
+            <a:lvl4pPr marL="1371600" indent="0">
+              <a:buFontTx/>
+              <a:buNone/>
+              <a:defRPr/>
+            </a:lvl4pPr>
+            <a:lvl5pPr marL="1828800" indent="0">
+              <a:buFontTx/>
+              <a:buNone/>
+              <a:defRPr/>
+            </a:lvl5pPr>
+          </a:lstStyle>
+          <a:p>
+            <a:pPr lvl="0"/>
+            <a:r>
+              <a:rPr lang="en-US" smtClean="0"/>
+              <a:t>Edit Master text styles</a:t>
+            </a:r>
+          </a:p>
+        </p:txBody>
+      </p:sp>
+      <p:sp>
+        <p:nvSpPr>
+          <p:cNvPr id="4" name="Text Placeholder 3"/>
+          <p:cNvSpPr>
+            <a:spLocks noGrp="1"/>
+          </p:cNvSpPr>
+          <p:nvPr>
+            <p:ph type="body" sz="half" idx="2"/>
+          </p:nvPr>
+        </p:nvSpPr>
+        <p:spPr>
+          <a:xfrm>
+            <a:off x="2589213" y="5181600"/>
+            <a:ext cx="8915400" cy="729622"/>
+          </a:xfrm>
+        </p:spPr>
+        <p:txBody>
+          <a:bodyPr vert="horz" lIns="91440" tIns="45720" rIns="91440" bIns="45720" rtlCol="0" anchor="t">
+            <a:normAutofit/>
+          </a:bodyPr>
+          <a:lstStyle>
+            <a:lvl1pPr>
+              <a:buNone/>
+              <a:defRPr lang="en-US">
+                <a:solidFill>
+                  <a:schemeClr val="tx1">
+                    <a:lumMod val="65000"/>
+                    <a:lumOff val="35000"/>
+                  </a:schemeClr>
+                </a:solidFill>
+              </a:defRPr>
+            </a:lvl1pPr>
+          </a:lstStyle>
+          <a:p>
+            <a:pPr marL="0" lvl="0" indent="0">
+              <a:buNone/>
+            </a:pPr>
+            <a:r>
+              <a:rPr lang="en-US" smtClean="0"/>
+              <a:t>Edit Master text styles</a:t>
+            </a:r>
+          </a:p>
+        </p:txBody>
+      </p:sp>
+      <p:sp>
+        <p:nvSpPr>
+          <p:cNvPr id="5" name="Date Placeholder 4"/>
+          <p:cNvSpPr>
+            <a:spLocks noGrp="1"/>
+          </p:cNvSpPr>
+          <p:nvPr>
+            <p:ph type="dt" sz="half" idx="10"/>
+          </p:nvPr>
+        </p:nvSpPr>
+        <p:spPr/>
+        <p:txBody>
+          <a:bodyPr/>
+          <a:lstStyle/>
+          <a:p>
+            <a:fld id="{932255A1-F527-46F0-99C9-DFA36BA8601D}" type="datetime1">
+              <a:rPr lang="bg-BG" smtClean="0"/>
+              <a:t>21.5.2024 г.</a:t>
+            </a:fld>
+            <a:endParaRPr lang="bg-BG"/>
+          </a:p>
+        </p:txBody>
+      </p:sp>
+      <p:sp>
+        <p:nvSpPr>
+          <p:cNvPr id="6" name="Footer Placeholder 5"/>
+          <p:cNvSpPr>
+            <a:spLocks noGrp="1"/>
+          </p:cNvSpPr>
+          <p:nvPr>
+            <p:ph type="ftr" sz="quarter" idx="11"/>
+          </p:nvPr>
+        </p:nvSpPr>
+        <p:spPr/>
+        <p:txBody>
+          <a:bodyPr/>
+          <a:lstStyle/>
+          <a:p>
+            <a:endParaRPr lang="bg-BG"/>
+          </a:p>
+        </p:txBody>
+      </p:sp>
+      <p:sp>
+        <p:nvSpPr>
+          <p:cNvPr id="11" name="Freeform 11"/>
+          <p:cNvSpPr/>
+          <p:nvPr/>
+        </p:nvSpPr>
+        <p:spPr bwMode="auto">
+          <a:xfrm flipV="1">
+            <a:off x="-4189" y="4911725"/>
+            <a:ext cx="1588527" cy="507297"/>
+          </a:xfrm>
+          <a:custGeom>
+            <a:avLst/>
+            <a:gdLst/>
+            <a:ahLst/>
+            <a:cxnLst/>
+            <a:rect l="l" t="t" r="r" b="b"/>
+            <a:pathLst>
+              <a:path w="9248" h="10000">
+                <a:moveTo>
+                  <a:pt x="9248" y="4701"/>
+                </a:moveTo>
+                <a:lnTo>
+                  <a:pt x="7915" y="188"/>
+                </a:lnTo>
+                <a:cubicBezTo>
+                  <a:pt x="7906" y="156"/>
+                  <a:pt x="7895" y="126"/>
+                  <a:pt x="7886" y="94"/>
+                </a:cubicBezTo>
+                <a:cubicBezTo>
+                  <a:pt x="7859" y="0"/>
+                  <a:pt x="7831" y="0"/>
+                  <a:pt x="7803" y="0"/>
+                </a:cubicBezTo>
+                <a:lnTo>
+                  <a:pt x="7275" y="0"/>
+                </a:lnTo>
+                <a:lnTo>
+                  <a:pt x="0" y="70"/>
+                </a:lnTo>
+                <a:cubicBezTo>
+                  <a:pt x="8" y="3380"/>
+                  <a:pt x="17" y="6690"/>
+                  <a:pt x="25" y="10000"/>
+                </a:cubicBezTo>
+                <a:lnTo>
+                  <a:pt x="7275" y="9966"/>
+                </a:lnTo>
+                <a:lnTo>
+                  <a:pt x="7803" y="9966"/>
+                </a:lnTo>
+                <a:cubicBezTo>
+                  <a:pt x="7831" y="9966"/>
+                  <a:pt x="7859" y="9872"/>
+                  <a:pt x="7886" y="9872"/>
+                </a:cubicBezTo>
+                <a:cubicBezTo>
+                  <a:pt x="7886" y="9778"/>
+                  <a:pt x="7915" y="9778"/>
+                  <a:pt x="7915" y="9778"/>
+                </a:cubicBezTo>
+                <a:lnTo>
+                  <a:pt x="9248" y="5265"/>
+                </a:lnTo>
+                <a:cubicBezTo>
+                  <a:pt x="9303" y="5077"/>
+                  <a:pt x="9303" y="4889"/>
+                  <a:pt x="9248" y="4701"/>
+                </a:cubicBezTo>
+                <a:close/>
+              </a:path>
+            </a:pathLst>
+          </a:custGeom>
+          <a:solidFill>
+            <a:schemeClr val="accent1"/>
+          </a:solidFill>
+          <a:ln>
+            <a:noFill/>
+          </a:ln>
+        </p:spPr>
+      </p:sp>
+      <p:sp>
+        <p:nvSpPr>
+          <p:cNvPr id="7" name="Slide Number Placeholder 6"/>
+          <p:cNvSpPr>
+            <a:spLocks noGrp="1"/>
+          </p:cNvSpPr>
+          <p:nvPr>
+            <p:ph type="sldNum" sz="quarter" idx="12"/>
+          </p:nvPr>
+        </p:nvSpPr>
+        <p:spPr>
+          <a:xfrm>
+            <a:off x="531812" y="4983087"/>
+            <a:ext cx="779767" cy="365125"/>
+          </a:xfrm>
+        </p:spPr>
+        <p:txBody>
+          <a:bodyPr/>
+          <a:lstStyle/>
+          <a:p>
+            <a:fld id="{1542C117-F53B-4C04-8140-02C06F39F1BD}" type="slidenum">
+              <a:rPr lang="bg-BG" smtClean="0"/>
+              <a:t>‹#›</a:t>
+            </a:fld>
+            <a:endParaRPr lang="bg-BG"/>
+          </a:p>
+        </p:txBody>
+      </p:sp>
+      <p:sp>
+        <p:nvSpPr>
+          <p:cNvPr id="17" name="TextBox 16"/>
+          <p:cNvSpPr txBox="1"/>
+          <p:nvPr/>
+        </p:nvSpPr>
+        <p:spPr>
+          <a:xfrm>
+            <a:off x="2467652" y="648005"/>
+            <a:ext cx="609600" cy="584776"/>
+          </a:xfrm>
+          <a:prstGeom prst="rect">
+            <a:avLst/>
+          </a:prstGeom>
+        </p:spPr>
+        <p:txBody>
+          <a:bodyPr vert="horz" lIns="91440" tIns="45720" rIns="91440" bIns="45720" rtlCol="0" anchor="ctr">
+            <a:noAutofit/>
+          </a:bodyPr>
+          <a:lstStyle/>
+          <a:p>
+            <a:pPr lvl="0"/>
+            <a:r>
+              <a:rPr lang="en-US" sz="8000" baseline="0" dirty="0">
+                <a:ln w="3175" cmpd="sng">
+                  <a:noFill/>
+                </a:ln>
+                <a:solidFill>
+                  <a:schemeClr val="accent1"/>
+                </a:solidFill>
+                <a:effectLst/>
+                <a:latin typeface="Arial"/>
+              </a:rPr>
+              <a:t>“</a:t>
+            </a:r>
+          </a:p>
+        </p:txBody>
+      </p:sp>
+      <p:sp>
+        <p:nvSpPr>
+          <p:cNvPr id="18" name="TextBox 17"/>
+          <p:cNvSpPr txBox="1"/>
+          <p:nvPr/>
+        </p:nvSpPr>
+        <p:spPr>
+          <a:xfrm>
+            <a:off x="11114852" y="2905306"/>
+            <a:ext cx="609600" cy="584776"/>
+          </a:xfrm>
+          <a:prstGeom prst="rect">
+            <a:avLst/>
+          </a:prstGeom>
+        </p:spPr>
+        <p:txBody>
+          <a:bodyPr vert="horz" lIns="91440" tIns="45720" rIns="91440" bIns="45720" rtlCol="0" anchor="ctr">
+            <a:noAutofit/>
+          </a:bodyPr>
+          <a:lstStyle/>
+          <a:p>
+            <a:pPr lvl="0"/>
+            <a:r>
+              <a:rPr lang="en-US" sz="8000" baseline="0" dirty="0">
+                <a:ln w="3175" cmpd="sng">
+                  <a:noFill/>
+                </a:ln>
+                <a:solidFill>
+                  <a:schemeClr val="accent1"/>
+                </a:solidFill>
+                <a:effectLst/>
+                <a:latin typeface="Arial"/>
+              </a:rPr>
+              <a:t>”</a:t>
+            </a:r>
+          </a:p>
+        </p:txBody>
+      </p:sp>
+    </p:spTree>
+    <p:extLst>
+      <p:ext uri="{BB962C8B-B14F-4D97-AF65-F5344CB8AC3E}">
+        <p14:creationId xmlns:p14="http://schemas.microsoft.com/office/powerpoint/2010/main" val="1239381526"/>
+      </p:ext>
+    </p:extLst>
+  </p:cSld>
+  <p:clrMapOvr>
+    <a:masterClrMapping/>
+  </p:clrMapOvr>
+</p:sldLayout>
+</file>
+
+<file path=ppt/slideLayouts/slideLayout14.xml><?xml version="1.0" encoding="utf-8"?>
+<p:sldLayout xmlns:a="http://schemas.openxmlformats.org/drawingml/2006/main" xmlns:r="http://schemas.openxmlformats.org/officeDocument/2006/relationships" xmlns:p="http://schemas.openxmlformats.org/presentationml/2006/main" preserve="1">
+  <p:cSld name="True or False">
+    <p:spTree>
+      <p:nvGrpSpPr>
+        <p:cNvPr id="1" name=""/>
+        <p:cNvGrpSpPr/>
+        <p:nvPr/>
+      </p:nvGrpSpPr>
+      <p:grpSpPr>
+        <a:xfrm>
+          <a:off x="0" y="0"/>
+          <a:ext cx="0" cy="0"/>
+          <a:chOff x="0" y="0"/>
+          <a:chExt cx="0" cy="0"/>
+        </a:xfrm>
+      </p:grpSpPr>
+      <p:sp>
+        <p:nvSpPr>
+          <p:cNvPr id="2" name="Title 1"/>
+          <p:cNvSpPr>
+            <a:spLocks noGrp="1"/>
+          </p:cNvSpPr>
+          <p:nvPr>
+            <p:ph type="title"/>
+          </p:nvPr>
+        </p:nvSpPr>
+        <p:spPr>
+          <a:xfrm>
+            <a:off x="2589212" y="627407"/>
+            <a:ext cx="8915399" cy="2880020"/>
+          </a:xfrm>
+        </p:spPr>
+        <p:txBody>
+          <a:bodyPr anchor="ctr">
+            <a:normAutofit/>
+          </a:bodyPr>
+          <a:lstStyle>
+            <a:lvl1pPr algn="l">
+              <a:defRPr sz="4800" b="0"/>
+            </a:lvl1pPr>
+          </a:lstStyle>
+          <a:p>
+            <a:r>
+              <a:rPr lang="en-US" smtClean="0"/>
+              <a:t>Click to edit Master title style</a:t>
+            </a:r>
+            <a:endParaRPr lang="en-US" dirty="0"/>
+          </a:p>
+        </p:txBody>
+      </p:sp>
+      <p:sp>
+        <p:nvSpPr>
+          <p:cNvPr id="21" name="Text Placeholder 9"/>
+          <p:cNvSpPr>
+            <a:spLocks noGrp="1"/>
+          </p:cNvSpPr>
+          <p:nvPr>
+            <p:ph type="body" sz="quarter" idx="13"/>
+          </p:nvPr>
+        </p:nvSpPr>
+        <p:spPr>
+          <a:xfrm>
+            <a:off x="2589212" y="4343400"/>
+            <a:ext cx="8915400" cy="838200"/>
+          </a:xfrm>
+        </p:spPr>
+        <p:txBody>
+          <a:bodyPr anchor="b">
+            <a:noAutofit/>
+          </a:bodyPr>
+          <a:lstStyle>
+            <a:lvl1pPr marL="0" indent="0">
+              <a:buFontTx/>
+              <a:buNone/>
+              <a:defRPr sz="2400">
+                <a:solidFill>
+                  <a:schemeClr val="accent1"/>
+                </a:solidFill>
+              </a:defRPr>
+            </a:lvl1pPr>
+            <a:lvl2pPr marL="457200" indent="0">
+              <a:buFontTx/>
+              <a:buNone/>
+              <a:defRPr/>
+            </a:lvl2pPr>
+            <a:lvl3pPr marL="914400" indent="0">
+              <a:buFontTx/>
+              <a:buNone/>
+              <a:defRPr/>
+            </a:lvl3pPr>
+            <a:lvl4pPr marL="1371600" indent="0">
+              <a:buFontTx/>
+              <a:buNone/>
+              <a:defRPr/>
+            </a:lvl4pPr>
+            <a:lvl5pPr marL="1828800" indent="0">
+              <a:buFontTx/>
+              <a:buNone/>
+              <a:defRPr/>
+            </a:lvl5pPr>
+          </a:lstStyle>
+          <a:p>
+            <a:pPr lvl="0"/>
+            <a:r>
+              <a:rPr lang="en-US" smtClean="0"/>
+              <a:t>Edit Master text styles</a:t>
+            </a:r>
+          </a:p>
+        </p:txBody>
+      </p:sp>
+      <p:sp>
+        <p:nvSpPr>
+          <p:cNvPr id="4" name="Text Placeholder 3"/>
+          <p:cNvSpPr>
+            <a:spLocks noGrp="1"/>
+          </p:cNvSpPr>
+          <p:nvPr>
+            <p:ph type="body" sz="half" idx="2"/>
+          </p:nvPr>
+        </p:nvSpPr>
+        <p:spPr>
+          <a:xfrm>
+            <a:off x="2589213" y="5181600"/>
+            <a:ext cx="8915400" cy="729622"/>
+          </a:xfrm>
+        </p:spPr>
+        <p:txBody>
+          <a:bodyPr vert="horz" lIns="91440" tIns="45720" rIns="91440" bIns="45720" rtlCol="0" anchor="t">
+            <a:normAutofit/>
+          </a:bodyPr>
+          <a:lstStyle>
+            <a:lvl1pPr>
+              <a:buNone/>
+              <a:defRPr lang="en-US">
+                <a:solidFill>
+                  <a:schemeClr val="tx1">
+                    <a:lumMod val="65000"/>
+                    <a:lumOff val="35000"/>
+                  </a:schemeClr>
+                </a:solidFill>
+              </a:defRPr>
+            </a:lvl1pPr>
+          </a:lstStyle>
+          <a:p>
+            <a:pPr marL="0" lvl="0" indent="0">
+              <a:buNone/>
+            </a:pPr>
+            <a:r>
+              <a:rPr lang="en-US" smtClean="0"/>
+              <a:t>Edit Master text styles</a:t>
+            </a:r>
+          </a:p>
+        </p:txBody>
+      </p:sp>
+      <p:sp>
+        <p:nvSpPr>
+          <p:cNvPr id="5" name="Date Placeholder 4"/>
+          <p:cNvSpPr>
+            <a:spLocks noGrp="1"/>
+          </p:cNvSpPr>
+          <p:nvPr>
+            <p:ph type="dt" sz="half" idx="10"/>
+          </p:nvPr>
+        </p:nvSpPr>
+        <p:spPr/>
+        <p:txBody>
+          <a:bodyPr/>
+          <a:lstStyle/>
+          <a:p>
+            <a:fld id="{0E7071DD-522F-4D77-BE61-F38AB7575637}" type="datetime1">
+              <a:rPr lang="bg-BG" smtClean="0"/>
+              <a:t>21.5.2024 г.</a:t>
+            </a:fld>
+            <a:endParaRPr lang="bg-BG"/>
+          </a:p>
+        </p:txBody>
+      </p:sp>
+      <p:sp>
+        <p:nvSpPr>
+          <p:cNvPr id="6" name="Footer Placeholder 5"/>
+          <p:cNvSpPr>
+            <a:spLocks noGrp="1"/>
+          </p:cNvSpPr>
+          <p:nvPr>
+            <p:ph type="ftr" sz="quarter" idx="11"/>
+          </p:nvPr>
+        </p:nvSpPr>
+        <p:spPr/>
+        <p:txBody>
+          <a:bodyPr/>
+          <a:lstStyle/>
+          <a:p>
+            <a:endParaRPr lang="bg-BG"/>
+          </a:p>
+        </p:txBody>
+      </p:sp>
+      <p:sp>
+        <p:nvSpPr>
+          <p:cNvPr id="9" name="Freeform 11"/>
+          <p:cNvSpPr/>
+          <p:nvPr/>
+        </p:nvSpPr>
+        <p:spPr bwMode="auto">
+          <a:xfrm flipV="1">
+            <a:off x="-4189" y="4911725"/>
+            <a:ext cx="1588527" cy="507297"/>
+          </a:xfrm>
+          <a:custGeom>
+            <a:avLst/>
+            <a:gdLst/>
+            <a:ahLst/>
+            <a:cxnLst/>
+            <a:rect l="l" t="t" r="r" b="b"/>
+            <a:pathLst>
+              <a:path w="9248" h="10000">
+                <a:moveTo>
+                  <a:pt x="9248" y="4701"/>
+                </a:moveTo>
+                <a:lnTo>
+                  <a:pt x="7915" y="188"/>
+                </a:lnTo>
+                <a:cubicBezTo>
+                  <a:pt x="7906" y="156"/>
+                  <a:pt x="7895" y="126"/>
+                  <a:pt x="7886" y="94"/>
+                </a:cubicBezTo>
+                <a:cubicBezTo>
+                  <a:pt x="7859" y="0"/>
+                  <a:pt x="7831" y="0"/>
+                  <a:pt x="7803" y="0"/>
+                </a:cubicBezTo>
+                <a:lnTo>
+                  <a:pt x="7275" y="0"/>
+                </a:lnTo>
+                <a:lnTo>
+                  <a:pt x="0" y="70"/>
+                </a:lnTo>
+                <a:cubicBezTo>
+                  <a:pt x="8" y="3380"/>
+                  <a:pt x="17" y="6690"/>
+                  <a:pt x="25" y="10000"/>
+                </a:cubicBezTo>
+                <a:lnTo>
+                  <a:pt x="7275" y="9966"/>
+                </a:lnTo>
+                <a:lnTo>
+                  <a:pt x="7803" y="9966"/>
+                </a:lnTo>
+                <a:cubicBezTo>
+                  <a:pt x="7831" y="9966"/>
+                  <a:pt x="7859" y="9872"/>
+                  <a:pt x="7886" y="9872"/>
+                </a:cubicBezTo>
+                <a:cubicBezTo>
+                  <a:pt x="7886" y="9778"/>
+                  <a:pt x="7915" y="9778"/>
+                  <a:pt x="7915" y="9778"/>
+                </a:cubicBezTo>
+                <a:lnTo>
+                  <a:pt x="9248" y="5265"/>
+                </a:lnTo>
+                <a:cubicBezTo>
+                  <a:pt x="9303" y="5077"/>
+                  <a:pt x="9303" y="4889"/>
+                  <a:pt x="9248" y="4701"/>
+                </a:cubicBezTo>
+                <a:close/>
+              </a:path>
+            </a:pathLst>
+          </a:custGeom>
+          <a:solidFill>
+            <a:schemeClr val="accent1"/>
+          </a:solidFill>
+          <a:ln>
+            <a:noFill/>
+          </a:ln>
+        </p:spPr>
+      </p:sp>
+      <p:sp>
+        <p:nvSpPr>
+          <p:cNvPr id="7" name="Slide Number Placeholder 6"/>
+          <p:cNvSpPr>
+            <a:spLocks noGrp="1"/>
+          </p:cNvSpPr>
+          <p:nvPr>
+            <p:ph type="sldNum" sz="quarter" idx="12"/>
+          </p:nvPr>
+        </p:nvSpPr>
+        <p:spPr>
+          <a:xfrm>
+            <a:off x="531812" y="4983087"/>
+            <a:ext cx="779767" cy="365125"/>
+          </a:xfrm>
+        </p:spPr>
+        <p:txBody>
+          <a:bodyPr/>
+          <a:lstStyle/>
+          <a:p>
+            <a:fld id="{1542C117-F53B-4C04-8140-02C06F39F1BD}" type="slidenum">
+              <a:rPr lang="bg-BG" smtClean="0"/>
+              <a:t>‹#›</a:t>
+            </a:fld>
+            <a:endParaRPr lang="bg-BG"/>
+          </a:p>
+        </p:txBody>
+      </p:sp>
+    </p:spTree>
+    <p:extLst>
+      <p:ext uri="{BB962C8B-B14F-4D97-AF65-F5344CB8AC3E}">
+        <p14:creationId xmlns:p14="http://schemas.microsoft.com/office/powerpoint/2010/main" val="3045077877"/>
+      </p:ext>
+    </p:extLst>
+  </p:cSld>
+  <p:clrMapOvr>
+    <a:masterClrMapping/>
+  </p:clrMapOvr>
+</p:sldLayout>
+</file>
+
+<file path=ppt/slideLayouts/slideLayout15.xml><?xml version="1.0" encoding="utf-8"?>
+<p:sldLayout xmlns:a="http://schemas.openxmlformats.org/drawingml/2006/main" xmlns:r="http://schemas.openxmlformats.org/officeDocument/2006/relationships" xmlns:p="http://schemas.openxmlformats.org/presentationml/2006/main" type="vertTx" preserve="1">
+  <p:cSld name="Title and Vertical Text">
+    <p:spTree>
+      <p:nvGrpSpPr>
+        <p:cNvPr id="1" name=""/>
+        <p:cNvGrpSpPr/>
+        <p:nvPr/>
+      </p:nvGrpSpPr>
+      <p:grpSpPr>
+        <a:xfrm>
+          <a:off x="0" y="0"/>
+          <a:ext cx="0" cy="0"/>
+          <a:chOff x="0" y="0"/>
+          <a:chExt cx="0" cy="0"/>
+        </a:xfrm>
+      </p:grpSpPr>
+      <p:sp>
+        <p:nvSpPr>
+          <p:cNvPr id="2" name="Title 1"/>
+          <p:cNvSpPr>
+            <a:spLocks noGrp="1"/>
+          </p:cNvSpPr>
+          <p:nvPr>
+            <p:ph type="title"/>
+          </p:nvPr>
+        </p:nvSpPr>
+        <p:spPr/>
+        <p:txBody>
+          <a:bodyPr/>
+          <a:lstStyle/>
+          <a:p>
+            <a:r>
+              <a:rPr lang="en-US" smtClean="0"/>
+              <a:t>Click to edit Master title style</a:t>
+            </a:r>
+            <a:endParaRPr lang="en-US" dirty="0"/>
+          </a:p>
+        </p:txBody>
+      </p:sp>
+      <p:sp>
+        <p:nvSpPr>
+          <p:cNvPr id="3" name="Vertical Text Placeholder 2"/>
+          <p:cNvSpPr>
+            <a:spLocks noGrp="1"/>
+          </p:cNvSpPr>
+          <p:nvPr>
+            <p:ph type="body" orient="vert" idx="1"/>
+          </p:nvPr>
+        </p:nvSpPr>
+        <p:spPr/>
+        <p:txBody>
+          <a:bodyPr vert="eaVert" anchor="t"/>
+          <a:lstStyle/>
+          <a:p>
+            <a:pPr lvl="0"/>
+            <a:r>
+              <a:rPr lang="en-US" smtClean="0"/>
+              <a:t>Edit Master text styles</a:t>
+            </a:r>
+          </a:p>
+          <a:p>
+            <a:pPr lvl="1"/>
+            <a:r>
+              <a:rPr lang="en-US" smtClean="0"/>
+              <a:t>Second level</a:t>
+            </a:r>
+          </a:p>
+          <a:p>
+            <a:pPr lvl="2"/>
+            <a:r>
+              <a:rPr lang="en-US" smtClean="0"/>
+              <a:t>Third level</a:t>
+            </a:r>
+          </a:p>
+          <a:p>
+            <a:pPr lvl="3"/>
+            <a:r>
+              <a:rPr lang="en-US" smtClean="0"/>
+              <a:t>Fourth level</a:t>
+            </a:r>
+          </a:p>
+          <a:p>
+            <a:pPr lvl="4"/>
+            <a:r>
+              <a:rPr lang="en-US" smtClean="0"/>
+              <a:t>Fifth level</a:t>
+            </a:r>
+            <a:endParaRPr lang="en-US" dirty="0"/>
+          </a:p>
+        </p:txBody>
+      </p:sp>
+      <p:sp>
+        <p:nvSpPr>
+          <p:cNvPr id="4" name="Date Placeholder 3"/>
+          <p:cNvSpPr>
+            <a:spLocks noGrp="1"/>
+          </p:cNvSpPr>
+          <p:nvPr>
+            <p:ph type="dt" sz="half" idx="10"/>
+          </p:nvPr>
+        </p:nvSpPr>
+        <p:spPr/>
+        <p:txBody>
+          <a:bodyPr/>
+          <a:lstStyle/>
+          <a:p>
+            <a:fld id="{CDC45E06-93C7-43C9-B7FB-34EC0908E527}" type="datetime1">
+              <a:rPr lang="bg-BG" smtClean="0"/>
+              <a:t>21.5.2024 г.</a:t>
+            </a:fld>
+            <a:endParaRPr lang="bg-BG"/>
+          </a:p>
+        </p:txBody>
+      </p:sp>
+      <p:sp>
+        <p:nvSpPr>
+          <p:cNvPr id="5" name="Footer Placeholder 4"/>
+          <p:cNvSpPr>
+            <a:spLocks noGrp="1"/>
+          </p:cNvSpPr>
+          <p:nvPr>
+            <p:ph type="ftr" sz="quarter" idx="11"/>
+          </p:nvPr>
+        </p:nvSpPr>
+        <p:spPr/>
+        <p:txBody>
+          <a:bodyPr/>
+          <a:lstStyle/>
+          <a:p>
+            <a:endParaRPr lang="bg-BG"/>
+          </a:p>
+        </p:txBody>
+      </p:sp>
+      <p:sp>
+        <p:nvSpPr>
+          <p:cNvPr id="8" name="Freeform 11"/>
+          <p:cNvSpPr/>
+          <p:nvPr/>
+        </p:nvSpPr>
+        <p:spPr bwMode="auto">
+          <a:xfrm flipV="1">
+            <a:off x="-4189" y="714375"/>
+            <a:ext cx="1588527" cy="507297"/>
+          </a:xfrm>
+          <a:custGeom>
+            <a:avLst/>
+            <a:gdLst/>
+            <a:ahLst/>
+            <a:cxnLst/>
+            <a:rect l="l" t="t" r="r" b="b"/>
+            <a:pathLst>
+              <a:path w="9248" h="10000">
+                <a:moveTo>
+                  <a:pt x="9248" y="4701"/>
+                </a:moveTo>
+                <a:lnTo>
+                  <a:pt x="7915" y="188"/>
+                </a:lnTo>
+                <a:cubicBezTo>
+                  <a:pt x="7906" y="156"/>
+                  <a:pt x="7895" y="126"/>
+                  <a:pt x="7886" y="94"/>
+                </a:cubicBezTo>
+                <a:cubicBezTo>
+                  <a:pt x="7859" y="0"/>
+                  <a:pt x="7831" y="0"/>
+                  <a:pt x="7803" y="0"/>
+                </a:cubicBezTo>
+                <a:lnTo>
+                  <a:pt x="7275" y="0"/>
+                </a:lnTo>
+                <a:lnTo>
+                  <a:pt x="0" y="70"/>
+                </a:lnTo>
+                <a:cubicBezTo>
+                  <a:pt x="8" y="3380"/>
+                  <a:pt x="17" y="6690"/>
+                  <a:pt x="25" y="10000"/>
+                </a:cubicBezTo>
+                <a:lnTo>
+                  <a:pt x="7275" y="9966"/>
+                </a:lnTo>
+                <a:lnTo>
+                  <a:pt x="7803" y="9966"/>
+                </a:lnTo>
+                <a:cubicBezTo>
+                  <a:pt x="7831" y="9966"/>
+                  <a:pt x="7859" y="9872"/>
+                  <a:pt x="7886" y="9872"/>
+                </a:cubicBezTo>
+                <a:cubicBezTo>
+                  <a:pt x="7886" y="9778"/>
+                  <a:pt x="7915" y="9778"/>
+                  <a:pt x="7915" y="9778"/>
+                </a:cubicBezTo>
+                <a:lnTo>
+                  <a:pt x="9248" y="5265"/>
+                </a:lnTo>
+                <a:cubicBezTo>
+                  <a:pt x="9303" y="5077"/>
+                  <a:pt x="9303" y="4889"/>
+                  <a:pt x="9248" y="4701"/>
+                </a:cubicBezTo>
+                <a:close/>
+              </a:path>
+            </a:pathLst>
+          </a:custGeom>
+          <a:solidFill>
+            <a:schemeClr val="accent1"/>
+          </a:solidFill>
+          <a:ln>
+            <a:noFill/>
+          </a:ln>
+        </p:spPr>
+      </p:sp>
+      <p:sp>
+        <p:nvSpPr>
+          <p:cNvPr id="6" name="Slide Number Placeholder 5"/>
+          <p:cNvSpPr>
+            <a:spLocks noGrp="1"/>
+          </p:cNvSpPr>
+          <p:nvPr>
+            <p:ph type="sldNum" sz="quarter" idx="12"/>
+          </p:nvPr>
+        </p:nvSpPr>
+        <p:spPr/>
+        <p:txBody>
+          <a:bodyPr/>
+          <a:lstStyle/>
+          <a:p>
+            <a:fld id="{1542C117-F53B-4C04-8140-02C06F39F1BD}" type="slidenum">
+              <a:rPr lang="bg-BG" smtClean="0"/>
+              <a:t>‹#›</a:t>
+            </a:fld>
+            <a:endParaRPr lang="bg-BG"/>
+          </a:p>
+        </p:txBody>
+      </p:sp>
+    </p:spTree>
+    <p:extLst>
+      <p:ext uri="{BB962C8B-B14F-4D97-AF65-F5344CB8AC3E}">
+        <p14:creationId xmlns:p14="http://schemas.microsoft.com/office/powerpoint/2010/main" val="4224412168"/>
+      </p:ext>
+    </p:extLst>
+  </p:cSld>
+  <p:clrMapOvr>
+    <a:masterClrMapping/>
+  </p:clrMapOvr>
+</p:sldLayout>
+</file>
+
+<file path=ppt/slideLayouts/slideLayout16.xml><?xml version="1.0" encoding="utf-8"?>
+<p:sldLayout xmlns:a="http://schemas.openxmlformats.org/drawingml/2006/main" xmlns:r="http://schemas.openxmlformats.org/officeDocument/2006/relationships" xmlns:p="http://schemas.openxmlformats.org/presentationml/2006/main" type="vertTitleAndTx" preserve="1">
+  <p:cSld name="Vertical Title and Text">
+    <p:spTree>
+      <p:nvGrpSpPr>
+        <p:cNvPr id="1" name=""/>
+        <p:cNvGrpSpPr/>
+        <p:nvPr/>
+      </p:nvGrpSpPr>
+      <p:grpSpPr>
+        <a:xfrm>
+          <a:off x="0" y="0"/>
+          <a:ext cx="0" cy="0"/>
+          <a:chOff x="0" y="0"/>
+          <a:chExt cx="0" cy="0"/>
+        </a:xfrm>
+      </p:grpSpPr>
+      <p:sp>
+        <p:nvSpPr>
+          <p:cNvPr id="2" name="Vertical Title 1"/>
+          <p:cNvSpPr>
+            <a:spLocks noGrp="1"/>
+          </p:cNvSpPr>
+          <p:nvPr>
+            <p:ph type="title" orient="vert"/>
+          </p:nvPr>
+        </p:nvSpPr>
+        <p:spPr>
+          <a:xfrm>
+            <a:off x="9294812" y="627405"/>
+            <a:ext cx="2207601" cy="5283817"/>
+          </a:xfrm>
+        </p:spPr>
+        <p:txBody>
+          <a:bodyPr vert="eaVert" anchor="ctr"/>
+          <a:lstStyle/>
+          <a:p>
+            <a:r>
+              <a:rPr lang="en-US" smtClean="0"/>
+              <a:t>Click to edit Master title style</a:t>
+            </a:r>
+            <a:endParaRPr lang="en-US" dirty="0"/>
+          </a:p>
+        </p:txBody>
+      </p:sp>
+      <p:sp>
+        <p:nvSpPr>
+          <p:cNvPr id="3" name="Vertical Text Placeholder 2"/>
+          <p:cNvSpPr>
+            <a:spLocks noGrp="1"/>
+          </p:cNvSpPr>
+          <p:nvPr>
+            <p:ph type="body" orient="vert" idx="1"/>
+          </p:nvPr>
+        </p:nvSpPr>
+        <p:spPr>
+          <a:xfrm>
+            <a:off x="2589212" y="627405"/>
+            <a:ext cx="6477000" cy="5283817"/>
+          </a:xfrm>
+        </p:spPr>
+        <p:txBody>
+          <a:bodyPr vert="eaVert"/>
+          <a:lstStyle/>
+          <a:p>
+            <a:pPr lvl="0"/>
+            <a:r>
+              <a:rPr lang="en-US" smtClean="0"/>
+              <a:t>Edit Master text styles</a:t>
+            </a:r>
+          </a:p>
+          <a:p>
+            <a:pPr lvl="1"/>
+            <a:r>
+              <a:rPr lang="en-US" smtClean="0"/>
+              <a:t>Second level</a:t>
+            </a:r>
+          </a:p>
+          <a:p>
+            <a:pPr lvl="2"/>
+            <a:r>
+              <a:rPr lang="en-US" smtClean="0"/>
+              <a:t>Third level</a:t>
+            </a:r>
+          </a:p>
+          <a:p>
+            <a:pPr lvl="3"/>
+            <a:r>
+              <a:rPr lang="en-US" smtClean="0"/>
+              <a:t>Fourth level</a:t>
+            </a:r>
+          </a:p>
+          <a:p>
+            <a:pPr lvl="4"/>
+            <a:r>
+              <a:rPr lang="en-US" smtClean="0"/>
+              <a:t>Fifth level</a:t>
+            </a:r>
+            <a:endParaRPr lang="en-US" dirty="0"/>
+          </a:p>
+        </p:txBody>
+      </p:sp>
+      <p:sp>
+        <p:nvSpPr>
+          <p:cNvPr id="4" name="Date Placeholder 3"/>
+          <p:cNvSpPr>
+            <a:spLocks noGrp="1"/>
+          </p:cNvSpPr>
+          <p:nvPr>
+            <p:ph type="dt" sz="half" idx="10"/>
+          </p:nvPr>
+        </p:nvSpPr>
+        <p:spPr/>
+        <p:txBody>
+          <a:bodyPr/>
+          <a:lstStyle/>
+          <a:p>
+            <a:fld id="{64A7E241-AB17-460C-B661-3CFB883EB2DA}" type="datetime1">
+              <a:rPr lang="bg-BG" smtClean="0"/>
+              <a:t>21.5.2024 г.</a:t>
+            </a:fld>
+            <a:endParaRPr lang="bg-BG"/>
+          </a:p>
+        </p:txBody>
+      </p:sp>
+      <p:sp>
+        <p:nvSpPr>
+          <p:cNvPr id="5" name="Footer Placeholder 4"/>
+          <p:cNvSpPr>
+            <a:spLocks noGrp="1"/>
+          </p:cNvSpPr>
+          <p:nvPr>
+            <p:ph type="ftr" sz="quarter" idx="11"/>
+          </p:nvPr>
+        </p:nvSpPr>
+        <p:spPr/>
+        <p:txBody>
+          <a:bodyPr/>
+          <a:lstStyle/>
+          <a:p>
+            <a:endParaRPr lang="bg-BG"/>
+          </a:p>
+        </p:txBody>
+      </p:sp>
+      <p:sp>
+        <p:nvSpPr>
+          <p:cNvPr id="8" name="Freeform 11"/>
+          <p:cNvSpPr/>
+          <p:nvPr/>
+        </p:nvSpPr>
+        <p:spPr bwMode="auto">
+          <a:xfrm flipV="1">
+            <a:off x="-4189" y="714375"/>
+            <a:ext cx="1588527" cy="507297"/>
+          </a:xfrm>
+          <a:custGeom>
+            <a:avLst/>
+            <a:gdLst/>
+            <a:ahLst/>
+            <a:cxnLst/>
+            <a:rect l="l" t="t" r="r" b="b"/>
+            <a:pathLst>
+              <a:path w="9248" h="10000">
+                <a:moveTo>
+                  <a:pt x="9248" y="4701"/>
+                </a:moveTo>
+                <a:lnTo>
+                  <a:pt x="7915" y="188"/>
+                </a:lnTo>
+                <a:cubicBezTo>
+                  <a:pt x="7906" y="156"/>
+                  <a:pt x="7895" y="126"/>
+                  <a:pt x="7886" y="94"/>
+                </a:cubicBezTo>
+                <a:cubicBezTo>
+                  <a:pt x="7859" y="0"/>
+                  <a:pt x="7831" y="0"/>
+                  <a:pt x="7803" y="0"/>
+                </a:cubicBezTo>
+                <a:lnTo>
+                  <a:pt x="7275" y="0"/>
+                </a:lnTo>
+                <a:lnTo>
+                  <a:pt x="0" y="70"/>
+                </a:lnTo>
+                <a:cubicBezTo>
+                  <a:pt x="8" y="3380"/>
+                  <a:pt x="17" y="6690"/>
+                  <a:pt x="25" y="10000"/>
+                </a:cubicBezTo>
+                <a:lnTo>
+                  <a:pt x="7275" y="9966"/>
+                </a:lnTo>
+                <a:lnTo>
+                  <a:pt x="7803" y="9966"/>
+                </a:lnTo>
+                <a:cubicBezTo>
+                  <a:pt x="7831" y="9966"/>
+                  <a:pt x="7859" y="9872"/>
+                  <a:pt x="7886" y="9872"/>
+                </a:cubicBezTo>
+                <a:cubicBezTo>
+                  <a:pt x="7886" y="9778"/>
+                  <a:pt x="7915" y="9778"/>
+                  <a:pt x="7915" y="9778"/>
+                </a:cubicBezTo>
+                <a:lnTo>
+                  <a:pt x="9248" y="5265"/>
+                </a:lnTo>
+                <a:cubicBezTo>
+                  <a:pt x="9303" y="5077"/>
+                  <a:pt x="9303" y="4889"/>
+                  <a:pt x="9248" y="4701"/>
+                </a:cubicBezTo>
+                <a:close/>
+              </a:path>
+            </a:pathLst>
+          </a:custGeom>
+          <a:solidFill>
+            <a:schemeClr val="accent1"/>
+          </a:solidFill>
+          <a:ln>
+            <a:noFill/>
+          </a:ln>
+        </p:spPr>
+      </p:sp>
+      <p:sp>
+        <p:nvSpPr>
+          <p:cNvPr id="6" name="Slide Number Placeholder 5"/>
+          <p:cNvSpPr>
+            <a:spLocks noGrp="1"/>
+          </p:cNvSpPr>
+          <p:nvPr>
+            <p:ph type="sldNum" sz="quarter" idx="12"/>
+          </p:nvPr>
+        </p:nvSpPr>
+        <p:spPr/>
+        <p:txBody>
+          <a:bodyPr/>
+          <a:lstStyle/>
+          <a:p>
+            <a:fld id="{1542C117-F53B-4C04-8140-02C06F39F1BD}" type="slidenum">
+              <a:rPr lang="bg-BG" smtClean="0"/>
+              <a:t>‹#›</a:t>
+            </a:fld>
+            <a:endParaRPr lang="bg-BG"/>
+          </a:p>
+        </p:txBody>
+      </p:sp>
+    </p:spTree>
+    <p:extLst>
+      <p:ext uri="{BB962C8B-B14F-4D97-AF65-F5344CB8AC3E}">
+        <p14:creationId xmlns:p14="http://schemas.microsoft.com/office/powerpoint/2010/main" val="1053239084"/>
+      </p:ext>
+    </p:extLst>
+  </p:cSld>
+  <p:clrMapOvr>
+    <a:masterClrMapping/>
+  </p:clrMapOvr>
+</p:sldLayout>
+</file>
+
+<file path=ppt/slideLayouts/slideLayout2.xml><?xml version="1.0" encoding="utf-8"?>
+<p:sldLayout xmlns:a="http://schemas.openxmlformats.org/drawingml/2006/main" xmlns:r="http://schemas.openxmlformats.org/officeDocument/2006/relationships" xmlns:p="http://schemas.openxmlformats.org/presentationml/2006/main" type="obj" preserve="1">
+  <p:cSld name="Title and Content">
+    <p:spTree>
+      <p:nvGrpSpPr>
+        <p:cNvPr id="1" name=""/>
+        <p:cNvGrpSpPr/>
+        <p:nvPr/>
+      </p:nvGrpSpPr>
+      <p:grpSpPr>
+        <a:xfrm>
+          <a:off x="0" y="0"/>
+          <a:ext cx="0" cy="0"/>
+          <a:chOff x="0" y="0"/>
+          <a:chExt cx="0" cy="0"/>
+        </a:xfrm>
+      </p:grpSpPr>
+      <p:sp>
+        <p:nvSpPr>
+          <p:cNvPr id="2" name="Title 1"/>
+          <p:cNvSpPr>
+            <a:spLocks noGrp="1"/>
+          </p:cNvSpPr>
+          <p:nvPr>
+            <p:ph type="title"/>
+          </p:nvPr>
+        </p:nvSpPr>
+        <p:spPr>
+          <a:xfrm>
+            <a:off x="2592925" y="624110"/>
+            <a:ext cx="8911687" cy="1280890"/>
+          </a:xfrm>
+        </p:spPr>
+        <p:txBody>
+          <a:bodyPr/>
+          <a:lstStyle/>
+          <a:p>
+            <a:r>
+              <a:rPr lang="en-US" smtClean="0"/>
+              <a:t>Click to edit Master title style</a:t>
+            </a:r>
+            <a:endParaRPr lang="en-US" dirty="0"/>
+          </a:p>
+        </p:txBody>
+      </p:sp>
+      <p:sp>
+        <p:nvSpPr>
+          <p:cNvPr id="3" name="Content Placeholder 2"/>
+          <p:cNvSpPr>
+            <a:spLocks noGrp="1"/>
+          </p:cNvSpPr>
+          <p:nvPr>
+            <p:ph idx="1"/>
+          </p:nvPr>
+        </p:nvSpPr>
+        <p:spPr>
+          <a:xfrm>
+            <a:off x="2589212" y="2133600"/>
+            <a:ext cx="8915400" cy="3777622"/>
+          </a:xfrm>
+        </p:spPr>
+        <p:txBody>
+          <a:bodyPr/>
+          <a:lstStyle/>
+          <a:p>
+            <a:pPr lvl="0"/>
+            <a:r>
+              <a:rPr lang="en-US" smtClean="0"/>
+              <a:t>Edit Master text styles</a:t>
+            </a:r>
+          </a:p>
+          <a:p>
+            <a:pPr lvl="1"/>
+            <a:r>
+              <a:rPr lang="en-US" smtClean="0"/>
+              <a:t>Second level</a:t>
+            </a:r>
+          </a:p>
+          <a:p>
+            <a:pPr lvl="2"/>
+            <a:r>
+              <a:rPr lang="en-US" smtClean="0"/>
+              <a:t>Third level</a:t>
+            </a:r>
+          </a:p>
+          <a:p>
+            <a:pPr lvl="3"/>
+            <a:r>
+              <a:rPr lang="en-US" smtClean="0"/>
+              <a:t>Fourth level</a:t>
+            </a:r>
+          </a:p>
+          <a:p>
+            <a:pPr lvl="4"/>
+            <a:r>
+              <a:rPr lang="en-US" smtClean="0"/>
+              <a:t>Fifth level</a:t>
+            </a:r>
+            <a:endParaRPr lang="en-US" dirty="0"/>
+          </a:p>
+        </p:txBody>
+      </p:sp>
+      <p:sp>
+        <p:nvSpPr>
+          <p:cNvPr id="4" name="Date Placeholder 3"/>
+          <p:cNvSpPr>
+            <a:spLocks noGrp="1"/>
+          </p:cNvSpPr>
+          <p:nvPr>
+            <p:ph type="dt" sz="half" idx="10"/>
+          </p:nvPr>
+        </p:nvSpPr>
+        <p:spPr/>
+        <p:txBody>
+          <a:bodyPr/>
+          <a:lstStyle/>
+          <a:p>
+            <a:fld id="{C21DB74F-2AB8-46EB-BED7-A8C750A71025}" type="datetime1">
+              <a:rPr lang="bg-BG" smtClean="0"/>
+              <a:t>21.5.2024 г.</a:t>
+            </a:fld>
+            <a:endParaRPr lang="bg-BG"/>
+          </a:p>
+        </p:txBody>
+      </p:sp>
+      <p:sp>
+        <p:nvSpPr>
+          <p:cNvPr id="5" name="Footer Placeholder 4"/>
+          <p:cNvSpPr>
+            <a:spLocks noGrp="1"/>
+          </p:cNvSpPr>
+          <p:nvPr>
+            <p:ph type="ftr" sz="quarter" idx="11"/>
+          </p:nvPr>
+        </p:nvSpPr>
+        <p:spPr/>
+        <p:txBody>
+          <a:bodyPr/>
+          <a:lstStyle/>
+          <a:p>
+            <a:endParaRPr lang="bg-BG"/>
+          </a:p>
+        </p:txBody>
+      </p:sp>
+      <p:sp>
+        <p:nvSpPr>
+          <p:cNvPr id="8" name="Freeform 11"/>
+          <p:cNvSpPr/>
+          <p:nvPr/>
+        </p:nvSpPr>
+        <p:spPr bwMode="auto">
+          <a:xfrm flipV="1">
+            <a:off x="-4189" y="714375"/>
+            <a:ext cx="1588527" cy="507297"/>
+          </a:xfrm>
+          <a:custGeom>
+            <a:avLst/>
+            <a:gdLst/>
+            <a:ahLst/>
+            <a:cxnLst/>
+            <a:rect l="l" t="t" r="r" b="b"/>
+            <a:pathLst>
+              <a:path w="9248" h="10000">
+                <a:moveTo>
+                  <a:pt x="9248" y="4701"/>
+                </a:moveTo>
+                <a:lnTo>
+                  <a:pt x="7915" y="188"/>
+                </a:lnTo>
+                <a:cubicBezTo>
+                  <a:pt x="7906" y="156"/>
+                  <a:pt x="7895" y="126"/>
+                  <a:pt x="7886" y="94"/>
+                </a:cubicBezTo>
+                <a:cubicBezTo>
+                  <a:pt x="7859" y="0"/>
+                  <a:pt x="7831" y="0"/>
+                  <a:pt x="7803" y="0"/>
+                </a:cubicBezTo>
+                <a:lnTo>
+                  <a:pt x="7275" y="0"/>
+                </a:lnTo>
+                <a:lnTo>
+                  <a:pt x="0" y="70"/>
+                </a:lnTo>
+                <a:cubicBezTo>
+                  <a:pt x="8" y="3380"/>
+                  <a:pt x="17" y="6690"/>
+                  <a:pt x="25" y="10000"/>
+                </a:cubicBezTo>
+                <a:lnTo>
+                  <a:pt x="7275" y="9966"/>
+                </a:lnTo>
+                <a:lnTo>
+                  <a:pt x="7803" y="9966"/>
+                </a:lnTo>
+                <a:cubicBezTo>
+                  <a:pt x="7831" y="9966"/>
+                  <a:pt x="7859" y="9872"/>
+                  <a:pt x="7886" y="9872"/>
+                </a:cubicBezTo>
+                <a:cubicBezTo>
+                  <a:pt x="7886" y="9778"/>
+                  <a:pt x="7915" y="9778"/>
+                  <a:pt x="7915" y="9778"/>
+                </a:cubicBezTo>
+                <a:lnTo>
+                  <a:pt x="9248" y="5265"/>
+                </a:lnTo>
+                <a:cubicBezTo>
+                  <a:pt x="9303" y="5077"/>
+                  <a:pt x="9303" y="4889"/>
+                  <a:pt x="9248" y="4701"/>
+                </a:cubicBezTo>
+                <a:close/>
+              </a:path>
+            </a:pathLst>
+          </a:custGeom>
+          <a:solidFill>
+            <a:schemeClr val="accent1"/>
+          </a:solidFill>
+          <a:ln>
+            <a:noFill/>
+          </a:ln>
+        </p:spPr>
+      </p:sp>
+      <p:sp>
+        <p:nvSpPr>
+          <p:cNvPr id="6" name="Slide Number Placeholder 5"/>
+          <p:cNvSpPr>
+            <a:spLocks noGrp="1"/>
+          </p:cNvSpPr>
+          <p:nvPr>
+            <p:ph type="sldNum" sz="quarter" idx="12"/>
+          </p:nvPr>
+        </p:nvSpPr>
+        <p:spPr/>
+        <p:txBody>
+          <a:bodyPr/>
+          <a:lstStyle/>
+          <a:p>
+            <a:fld id="{1542C117-F53B-4C04-8140-02C06F39F1BD}" type="slidenum">
+              <a:rPr lang="bg-BG" smtClean="0"/>
+              <a:t>‹#›</a:t>
+            </a:fld>
+            <a:endParaRPr lang="bg-BG"/>
+          </a:p>
+        </p:txBody>
+      </p:sp>
+    </p:spTree>
+    <p:extLst>
+      <p:ext uri="{BB962C8B-B14F-4D97-AF65-F5344CB8AC3E}">
+        <p14:creationId xmlns:p14="http://schemas.microsoft.com/office/powerpoint/2010/main" val="3356279231"/>
+      </p:ext>
+    </p:extLst>
+  </p:cSld>
+  <p:clrMapOvr>
+    <a:masterClrMapping/>
+  </p:clrMapOvr>
+</p:sldLayout>
+</file>
+
+<file path=ppt/slideLayouts/slideLayout3.xml><?xml version="1.0" encoding="utf-8"?>
+<p:sldLayout xmlns:a="http://schemas.openxmlformats.org/drawingml/2006/main" xmlns:r="http://schemas.openxmlformats.org/officeDocument/2006/relationships" xmlns:p="http://schemas.openxmlformats.org/presentationml/2006/main" type="secHead" preserve="1">
+  <p:cSld name="Section Header">
+    <p:spTree>
+      <p:nvGrpSpPr>
+        <p:cNvPr id="1" name=""/>
+        <p:cNvGrpSpPr/>
+        <p:nvPr/>
+      </p:nvGrpSpPr>
+      <p:grpSpPr>
+        <a:xfrm>
+          <a:off x="0" y="0"/>
+          <a:ext cx="0" cy="0"/>
+          <a:chOff x="0" y="0"/>
+          <a:chExt cx="0" cy="0"/>
+        </a:xfrm>
+      </p:grpSpPr>
+      <p:sp>
+        <p:nvSpPr>
+          <p:cNvPr id="2" name="Title 1"/>
+          <p:cNvSpPr>
+            <a:spLocks noGrp="1"/>
+          </p:cNvSpPr>
+          <p:nvPr>
+            <p:ph type="title"/>
+          </p:nvPr>
+        </p:nvSpPr>
+        <p:spPr>
+          <a:xfrm>
+            <a:off x="2589212" y="2058750"/>
+            <a:ext cx="8915399" cy="1468800"/>
+          </a:xfrm>
+        </p:spPr>
+        <p:txBody>
+          <a:bodyPr anchor="b"/>
+          <a:lstStyle>
+            <a:lvl1pPr algn="l">
+              <a:defRPr sz="4000" b="0" cap="none"/>
+            </a:lvl1pPr>
+          </a:lstStyle>
+          <a:p>
+            <a:r>
+              <a:rPr lang="en-US" smtClean="0"/>
+              <a:t>Click to edit Master title style</a:t>
+            </a:r>
+            <a:endParaRPr lang="en-US" dirty="0"/>
+          </a:p>
+        </p:txBody>
+      </p:sp>
+      <p:sp>
+        <p:nvSpPr>
+          <p:cNvPr id="3" name="Text Placeholder 2"/>
+          <p:cNvSpPr>
+            <a:spLocks noGrp="1"/>
+          </p:cNvSpPr>
+          <p:nvPr>
+            <p:ph type="body" idx="1"/>
+          </p:nvPr>
+        </p:nvSpPr>
+        <p:spPr>
+          <a:xfrm>
+            <a:off x="2589212" y="3530129"/>
+            <a:ext cx="8915399" cy="860400"/>
+          </a:xfrm>
+        </p:spPr>
+        <p:txBody>
+          <a:bodyPr anchor="t"/>
           <a:lstStyle>
             <a:lvl1pPr marL="0" indent="0" algn="l">
               <a:buNone/>
               <a:defRPr sz="2000">
                 <a:solidFill>
-                  <a:schemeClr val="tx1"/>
+                  <a:schemeClr val="tx1">
+                    <a:lumMod val="65000"/>
+                    <a:lumOff val="35000"/>
+                  </a:schemeClr>
                 </a:solidFill>
               </a:defRPr>
             </a:lvl1pPr>
@@ -3401,9 +4970,9 @@
           <a:bodyPr/>
           <a:lstStyle/>
           <a:p>
-            <a:fld id="{D3094294-E651-4CD3-A3DF-7A7AB89AC69B}" type="datetime1">
+            <a:fld id="{2AE1A56C-8EEB-43C4-A8F0-806BF8CF2AEC}" type="datetime1">
               <a:rPr lang="bg-BG" smtClean="0"/>
-              <a:t>12.5.2024 г.</a:t>
+              <a:t>21.5.2024 г.</a:t>
             </a:fld>
             <a:endParaRPr lang="bg-BG"/>
           </a:p>
@@ -3430,6 +4999,88 @@
       </p:sp>
       <p:sp>
         <p:nvSpPr>
+          <p:cNvPr id="9" name="Freeform 11"/>
+          <p:cNvSpPr/>
+          <p:nvPr/>
+        </p:nvSpPr>
+        <p:spPr bwMode="auto">
+          <a:xfrm flipV="1">
+            <a:off x="-4189" y="3178175"/>
+            <a:ext cx="1588527" cy="507297"/>
+          </a:xfrm>
+          <a:custGeom>
+            <a:avLst/>
+            <a:gdLst/>
+            <a:ahLst/>
+            <a:cxnLst/>
+            <a:rect l="l" t="t" r="r" b="b"/>
+            <a:pathLst>
+              <a:path w="9248" h="10000">
+                <a:moveTo>
+                  <a:pt x="9248" y="4701"/>
+                </a:moveTo>
+                <a:lnTo>
+                  <a:pt x="7915" y="188"/>
+                </a:lnTo>
+                <a:cubicBezTo>
+                  <a:pt x="7906" y="156"/>
+                  <a:pt x="7895" y="126"/>
+                  <a:pt x="7886" y="94"/>
+                </a:cubicBezTo>
+                <a:cubicBezTo>
+                  <a:pt x="7859" y="0"/>
+                  <a:pt x="7831" y="0"/>
+                  <a:pt x="7803" y="0"/>
+                </a:cubicBezTo>
+                <a:lnTo>
+                  <a:pt x="7275" y="0"/>
+                </a:lnTo>
+                <a:lnTo>
+                  <a:pt x="0" y="70"/>
+                </a:lnTo>
+                <a:cubicBezTo>
+                  <a:pt x="8" y="3380"/>
+                  <a:pt x="17" y="6690"/>
+                  <a:pt x="25" y="10000"/>
+                </a:cubicBezTo>
+                <a:lnTo>
+                  <a:pt x="7275" y="9966"/>
+                </a:lnTo>
+                <a:lnTo>
+                  <a:pt x="7803" y="9966"/>
+                </a:lnTo>
+                <a:cubicBezTo>
+                  <a:pt x="7831" y="9966"/>
+                  <a:pt x="7859" y="9872"/>
+                  <a:pt x="7886" y="9872"/>
+                </a:cubicBezTo>
+                <a:cubicBezTo>
+                  <a:pt x="7886" y="9778"/>
+                  <a:pt x="7915" y="9778"/>
+                  <a:pt x="7915" y="9778"/>
+                </a:cubicBezTo>
+                <a:lnTo>
+                  <a:pt x="9248" y="5265"/>
+                </a:lnTo>
+                <a:cubicBezTo>
+                  <a:pt x="9303" y="5077"/>
+                  <a:pt x="9303" y="4889"/>
+                  <a:pt x="9248" y="4701"/>
+                </a:cubicBezTo>
+                <a:close/>
+              </a:path>
+            </a:pathLst>
+          </a:custGeom>
+          <a:solidFill>
+            <a:schemeClr val="accent1"/>
+          </a:solidFill>
+          <a:ln>
+            <a:noFill/>
+          </a:ln>
+        </p:spPr>
+      </p:sp>
+      <p:sp>
+        <p:nvSpPr>
           <p:cNvPr id="6" name="Slide Number Placeholder 5"/>
           <p:cNvSpPr>
             <a:spLocks noGrp="1"/>
@@ -3438,7 +5089,12 @@
             <p:ph type="sldNum" sz="quarter" idx="12"/>
           </p:nvPr>
         </p:nvSpPr>
-        <p:spPr/>
+        <p:spPr>
+          <a:xfrm>
+            <a:off x="531812" y="3244139"/>
+            <a:ext cx="779767" cy="365125"/>
+          </a:xfrm>
+        </p:spPr>
         <p:txBody>
           <a:bodyPr/>
           <a:lstStyle/>
@@ -3454,1444 +5110,7 @@
     </p:spTree>
     <p:extLst>
       <p:ext uri="{BB962C8B-B14F-4D97-AF65-F5344CB8AC3E}">
-        <p14:creationId xmlns:p14="http://schemas.microsoft.com/office/powerpoint/2010/main" val="2331644464"/>
-      </p:ext>
-    </p:extLst>
-  </p:cSld>
-  <p:clrMapOvr>
-    <a:masterClrMapping/>
-  </p:clrMapOvr>
-</p:sldLayout>
-</file>
-
-<file path=ppt/slideLayouts/slideLayout14.xml><?xml version="1.0" encoding="utf-8"?>
-<p:sldLayout xmlns:a="http://schemas.openxmlformats.org/drawingml/2006/main" xmlns:r="http://schemas.openxmlformats.org/officeDocument/2006/relationships" xmlns:p="http://schemas.openxmlformats.org/presentationml/2006/main" preserve="1">
-  <p:cSld name="Quote Name Card">
-    <p:spTree>
-      <p:nvGrpSpPr>
-        <p:cNvPr id="1" name=""/>
-        <p:cNvGrpSpPr/>
-        <p:nvPr/>
-      </p:nvGrpSpPr>
-      <p:grpSpPr>
-        <a:xfrm>
-          <a:off x="0" y="0"/>
-          <a:ext cx="0" cy="0"/>
-          <a:chOff x="0" y="0"/>
-          <a:chExt cx="0" cy="0"/>
-        </a:xfrm>
-      </p:grpSpPr>
-      <p:sp>
-        <p:nvSpPr>
-          <p:cNvPr id="2" name="Title 1"/>
-          <p:cNvSpPr>
-            <a:spLocks noGrp="1"/>
-          </p:cNvSpPr>
-          <p:nvPr>
-            <p:ph type="title"/>
-          </p:nvPr>
-        </p:nvSpPr>
-        <p:spPr>
-          <a:xfrm>
-            <a:off x="1141413" y="685800"/>
-            <a:ext cx="9144000" cy="2743200"/>
-          </a:xfrm>
-        </p:spPr>
-        <p:txBody>
-          <a:bodyPr anchor="ctr">
-            <a:normAutofit/>
-          </a:bodyPr>
-          <a:lstStyle>
-            <a:lvl1pPr algn="l">
-              <a:defRPr sz="3200" b="0" cap="all">
-                <a:solidFill>
-                  <a:schemeClr val="tx1"/>
-                </a:solidFill>
-              </a:defRPr>
-            </a:lvl1pPr>
-          </a:lstStyle>
-          <a:p>
-            <a:r>
-              <a:rPr lang="en-US" smtClean="0"/>
-              <a:t>Click to edit Master title style</a:t>
-            </a:r>
-            <a:endParaRPr lang="en-US" dirty="0"/>
-          </a:p>
-        </p:txBody>
-      </p:sp>
-      <p:sp>
-        <p:nvSpPr>
-          <p:cNvPr id="10" name="Text Placeholder 9"/>
-          <p:cNvSpPr>
-            <a:spLocks noGrp="1"/>
-          </p:cNvSpPr>
-          <p:nvPr>
-            <p:ph type="body" sz="quarter" idx="13"/>
-          </p:nvPr>
-        </p:nvSpPr>
-        <p:spPr>
-          <a:xfrm>
-            <a:off x="684212" y="3928534"/>
-            <a:ext cx="8534401" cy="1049866"/>
-          </a:xfrm>
-        </p:spPr>
-        <p:txBody>
-          <a:bodyPr vert="horz" lIns="91440" tIns="45720" rIns="91440" bIns="45720" rtlCol="0" anchor="b">
-            <a:normAutofit/>
-          </a:bodyPr>
-          <a:lstStyle>
-            <a:lvl1pPr>
-              <a:buNone/>
-              <a:defRPr lang="en-US" sz="2400" b="0" cap="all" dirty="0">
-                <a:ln w="3175" cmpd="sng">
-                  <a:noFill/>
-                </a:ln>
-                <a:solidFill>
-                  <a:schemeClr val="tx1"/>
-                </a:solidFill>
-                <a:effectLst/>
-              </a:defRPr>
-            </a:lvl1pPr>
-          </a:lstStyle>
-          <a:p>
-            <a:pPr marL="0" lvl="0">
-              <a:spcBef>
-                <a:spcPct val="0"/>
-              </a:spcBef>
-              <a:buNone/>
-            </a:pPr>
-            <a:r>
-              <a:rPr lang="en-US" smtClean="0"/>
-              <a:t>Edit Master text styles</a:t>
-            </a:r>
-          </a:p>
-        </p:txBody>
-      </p:sp>
-      <p:sp>
-        <p:nvSpPr>
-          <p:cNvPr id="3" name="Text Placeholder 2"/>
-          <p:cNvSpPr>
-            <a:spLocks noGrp="1"/>
-          </p:cNvSpPr>
-          <p:nvPr>
-            <p:ph type="body" idx="1"/>
-          </p:nvPr>
-        </p:nvSpPr>
-        <p:spPr>
-          <a:xfrm>
-            <a:off x="684211" y="4978400"/>
-            <a:ext cx="8534401" cy="1016000"/>
-          </a:xfrm>
-        </p:spPr>
-        <p:txBody>
-          <a:bodyPr anchor="t">
-            <a:normAutofit/>
-          </a:bodyPr>
-          <a:lstStyle>
-            <a:lvl1pPr marL="0" indent="0" algn="l">
-              <a:buNone/>
-              <a:defRPr sz="1800">
-                <a:solidFill>
-                  <a:schemeClr val="tx1"/>
-                </a:solidFill>
-              </a:defRPr>
-            </a:lvl1pPr>
-            <a:lvl2pPr marL="457200" indent="0">
-              <a:buNone/>
-              <a:defRPr sz="1800">
-                <a:solidFill>
-                  <a:schemeClr val="tx1">
-                    <a:tint val="75000"/>
-                  </a:schemeClr>
-                </a:solidFill>
-              </a:defRPr>
-            </a:lvl2pPr>
-            <a:lvl3pPr marL="914400" indent="0">
-              <a:buNone/>
-              <a:defRPr sz="1600">
-                <a:solidFill>
-                  <a:schemeClr val="tx1">
-                    <a:tint val="75000"/>
-                  </a:schemeClr>
-                </a:solidFill>
-              </a:defRPr>
-            </a:lvl3pPr>
-            <a:lvl4pPr marL="1371600" indent="0">
-              <a:buNone/>
-              <a:defRPr sz="1400">
-                <a:solidFill>
-                  <a:schemeClr val="tx1">
-                    <a:tint val="75000"/>
-                  </a:schemeClr>
-                </a:solidFill>
-              </a:defRPr>
-            </a:lvl4pPr>
-            <a:lvl5pPr marL="1828800" indent="0">
-              <a:buNone/>
-              <a:defRPr sz="1400">
-                <a:solidFill>
-                  <a:schemeClr val="tx1">
-                    <a:tint val="75000"/>
-                  </a:schemeClr>
-                </a:solidFill>
-              </a:defRPr>
-            </a:lvl5pPr>
-            <a:lvl6pPr marL="2286000" indent="0">
-              <a:buNone/>
-              <a:defRPr sz="1400">
-                <a:solidFill>
-                  <a:schemeClr val="tx1">
-                    <a:tint val="75000"/>
-                  </a:schemeClr>
-                </a:solidFill>
-              </a:defRPr>
-            </a:lvl6pPr>
-            <a:lvl7pPr marL="2743200" indent="0">
-              <a:buNone/>
-              <a:defRPr sz="1400">
-                <a:solidFill>
-                  <a:schemeClr val="tx1">
-                    <a:tint val="75000"/>
-                  </a:schemeClr>
-                </a:solidFill>
-              </a:defRPr>
-            </a:lvl7pPr>
-            <a:lvl8pPr marL="3200400" indent="0">
-              <a:buNone/>
-              <a:defRPr sz="1400">
-                <a:solidFill>
-                  <a:schemeClr val="tx1">
-                    <a:tint val="75000"/>
-                  </a:schemeClr>
-                </a:solidFill>
-              </a:defRPr>
-            </a:lvl8pPr>
-            <a:lvl9pPr marL="3657600" indent="0">
-              <a:buNone/>
-              <a:defRPr sz="1400">
-                <a:solidFill>
-                  <a:schemeClr val="tx1">
-                    <a:tint val="75000"/>
-                  </a:schemeClr>
-                </a:solidFill>
-              </a:defRPr>
-            </a:lvl9pPr>
-          </a:lstStyle>
-          <a:p>
-            <a:pPr lvl="0"/>
-            <a:r>
-              <a:rPr lang="en-US" smtClean="0"/>
-              <a:t>Edit Master text styles</a:t>
-            </a:r>
-          </a:p>
-        </p:txBody>
-      </p:sp>
-      <p:sp>
-        <p:nvSpPr>
-          <p:cNvPr id="4" name="Date Placeholder 3"/>
-          <p:cNvSpPr>
-            <a:spLocks noGrp="1"/>
-          </p:cNvSpPr>
-          <p:nvPr>
-            <p:ph type="dt" sz="half" idx="10"/>
-          </p:nvPr>
-        </p:nvSpPr>
-        <p:spPr/>
-        <p:txBody>
-          <a:bodyPr/>
-          <a:lstStyle/>
-          <a:p>
-            <a:fld id="{932255A1-F527-46F0-99C9-DFA36BA8601D}" type="datetime1">
-              <a:rPr lang="bg-BG" smtClean="0"/>
-              <a:t>12.5.2024 г.</a:t>
-            </a:fld>
-            <a:endParaRPr lang="bg-BG"/>
-          </a:p>
-        </p:txBody>
-      </p:sp>
-      <p:sp>
-        <p:nvSpPr>
-          <p:cNvPr id="5" name="Footer Placeholder 4"/>
-          <p:cNvSpPr>
-            <a:spLocks noGrp="1"/>
-          </p:cNvSpPr>
-          <p:nvPr>
-            <p:ph type="ftr" sz="quarter" idx="11"/>
-          </p:nvPr>
-        </p:nvSpPr>
-        <p:spPr/>
-        <p:txBody>
-          <a:bodyPr/>
-          <a:lstStyle/>
-          <a:p>
-            <a:endParaRPr lang="bg-BG"/>
-          </a:p>
-        </p:txBody>
-      </p:sp>
-      <p:sp>
-        <p:nvSpPr>
-          <p:cNvPr id="6" name="Slide Number Placeholder 5"/>
-          <p:cNvSpPr>
-            <a:spLocks noGrp="1"/>
-          </p:cNvSpPr>
-          <p:nvPr>
-            <p:ph type="sldNum" sz="quarter" idx="12"/>
-          </p:nvPr>
-        </p:nvSpPr>
-        <p:spPr/>
-        <p:txBody>
-          <a:bodyPr/>
-          <a:lstStyle/>
-          <a:p>
-            <a:fld id="{1542C117-F53B-4C04-8140-02C06F39F1BD}" type="slidenum">
-              <a:rPr lang="bg-BG" smtClean="0"/>
-              <a:t>‹#›</a:t>
-            </a:fld>
-            <a:endParaRPr lang="bg-BG"/>
-          </a:p>
-        </p:txBody>
-      </p:sp>
-      <p:sp>
-        <p:nvSpPr>
-          <p:cNvPr id="11" name="TextBox 10"/>
-          <p:cNvSpPr txBox="1"/>
-          <p:nvPr/>
-        </p:nvSpPr>
-        <p:spPr>
-          <a:xfrm>
-            <a:off x="531812" y="812222"/>
-            <a:ext cx="609600" cy="584776"/>
-          </a:xfrm>
-          <a:prstGeom prst="rect">
-            <a:avLst/>
-          </a:prstGeom>
-        </p:spPr>
-        <p:txBody>
-          <a:bodyPr vert="horz" lIns="91440" tIns="45720" rIns="91440" bIns="45720" rtlCol="0" anchor="ctr">
-            <a:noAutofit/>
-          </a:bodyPr>
-          <a:lstStyle/>
-          <a:p>
-            <a:pPr lvl="0"/>
-            <a:r>
-              <a:rPr lang="en-US" sz="8000" dirty="0">
-                <a:solidFill>
-                  <a:schemeClr val="tx1"/>
-                </a:solidFill>
-                <a:effectLst/>
-              </a:rPr>
-              <a:t>“</a:t>
-            </a:r>
-          </a:p>
-        </p:txBody>
-      </p:sp>
-      <p:sp>
-        <p:nvSpPr>
-          <p:cNvPr id="12" name="TextBox 11"/>
-          <p:cNvSpPr txBox="1"/>
-          <p:nvPr/>
-        </p:nvSpPr>
-        <p:spPr>
-          <a:xfrm>
-            <a:off x="10285412" y="2768601"/>
-            <a:ext cx="609600" cy="584776"/>
-          </a:xfrm>
-          <a:prstGeom prst="rect">
-            <a:avLst/>
-          </a:prstGeom>
-        </p:spPr>
-        <p:txBody>
-          <a:bodyPr vert="horz" lIns="91440" tIns="45720" rIns="91440" bIns="45720" rtlCol="0" anchor="ctr">
-            <a:noAutofit/>
-          </a:bodyPr>
-          <a:lstStyle/>
-          <a:p>
-            <a:pPr lvl="0" algn="r"/>
-            <a:r>
-              <a:rPr lang="en-US" sz="8000" dirty="0">
-                <a:solidFill>
-                  <a:schemeClr val="tx1"/>
-                </a:solidFill>
-                <a:effectLst/>
-              </a:rPr>
-              <a:t>”</a:t>
-            </a:r>
-          </a:p>
-        </p:txBody>
-      </p:sp>
-    </p:spTree>
-    <p:extLst>
-      <p:ext uri="{BB962C8B-B14F-4D97-AF65-F5344CB8AC3E}">
-        <p14:creationId xmlns:p14="http://schemas.microsoft.com/office/powerpoint/2010/main" val="2111598099"/>
-      </p:ext>
-    </p:extLst>
-  </p:cSld>
-  <p:clrMapOvr>
-    <a:masterClrMapping/>
-  </p:clrMapOvr>
-</p:sldLayout>
-</file>
-
-<file path=ppt/slideLayouts/slideLayout15.xml><?xml version="1.0" encoding="utf-8"?>
-<p:sldLayout xmlns:a="http://schemas.openxmlformats.org/drawingml/2006/main" xmlns:r="http://schemas.openxmlformats.org/officeDocument/2006/relationships" xmlns:p="http://schemas.openxmlformats.org/presentationml/2006/main" preserve="1">
-  <p:cSld name="True or False">
-    <p:spTree>
-      <p:nvGrpSpPr>
-        <p:cNvPr id="1" name=""/>
-        <p:cNvGrpSpPr/>
-        <p:nvPr/>
-      </p:nvGrpSpPr>
-      <p:grpSpPr>
-        <a:xfrm>
-          <a:off x="0" y="0"/>
-          <a:ext cx="0" cy="0"/>
-          <a:chOff x="0" y="0"/>
-          <a:chExt cx="0" cy="0"/>
-        </a:xfrm>
-      </p:grpSpPr>
-      <p:sp>
-        <p:nvSpPr>
-          <p:cNvPr id="2" name="Title 1"/>
-          <p:cNvSpPr>
-            <a:spLocks noGrp="1"/>
-          </p:cNvSpPr>
-          <p:nvPr>
-            <p:ph type="title"/>
-          </p:nvPr>
-        </p:nvSpPr>
-        <p:spPr>
-          <a:xfrm>
-            <a:off x="684213" y="685800"/>
-            <a:ext cx="10058400" cy="2743200"/>
-          </a:xfrm>
-        </p:spPr>
-        <p:txBody>
-          <a:bodyPr vert="horz" lIns="91440" tIns="45720" rIns="91440" bIns="45720" rtlCol="0" anchor="ctr">
-            <a:normAutofit/>
-          </a:bodyPr>
-          <a:lstStyle>
-            <a:lvl1pPr>
-              <a:defRPr lang="en-US" b="0" dirty="0"/>
-            </a:lvl1pPr>
-          </a:lstStyle>
-          <a:p>
-            <a:pPr marL="0" lvl="0"/>
-            <a:r>
-              <a:rPr lang="en-US" smtClean="0"/>
-              <a:t>Click to edit Master title style</a:t>
-            </a:r>
-            <a:endParaRPr lang="en-US" dirty="0"/>
-          </a:p>
-        </p:txBody>
-      </p:sp>
-      <p:sp>
-        <p:nvSpPr>
-          <p:cNvPr id="10" name="Text Placeholder 9"/>
-          <p:cNvSpPr>
-            <a:spLocks noGrp="1"/>
-          </p:cNvSpPr>
-          <p:nvPr>
-            <p:ph type="body" sz="quarter" idx="13"/>
-          </p:nvPr>
-        </p:nvSpPr>
-        <p:spPr>
-          <a:xfrm>
-            <a:off x="684212" y="3928534"/>
-            <a:ext cx="8534400" cy="838200"/>
-          </a:xfrm>
-        </p:spPr>
-        <p:txBody>
-          <a:bodyPr vert="horz" lIns="91440" tIns="45720" rIns="91440" bIns="45720" rtlCol="0" anchor="b">
-            <a:normAutofit/>
-          </a:bodyPr>
-          <a:lstStyle>
-            <a:lvl1pPr>
-              <a:buNone/>
-              <a:defRPr lang="en-US" sz="2400" b="0" cap="all" dirty="0">
-                <a:ln w="3175" cmpd="sng">
-                  <a:noFill/>
-                </a:ln>
-                <a:solidFill>
-                  <a:schemeClr val="tx1"/>
-                </a:solidFill>
-                <a:effectLst/>
-              </a:defRPr>
-            </a:lvl1pPr>
-          </a:lstStyle>
-          <a:p>
-            <a:pPr marL="0" lvl="0">
-              <a:spcBef>
-                <a:spcPct val="0"/>
-              </a:spcBef>
-              <a:buNone/>
-            </a:pPr>
-            <a:r>
-              <a:rPr lang="en-US" smtClean="0"/>
-              <a:t>Edit Master text styles</a:t>
-            </a:r>
-          </a:p>
-        </p:txBody>
-      </p:sp>
-      <p:sp>
-        <p:nvSpPr>
-          <p:cNvPr id="3" name="Text Placeholder 2"/>
-          <p:cNvSpPr>
-            <a:spLocks noGrp="1"/>
-          </p:cNvSpPr>
-          <p:nvPr>
-            <p:ph type="body" idx="1"/>
-          </p:nvPr>
-        </p:nvSpPr>
-        <p:spPr>
-          <a:xfrm>
-            <a:off x="684211" y="4766732"/>
-            <a:ext cx="8534401" cy="1227667"/>
-          </a:xfrm>
-        </p:spPr>
-        <p:txBody>
-          <a:bodyPr anchor="t">
-            <a:normAutofit/>
-          </a:bodyPr>
-          <a:lstStyle>
-            <a:lvl1pPr marL="0" indent="0" algn="l">
-              <a:buNone/>
-              <a:defRPr sz="1800">
-                <a:solidFill>
-                  <a:schemeClr val="tx1"/>
-                </a:solidFill>
-              </a:defRPr>
-            </a:lvl1pPr>
-            <a:lvl2pPr marL="457200" indent="0">
-              <a:buNone/>
-              <a:defRPr sz="1800">
-                <a:solidFill>
-                  <a:schemeClr val="tx1">
-                    <a:tint val="75000"/>
-                  </a:schemeClr>
-                </a:solidFill>
-              </a:defRPr>
-            </a:lvl2pPr>
-            <a:lvl3pPr marL="914400" indent="0">
-              <a:buNone/>
-              <a:defRPr sz="1600">
-                <a:solidFill>
-                  <a:schemeClr val="tx1">
-                    <a:tint val="75000"/>
-                  </a:schemeClr>
-                </a:solidFill>
-              </a:defRPr>
-            </a:lvl3pPr>
-            <a:lvl4pPr marL="1371600" indent="0">
-              <a:buNone/>
-              <a:defRPr sz="1400">
-                <a:solidFill>
-                  <a:schemeClr val="tx1">
-                    <a:tint val="75000"/>
-                  </a:schemeClr>
-                </a:solidFill>
-              </a:defRPr>
-            </a:lvl4pPr>
-            <a:lvl5pPr marL="1828800" indent="0">
-              <a:buNone/>
-              <a:defRPr sz="1400">
-                <a:solidFill>
-                  <a:schemeClr val="tx1">
-                    <a:tint val="75000"/>
-                  </a:schemeClr>
-                </a:solidFill>
-              </a:defRPr>
-            </a:lvl5pPr>
-            <a:lvl6pPr marL="2286000" indent="0">
-              <a:buNone/>
-              <a:defRPr sz="1400">
-                <a:solidFill>
-                  <a:schemeClr val="tx1">
-                    <a:tint val="75000"/>
-                  </a:schemeClr>
-                </a:solidFill>
-              </a:defRPr>
-            </a:lvl6pPr>
-            <a:lvl7pPr marL="2743200" indent="0">
-              <a:buNone/>
-              <a:defRPr sz="1400">
-                <a:solidFill>
-                  <a:schemeClr val="tx1">
-                    <a:tint val="75000"/>
-                  </a:schemeClr>
-                </a:solidFill>
-              </a:defRPr>
-            </a:lvl7pPr>
-            <a:lvl8pPr marL="3200400" indent="0">
-              <a:buNone/>
-              <a:defRPr sz="1400">
-                <a:solidFill>
-                  <a:schemeClr val="tx1">
-                    <a:tint val="75000"/>
-                  </a:schemeClr>
-                </a:solidFill>
-              </a:defRPr>
-            </a:lvl8pPr>
-            <a:lvl9pPr marL="3657600" indent="0">
-              <a:buNone/>
-              <a:defRPr sz="1400">
-                <a:solidFill>
-                  <a:schemeClr val="tx1">
-                    <a:tint val="75000"/>
-                  </a:schemeClr>
-                </a:solidFill>
-              </a:defRPr>
-            </a:lvl9pPr>
-          </a:lstStyle>
-          <a:p>
-            <a:pPr lvl="0"/>
-            <a:r>
-              <a:rPr lang="en-US" smtClean="0"/>
-              <a:t>Edit Master text styles</a:t>
-            </a:r>
-          </a:p>
-        </p:txBody>
-      </p:sp>
-      <p:sp>
-        <p:nvSpPr>
-          <p:cNvPr id="4" name="Date Placeholder 3"/>
-          <p:cNvSpPr>
-            <a:spLocks noGrp="1"/>
-          </p:cNvSpPr>
-          <p:nvPr>
-            <p:ph type="dt" sz="half" idx="10"/>
-          </p:nvPr>
-        </p:nvSpPr>
-        <p:spPr/>
-        <p:txBody>
-          <a:bodyPr/>
-          <a:lstStyle/>
-          <a:p>
-            <a:fld id="{0E7071DD-522F-4D77-BE61-F38AB7575637}" type="datetime1">
-              <a:rPr lang="bg-BG" smtClean="0"/>
-              <a:t>12.5.2024 г.</a:t>
-            </a:fld>
-            <a:endParaRPr lang="bg-BG"/>
-          </a:p>
-        </p:txBody>
-      </p:sp>
-      <p:sp>
-        <p:nvSpPr>
-          <p:cNvPr id="5" name="Footer Placeholder 4"/>
-          <p:cNvSpPr>
-            <a:spLocks noGrp="1"/>
-          </p:cNvSpPr>
-          <p:nvPr>
-            <p:ph type="ftr" sz="quarter" idx="11"/>
-          </p:nvPr>
-        </p:nvSpPr>
-        <p:spPr/>
-        <p:txBody>
-          <a:bodyPr/>
-          <a:lstStyle/>
-          <a:p>
-            <a:endParaRPr lang="bg-BG"/>
-          </a:p>
-        </p:txBody>
-      </p:sp>
-      <p:sp>
-        <p:nvSpPr>
-          <p:cNvPr id="6" name="Slide Number Placeholder 5"/>
-          <p:cNvSpPr>
-            <a:spLocks noGrp="1"/>
-          </p:cNvSpPr>
-          <p:nvPr>
-            <p:ph type="sldNum" sz="quarter" idx="12"/>
-          </p:nvPr>
-        </p:nvSpPr>
-        <p:spPr/>
-        <p:txBody>
-          <a:bodyPr/>
-          <a:lstStyle/>
-          <a:p>
-            <a:fld id="{1542C117-F53B-4C04-8140-02C06F39F1BD}" type="slidenum">
-              <a:rPr lang="bg-BG" smtClean="0"/>
-              <a:t>‹#›</a:t>
-            </a:fld>
-            <a:endParaRPr lang="bg-BG"/>
-          </a:p>
-        </p:txBody>
-      </p:sp>
-    </p:spTree>
-    <p:extLst>
-      <p:ext uri="{BB962C8B-B14F-4D97-AF65-F5344CB8AC3E}">
-        <p14:creationId xmlns:p14="http://schemas.microsoft.com/office/powerpoint/2010/main" val="243554432"/>
-      </p:ext>
-    </p:extLst>
-  </p:cSld>
-  <p:clrMapOvr>
-    <a:masterClrMapping/>
-  </p:clrMapOvr>
-</p:sldLayout>
-</file>
-
-<file path=ppt/slideLayouts/slideLayout16.xml><?xml version="1.0" encoding="utf-8"?>
-<p:sldLayout xmlns:a="http://schemas.openxmlformats.org/drawingml/2006/main" xmlns:r="http://schemas.openxmlformats.org/officeDocument/2006/relationships" xmlns:p="http://schemas.openxmlformats.org/presentationml/2006/main" type="vertTx" preserve="1">
-  <p:cSld name="Title and Vertical Text">
-    <p:spTree>
-      <p:nvGrpSpPr>
-        <p:cNvPr id="1" name=""/>
-        <p:cNvGrpSpPr/>
-        <p:nvPr/>
-      </p:nvGrpSpPr>
-      <p:grpSpPr>
-        <a:xfrm>
-          <a:off x="0" y="0"/>
-          <a:ext cx="0" cy="0"/>
-          <a:chOff x="0" y="0"/>
-          <a:chExt cx="0" cy="0"/>
-        </a:xfrm>
-      </p:grpSpPr>
-      <p:sp>
-        <p:nvSpPr>
-          <p:cNvPr id="2" name="Title 1"/>
-          <p:cNvSpPr>
-            <a:spLocks noGrp="1"/>
-          </p:cNvSpPr>
-          <p:nvPr>
-            <p:ph type="title"/>
-          </p:nvPr>
-        </p:nvSpPr>
-        <p:spPr/>
-        <p:txBody>
-          <a:bodyPr/>
-          <a:lstStyle>
-            <a:lvl1pPr algn="l">
-              <a:defRPr/>
-            </a:lvl1pPr>
-          </a:lstStyle>
-          <a:p>
-            <a:r>
-              <a:rPr lang="en-US" smtClean="0"/>
-              <a:t>Click to edit Master title style</a:t>
-            </a:r>
-            <a:endParaRPr lang="en-US" dirty="0"/>
-          </a:p>
-        </p:txBody>
-      </p:sp>
-      <p:sp>
-        <p:nvSpPr>
-          <p:cNvPr id="3" name="Vertical Text Placeholder 2"/>
-          <p:cNvSpPr>
-            <a:spLocks noGrp="1"/>
-          </p:cNvSpPr>
-          <p:nvPr>
-            <p:ph type="body" orient="vert" idx="1"/>
-          </p:nvPr>
-        </p:nvSpPr>
-        <p:spPr/>
-        <p:txBody>
-          <a:bodyPr vert="eaVert" anchor="t"/>
-          <a:lstStyle/>
-          <a:p>
-            <a:pPr lvl="0"/>
-            <a:r>
-              <a:rPr lang="en-US" smtClean="0"/>
-              <a:t>Edit Master text styles</a:t>
-            </a:r>
-          </a:p>
-          <a:p>
-            <a:pPr lvl="1"/>
-            <a:r>
-              <a:rPr lang="en-US" smtClean="0"/>
-              <a:t>Second level</a:t>
-            </a:r>
-          </a:p>
-          <a:p>
-            <a:pPr lvl="2"/>
-            <a:r>
-              <a:rPr lang="en-US" smtClean="0"/>
-              <a:t>Third level</a:t>
-            </a:r>
-          </a:p>
-          <a:p>
-            <a:pPr lvl="3"/>
-            <a:r>
-              <a:rPr lang="en-US" smtClean="0"/>
-              <a:t>Fourth level</a:t>
-            </a:r>
-          </a:p>
-          <a:p>
-            <a:pPr lvl="4"/>
-            <a:r>
-              <a:rPr lang="en-US" smtClean="0"/>
-              <a:t>Fifth level</a:t>
-            </a:r>
-            <a:endParaRPr lang="en-US" dirty="0"/>
-          </a:p>
-        </p:txBody>
-      </p:sp>
-      <p:sp>
-        <p:nvSpPr>
-          <p:cNvPr id="4" name="Date Placeholder 3"/>
-          <p:cNvSpPr>
-            <a:spLocks noGrp="1"/>
-          </p:cNvSpPr>
-          <p:nvPr>
-            <p:ph type="dt" sz="half" idx="10"/>
-          </p:nvPr>
-        </p:nvSpPr>
-        <p:spPr/>
-        <p:txBody>
-          <a:bodyPr/>
-          <a:lstStyle/>
-          <a:p>
-            <a:fld id="{CDC45E06-93C7-43C9-B7FB-34EC0908E527}" type="datetime1">
-              <a:rPr lang="bg-BG" smtClean="0"/>
-              <a:t>12.5.2024 г.</a:t>
-            </a:fld>
-            <a:endParaRPr lang="bg-BG"/>
-          </a:p>
-        </p:txBody>
-      </p:sp>
-      <p:sp>
-        <p:nvSpPr>
-          <p:cNvPr id="5" name="Footer Placeholder 4"/>
-          <p:cNvSpPr>
-            <a:spLocks noGrp="1"/>
-          </p:cNvSpPr>
-          <p:nvPr>
-            <p:ph type="ftr" sz="quarter" idx="11"/>
-          </p:nvPr>
-        </p:nvSpPr>
-        <p:spPr/>
-        <p:txBody>
-          <a:bodyPr/>
-          <a:lstStyle/>
-          <a:p>
-            <a:endParaRPr lang="bg-BG"/>
-          </a:p>
-        </p:txBody>
-      </p:sp>
-      <p:sp>
-        <p:nvSpPr>
-          <p:cNvPr id="6" name="Slide Number Placeholder 5"/>
-          <p:cNvSpPr>
-            <a:spLocks noGrp="1"/>
-          </p:cNvSpPr>
-          <p:nvPr>
-            <p:ph type="sldNum" sz="quarter" idx="12"/>
-          </p:nvPr>
-        </p:nvSpPr>
-        <p:spPr/>
-        <p:txBody>
-          <a:bodyPr/>
-          <a:lstStyle/>
-          <a:p>
-            <a:fld id="{1542C117-F53B-4C04-8140-02C06F39F1BD}" type="slidenum">
-              <a:rPr lang="bg-BG" smtClean="0"/>
-              <a:t>‹#›</a:t>
-            </a:fld>
-            <a:endParaRPr lang="bg-BG"/>
-          </a:p>
-        </p:txBody>
-      </p:sp>
-    </p:spTree>
-    <p:extLst>
-      <p:ext uri="{BB962C8B-B14F-4D97-AF65-F5344CB8AC3E}">
-        <p14:creationId xmlns:p14="http://schemas.microsoft.com/office/powerpoint/2010/main" val="674127519"/>
-      </p:ext>
-    </p:extLst>
-  </p:cSld>
-  <p:clrMapOvr>
-    <a:masterClrMapping/>
-  </p:clrMapOvr>
-</p:sldLayout>
-</file>
-
-<file path=ppt/slideLayouts/slideLayout17.xml><?xml version="1.0" encoding="utf-8"?>
-<p:sldLayout xmlns:a="http://schemas.openxmlformats.org/drawingml/2006/main" xmlns:r="http://schemas.openxmlformats.org/officeDocument/2006/relationships" xmlns:p="http://schemas.openxmlformats.org/presentationml/2006/main" type="vertTitleAndTx" preserve="1">
-  <p:cSld name="Vertical Title and Text">
-    <p:spTree>
-      <p:nvGrpSpPr>
-        <p:cNvPr id="1" name=""/>
-        <p:cNvGrpSpPr/>
-        <p:nvPr/>
-      </p:nvGrpSpPr>
-      <p:grpSpPr>
-        <a:xfrm>
-          <a:off x="0" y="0"/>
-          <a:ext cx="0" cy="0"/>
-          <a:chOff x="0" y="0"/>
-          <a:chExt cx="0" cy="0"/>
-        </a:xfrm>
-      </p:grpSpPr>
-      <p:sp>
-        <p:nvSpPr>
-          <p:cNvPr id="2" name="Vertical Title 1"/>
-          <p:cNvSpPr>
-            <a:spLocks noGrp="1"/>
-          </p:cNvSpPr>
-          <p:nvPr>
-            <p:ph type="title" orient="vert"/>
-          </p:nvPr>
-        </p:nvSpPr>
-        <p:spPr>
-          <a:xfrm>
-            <a:off x="8685212" y="685800"/>
-            <a:ext cx="2057400" cy="4572000"/>
-          </a:xfrm>
-        </p:spPr>
-        <p:txBody>
-          <a:bodyPr vert="eaVert"/>
-          <a:lstStyle/>
-          <a:p>
-            <a:r>
-              <a:rPr lang="en-US" smtClean="0"/>
-              <a:t>Click to edit Master title style</a:t>
-            </a:r>
-            <a:endParaRPr lang="en-US" dirty="0"/>
-          </a:p>
-        </p:txBody>
-      </p:sp>
-      <p:sp>
-        <p:nvSpPr>
-          <p:cNvPr id="3" name="Vertical Text Placeholder 2"/>
-          <p:cNvSpPr>
-            <a:spLocks noGrp="1"/>
-          </p:cNvSpPr>
-          <p:nvPr>
-            <p:ph type="body" orient="vert" idx="1"/>
-          </p:nvPr>
-        </p:nvSpPr>
-        <p:spPr>
-          <a:xfrm>
-            <a:off x="685800" y="685800"/>
-            <a:ext cx="7823200" cy="5308600"/>
-          </a:xfrm>
-        </p:spPr>
-        <p:txBody>
-          <a:bodyPr vert="eaVert" anchor="t"/>
-          <a:lstStyle/>
-          <a:p>
-            <a:pPr lvl="0"/>
-            <a:r>
-              <a:rPr lang="en-US" smtClean="0"/>
-              <a:t>Edit Master text styles</a:t>
-            </a:r>
-          </a:p>
-          <a:p>
-            <a:pPr lvl="1"/>
-            <a:r>
-              <a:rPr lang="en-US" smtClean="0"/>
-              <a:t>Second level</a:t>
-            </a:r>
-          </a:p>
-          <a:p>
-            <a:pPr lvl="2"/>
-            <a:r>
-              <a:rPr lang="en-US" smtClean="0"/>
-              <a:t>Third level</a:t>
-            </a:r>
-          </a:p>
-          <a:p>
-            <a:pPr lvl="3"/>
-            <a:r>
-              <a:rPr lang="en-US" smtClean="0"/>
-              <a:t>Fourth level</a:t>
-            </a:r>
-          </a:p>
-          <a:p>
-            <a:pPr lvl="4"/>
-            <a:r>
-              <a:rPr lang="en-US" smtClean="0"/>
-              <a:t>Fifth level</a:t>
-            </a:r>
-            <a:endParaRPr lang="en-US" dirty="0"/>
-          </a:p>
-        </p:txBody>
-      </p:sp>
-      <p:sp>
-        <p:nvSpPr>
-          <p:cNvPr id="4" name="Date Placeholder 3"/>
-          <p:cNvSpPr>
-            <a:spLocks noGrp="1"/>
-          </p:cNvSpPr>
-          <p:nvPr>
-            <p:ph type="dt" sz="half" idx="10"/>
-          </p:nvPr>
-        </p:nvSpPr>
-        <p:spPr/>
-        <p:txBody>
-          <a:bodyPr/>
-          <a:lstStyle/>
-          <a:p>
-            <a:fld id="{64A7E241-AB17-460C-B661-3CFB883EB2DA}" type="datetime1">
-              <a:rPr lang="bg-BG" smtClean="0"/>
-              <a:t>12.5.2024 г.</a:t>
-            </a:fld>
-            <a:endParaRPr lang="bg-BG"/>
-          </a:p>
-        </p:txBody>
-      </p:sp>
-      <p:sp>
-        <p:nvSpPr>
-          <p:cNvPr id="5" name="Footer Placeholder 4"/>
-          <p:cNvSpPr>
-            <a:spLocks noGrp="1"/>
-          </p:cNvSpPr>
-          <p:nvPr>
-            <p:ph type="ftr" sz="quarter" idx="11"/>
-          </p:nvPr>
-        </p:nvSpPr>
-        <p:spPr/>
-        <p:txBody>
-          <a:bodyPr/>
-          <a:lstStyle/>
-          <a:p>
-            <a:endParaRPr lang="bg-BG"/>
-          </a:p>
-        </p:txBody>
-      </p:sp>
-      <p:sp>
-        <p:nvSpPr>
-          <p:cNvPr id="6" name="Slide Number Placeholder 5"/>
-          <p:cNvSpPr>
-            <a:spLocks noGrp="1"/>
-          </p:cNvSpPr>
-          <p:nvPr>
-            <p:ph type="sldNum" sz="quarter" idx="12"/>
-          </p:nvPr>
-        </p:nvSpPr>
-        <p:spPr/>
-        <p:txBody>
-          <a:bodyPr/>
-          <a:lstStyle/>
-          <a:p>
-            <a:fld id="{1542C117-F53B-4C04-8140-02C06F39F1BD}" type="slidenum">
-              <a:rPr lang="bg-BG" smtClean="0"/>
-              <a:t>‹#›</a:t>
-            </a:fld>
-            <a:endParaRPr lang="bg-BG"/>
-          </a:p>
-        </p:txBody>
-      </p:sp>
-    </p:spTree>
-    <p:extLst>
-      <p:ext uri="{BB962C8B-B14F-4D97-AF65-F5344CB8AC3E}">
-        <p14:creationId xmlns:p14="http://schemas.microsoft.com/office/powerpoint/2010/main" val="912526814"/>
-      </p:ext>
-    </p:extLst>
-  </p:cSld>
-  <p:clrMapOvr>
-    <a:masterClrMapping/>
-  </p:clrMapOvr>
-</p:sldLayout>
-</file>
-
-<file path=ppt/slideLayouts/slideLayout2.xml><?xml version="1.0" encoding="utf-8"?>
-<p:sldLayout xmlns:a="http://schemas.openxmlformats.org/drawingml/2006/main" xmlns:r="http://schemas.openxmlformats.org/officeDocument/2006/relationships" xmlns:p="http://schemas.openxmlformats.org/presentationml/2006/main" type="obj" preserve="1">
-  <p:cSld name="Title and Content">
-    <p:spTree>
-      <p:nvGrpSpPr>
-        <p:cNvPr id="1" name=""/>
-        <p:cNvGrpSpPr/>
-        <p:nvPr/>
-      </p:nvGrpSpPr>
-      <p:grpSpPr>
-        <a:xfrm>
-          <a:off x="0" y="0"/>
-          <a:ext cx="0" cy="0"/>
-          <a:chOff x="0" y="0"/>
-          <a:chExt cx="0" cy="0"/>
-        </a:xfrm>
-      </p:grpSpPr>
-      <p:sp>
-        <p:nvSpPr>
-          <p:cNvPr id="2" name="Title 1"/>
-          <p:cNvSpPr>
-            <a:spLocks noGrp="1"/>
-          </p:cNvSpPr>
-          <p:nvPr>
-            <p:ph type="title"/>
-          </p:nvPr>
-        </p:nvSpPr>
-        <p:spPr/>
-        <p:txBody>
-          <a:bodyPr/>
-          <a:lstStyle/>
-          <a:p>
-            <a:r>
-              <a:rPr lang="en-US" smtClean="0"/>
-              <a:t>Click to edit Master title style</a:t>
-            </a:r>
-            <a:endParaRPr lang="en-US" dirty="0"/>
-          </a:p>
-        </p:txBody>
-      </p:sp>
-      <p:sp>
-        <p:nvSpPr>
-          <p:cNvPr id="3" name="Content Placeholder 2"/>
-          <p:cNvSpPr>
-            <a:spLocks noGrp="1"/>
-          </p:cNvSpPr>
-          <p:nvPr>
-            <p:ph idx="1"/>
-          </p:nvPr>
-        </p:nvSpPr>
-        <p:spPr/>
-        <p:txBody>
-          <a:bodyPr anchor="ctr"/>
-          <a:lstStyle/>
-          <a:p>
-            <a:pPr lvl="0"/>
-            <a:r>
-              <a:rPr lang="en-US" smtClean="0"/>
-              <a:t>Edit Master text styles</a:t>
-            </a:r>
-          </a:p>
-          <a:p>
-            <a:pPr lvl="1"/>
-            <a:r>
-              <a:rPr lang="en-US" smtClean="0"/>
-              <a:t>Second level</a:t>
-            </a:r>
-          </a:p>
-          <a:p>
-            <a:pPr lvl="2"/>
-            <a:r>
-              <a:rPr lang="en-US" smtClean="0"/>
-              <a:t>Third level</a:t>
-            </a:r>
-          </a:p>
-          <a:p>
-            <a:pPr lvl="3"/>
-            <a:r>
-              <a:rPr lang="en-US" smtClean="0"/>
-              <a:t>Fourth level</a:t>
-            </a:r>
-          </a:p>
-          <a:p>
-            <a:pPr lvl="4"/>
-            <a:r>
-              <a:rPr lang="en-US" smtClean="0"/>
-              <a:t>Fifth level</a:t>
-            </a:r>
-            <a:endParaRPr lang="en-US" dirty="0"/>
-          </a:p>
-        </p:txBody>
-      </p:sp>
-      <p:sp>
-        <p:nvSpPr>
-          <p:cNvPr id="4" name="Date Placeholder 3"/>
-          <p:cNvSpPr>
-            <a:spLocks noGrp="1"/>
-          </p:cNvSpPr>
-          <p:nvPr>
-            <p:ph type="dt" sz="half" idx="10"/>
-          </p:nvPr>
-        </p:nvSpPr>
-        <p:spPr/>
-        <p:txBody>
-          <a:bodyPr/>
-          <a:lstStyle/>
-          <a:p>
-            <a:fld id="{C21DB74F-2AB8-46EB-BED7-A8C750A71025}" type="datetime1">
-              <a:rPr lang="bg-BG" smtClean="0"/>
-              <a:t>12.5.2024 г.</a:t>
-            </a:fld>
-            <a:endParaRPr lang="bg-BG"/>
-          </a:p>
-        </p:txBody>
-      </p:sp>
-      <p:sp>
-        <p:nvSpPr>
-          <p:cNvPr id="5" name="Footer Placeholder 4"/>
-          <p:cNvSpPr>
-            <a:spLocks noGrp="1"/>
-          </p:cNvSpPr>
-          <p:nvPr>
-            <p:ph type="ftr" sz="quarter" idx="11"/>
-          </p:nvPr>
-        </p:nvSpPr>
-        <p:spPr/>
-        <p:txBody>
-          <a:bodyPr/>
-          <a:lstStyle/>
-          <a:p>
-            <a:endParaRPr lang="bg-BG"/>
-          </a:p>
-        </p:txBody>
-      </p:sp>
-      <p:sp>
-        <p:nvSpPr>
-          <p:cNvPr id="6" name="Slide Number Placeholder 5"/>
-          <p:cNvSpPr>
-            <a:spLocks noGrp="1"/>
-          </p:cNvSpPr>
-          <p:nvPr>
-            <p:ph type="sldNum" sz="quarter" idx="12"/>
-          </p:nvPr>
-        </p:nvSpPr>
-        <p:spPr/>
-        <p:txBody>
-          <a:bodyPr/>
-          <a:lstStyle/>
-          <a:p>
-            <a:fld id="{1542C117-F53B-4C04-8140-02C06F39F1BD}" type="slidenum">
-              <a:rPr lang="bg-BG" smtClean="0"/>
-              <a:t>‹#›</a:t>
-            </a:fld>
-            <a:endParaRPr lang="bg-BG"/>
-          </a:p>
-        </p:txBody>
-      </p:sp>
-    </p:spTree>
-    <p:extLst>
-      <p:ext uri="{BB962C8B-B14F-4D97-AF65-F5344CB8AC3E}">
-        <p14:creationId xmlns:p14="http://schemas.microsoft.com/office/powerpoint/2010/main" val="1691309294"/>
-      </p:ext>
-    </p:extLst>
-  </p:cSld>
-  <p:clrMapOvr>
-    <a:masterClrMapping/>
-  </p:clrMapOvr>
-</p:sldLayout>
-</file>
-
-<file path=ppt/slideLayouts/slideLayout3.xml><?xml version="1.0" encoding="utf-8"?>
-<p:sldLayout xmlns:a="http://schemas.openxmlformats.org/drawingml/2006/main" xmlns:r="http://schemas.openxmlformats.org/officeDocument/2006/relationships" xmlns:p="http://schemas.openxmlformats.org/presentationml/2006/main" type="secHead" preserve="1">
-  <p:cSld name="Section Header">
-    <p:spTree>
-      <p:nvGrpSpPr>
-        <p:cNvPr id="1" name=""/>
-        <p:cNvGrpSpPr/>
-        <p:nvPr/>
-      </p:nvGrpSpPr>
-      <p:grpSpPr>
-        <a:xfrm>
-          <a:off x="0" y="0"/>
-          <a:ext cx="0" cy="0"/>
-          <a:chOff x="0" y="0"/>
-          <a:chExt cx="0" cy="0"/>
-        </a:xfrm>
-      </p:grpSpPr>
-      <p:sp>
-        <p:nvSpPr>
-          <p:cNvPr id="2" name="Title 1"/>
-          <p:cNvSpPr>
-            <a:spLocks noGrp="1"/>
-          </p:cNvSpPr>
-          <p:nvPr>
-            <p:ph type="title"/>
-          </p:nvPr>
-        </p:nvSpPr>
-        <p:spPr>
-          <a:xfrm>
-            <a:off x="684211" y="2006600"/>
-            <a:ext cx="8534401" cy="2281600"/>
-          </a:xfrm>
-        </p:spPr>
-        <p:txBody>
-          <a:bodyPr anchor="b">
-            <a:normAutofit/>
-          </a:bodyPr>
-          <a:lstStyle>
-            <a:lvl1pPr algn="l">
-              <a:defRPr sz="3600" b="0" cap="all"/>
-            </a:lvl1pPr>
-          </a:lstStyle>
-          <a:p>
-            <a:r>
-              <a:rPr lang="en-US" smtClean="0"/>
-              <a:t>Click to edit Master title style</a:t>
-            </a:r>
-            <a:endParaRPr lang="en-US" dirty="0"/>
-          </a:p>
-        </p:txBody>
-      </p:sp>
-      <p:sp>
-        <p:nvSpPr>
-          <p:cNvPr id="3" name="Text Placeholder 2"/>
-          <p:cNvSpPr>
-            <a:spLocks noGrp="1"/>
-          </p:cNvSpPr>
-          <p:nvPr>
-            <p:ph type="body" idx="1"/>
-          </p:nvPr>
-        </p:nvSpPr>
-        <p:spPr>
-          <a:xfrm>
-            <a:off x="684213" y="4495800"/>
-            <a:ext cx="8534400" cy="1498600"/>
-          </a:xfrm>
-        </p:spPr>
-        <p:txBody>
-          <a:bodyPr anchor="t">
-            <a:normAutofit/>
-          </a:bodyPr>
-          <a:lstStyle>
-            <a:lvl1pPr marL="0" indent="0" algn="l">
-              <a:buNone/>
-              <a:defRPr sz="1800">
-                <a:solidFill>
-                  <a:schemeClr val="tx1"/>
-                </a:solidFill>
-              </a:defRPr>
-            </a:lvl1pPr>
-            <a:lvl2pPr marL="457200" indent="0">
-              <a:buNone/>
-              <a:defRPr sz="1800">
-                <a:solidFill>
-                  <a:schemeClr val="tx1">
-                    <a:tint val="75000"/>
-                  </a:schemeClr>
-                </a:solidFill>
-              </a:defRPr>
-            </a:lvl2pPr>
-            <a:lvl3pPr marL="914400" indent="0">
-              <a:buNone/>
-              <a:defRPr sz="1600">
-                <a:solidFill>
-                  <a:schemeClr val="tx1">
-                    <a:tint val="75000"/>
-                  </a:schemeClr>
-                </a:solidFill>
-              </a:defRPr>
-            </a:lvl3pPr>
-            <a:lvl4pPr marL="1371600" indent="0">
-              <a:buNone/>
-              <a:defRPr sz="1400">
-                <a:solidFill>
-                  <a:schemeClr val="tx1">
-                    <a:tint val="75000"/>
-                  </a:schemeClr>
-                </a:solidFill>
-              </a:defRPr>
-            </a:lvl4pPr>
-            <a:lvl5pPr marL="1828800" indent="0">
-              <a:buNone/>
-              <a:defRPr sz="1400">
-                <a:solidFill>
-                  <a:schemeClr val="tx1">
-                    <a:tint val="75000"/>
-                  </a:schemeClr>
-                </a:solidFill>
-              </a:defRPr>
-            </a:lvl5pPr>
-            <a:lvl6pPr marL="2286000" indent="0">
-              <a:buNone/>
-              <a:defRPr sz="1400">
-                <a:solidFill>
-                  <a:schemeClr val="tx1">
-                    <a:tint val="75000"/>
-                  </a:schemeClr>
-                </a:solidFill>
-              </a:defRPr>
-            </a:lvl6pPr>
-            <a:lvl7pPr marL="2743200" indent="0">
-              <a:buNone/>
-              <a:defRPr sz="1400">
-                <a:solidFill>
-                  <a:schemeClr val="tx1">
-                    <a:tint val="75000"/>
-                  </a:schemeClr>
-                </a:solidFill>
-              </a:defRPr>
-            </a:lvl7pPr>
-            <a:lvl8pPr marL="3200400" indent="0">
-              <a:buNone/>
-              <a:defRPr sz="1400">
-                <a:solidFill>
-                  <a:schemeClr val="tx1">
-                    <a:tint val="75000"/>
-                  </a:schemeClr>
-                </a:solidFill>
-              </a:defRPr>
-            </a:lvl8pPr>
-            <a:lvl9pPr marL="3657600" indent="0">
-              <a:buNone/>
-              <a:defRPr sz="1400">
-                <a:solidFill>
-                  <a:schemeClr val="tx1">
-                    <a:tint val="75000"/>
-                  </a:schemeClr>
-                </a:solidFill>
-              </a:defRPr>
-            </a:lvl9pPr>
-          </a:lstStyle>
-          <a:p>
-            <a:pPr lvl="0"/>
-            <a:r>
-              <a:rPr lang="en-US" smtClean="0"/>
-              <a:t>Edit Master text styles</a:t>
-            </a:r>
-          </a:p>
-        </p:txBody>
-      </p:sp>
-      <p:sp>
-        <p:nvSpPr>
-          <p:cNvPr id="4" name="Date Placeholder 3"/>
-          <p:cNvSpPr>
-            <a:spLocks noGrp="1"/>
-          </p:cNvSpPr>
-          <p:nvPr>
-            <p:ph type="dt" sz="half" idx="10"/>
-          </p:nvPr>
-        </p:nvSpPr>
-        <p:spPr/>
-        <p:txBody>
-          <a:bodyPr/>
-          <a:lstStyle/>
-          <a:p>
-            <a:fld id="{2AE1A56C-8EEB-43C4-A8F0-806BF8CF2AEC}" type="datetime1">
-              <a:rPr lang="bg-BG" smtClean="0"/>
-              <a:t>12.5.2024 г.</a:t>
-            </a:fld>
-            <a:endParaRPr lang="bg-BG"/>
-          </a:p>
-        </p:txBody>
-      </p:sp>
-      <p:sp>
-        <p:nvSpPr>
-          <p:cNvPr id="5" name="Footer Placeholder 4"/>
-          <p:cNvSpPr>
-            <a:spLocks noGrp="1"/>
-          </p:cNvSpPr>
-          <p:nvPr>
-            <p:ph type="ftr" sz="quarter" idx="11"/>
-          </p:nvPr>
-        </p:nvSpPr>
-        <p:spPr/>
-        <p:txBody>
-          <a:bodyPr/>
-          <a:lstStyle/>
-          <a:p>
-            <a:endParaRPr lang="bg-BG"/>
-          </a:p>
-        </p:txBody>
-      </p:sp>
-      <p:sp>
-        <p:nvSpPr>
-          <p:cNvPr id="6" name="Slide Number Placeholder 5"/>
-          <p:cNvSpPr>
-            <a:spLocks noGrp="1"/>
-          </p:cNvSpPr>
-          <p:nvPr>
-            <p:ph type="sldNum" sz="quarter" idx="12"/>
-          </p:nvPr>
-        </p:nvSpPr>
-        <p:spPr/>
-        <p:txBody>
-          <a:bodyPr/>
-          <a:lstStyle/>
-          <a:p>
-            <a:fld id="{1542C117-F53B-4C04-8140-02C06F39F1BD}" type="slidenum">
-              <a:rPr lang="bg-BG" smtClean="0"/>
-              <a:t>‹#›</a:t>
-            </a:fld>
-            <a:endParaRPr lang="bg-BG"/>
-          </a:p>
-        </p:txBody>
-      </p:sp>
-    </p:spTree>
-    <p:extLst>
-      <p:ext uri="{BB962C8B-B14F-4D97-AF65-F5344CB8AC3E}">
-        <p14:creationId xmlns:p14="http://schemas.microsoft.com/office/powerpoint/2010/main" val="287624594"/>
+        <p14:creationId xmlns:p14="http://schemas.microsoft.com/office/powerpoint/2010/main" val="1869710396"/>
       </p:ext>
     </p:extLst>
   </p:cSld>
@@ -4920,7 +5139,7 @@
       </p:grpSpPr>
       <p:sp>
         <p:nvSpPr>
-          <p:cNvPr id="2" name="Title 1"/>
+          <p:cNvPr id="8" name="Title 7"/>
           <p:cNvSpPr>
             <a:spLocks noGrp="1"/>
           </p:cNvSpPr>
@@ -4953,8 +5172,8 @@
         </p:nvSpPr>
         <p:spPr>
           <a:xfrm>
-            <a:off x="684211" y="685800"/>
-            <a:ext cx="4937655" cy="3615267"/>
+            <a:off x="2589212" y="2133600"/>
+            <a:ext cx="4313864" cy="3777622"/>
           </a:xfrm>
         </p:spPr>
         <p:txBody>
@@ -5012,8 +5231,8 @@
         </p:nvSpPr>
         <p:spPr>
           <a:xfrm>
-            <a:off x="5808133" y="685801"/>
-            <a:ext cx="4934479" cy="3615266"/>
+            <a:off x="7190747" y="2126222"/>
+            <a:ext cx="4313864" cy="3777622"/>
           </a:xfrm>
         </p:spPr>
         <p:txBody>
@@ -5076,7 +5295,7 @@
           <a:p>
             <a:fld id="{02676ED8-EEFC-4B6E-BB5B-436BD000202F}" type="datetime1">
               <a:rPr lang="bg-BG" smtClean="0"/>
-              <a:t>12.5.2024 г.</a:t>
+              <a:t>21.5.2024 г.</a:t>
             </a:fld>
             <a:endParaRPr lang="bg-BG"/>
           </a:p>
@@ -5103,7 +5322,89 @@
       </p:sp>
       <p:sp>
         <p:nvSpPr>
-          <p:cNvPr id="7" name="Slide Number Placeholder 6"/>
+          <p:cNvPr id="10" name="Freeform 11"/>
+          <p:cNvSpPr/>
+          <p:nvPr/>
+        </p:nvSpPr>
+        <p:spPr bwMode="auto">
+          <a:xfrm flipV="1">
+            <a:off x="-4189" y="714375"/>
+            <a:ext cx="1588527" cy="507297"/>
+          </a:xfrm>
+          <a:custGeom>
+            <a:avLst/>
+            <a:gdLst/>
+            <a:ahLst/>
+            <a:cxnLst/>
+            <a:rect l="l" t="t" r="r" b="b"/>
+            <a:pathLst>
+              <a:path w="9248" h="10000">
+                <a:moveTo>
+                  <a:pt x="9248" y="4701"/>
+                </a:moveTo>
+                <a:lnTo>
+                  <a:pt x="7915" y="188"/>
+                </a:lnTo>
+                <a:cubicBezTo>
+                  <a:pt x="7906" y="156"/>
+                  <a:pt x="7895" y="126"/>
+                  <a:pt x="7886" y="94"/>
+                </a:cubicBezTo>
+                <a:cubicBezTo>
+                  <a:pt x="7859" y="0"/>
+                  <a:pt x="7831" y="0"/>
+                  <a:pt x="7803" y="0"/>
+                </a:cubicBezTo>
+                <a:lnTo>
+                  <a:pt x="7275" y="0"/>
+                </a:lnTo>
+                <a:lnTo>
+                  <a:pt x="0" y="70"/>
+                </a:lnTo>
+                <a:cubicBezTo>
+                  <a:pt x="8" y="3380"/>
+                  <a:pt x="17" y="6690"/>
+                  <a:pt x="25" y="10000"/>
+                </a:cubicBezTo>
+                <a:lnTo>
+                  <a:pt x="7275" y="9966"/>
+                </a:lnTo>
+                <a:lnTo>
+                  <a:pt x="7803" y="9966"/>
+                </a:lnTo>
+                <a:cubicBezTo>
+                  <a:pt x="7831" y="9966"/>
+                  <a:pt x="7859" y="9872"/>
+                  <a:pt x="7886" y="9872"/>
+                </a:cubicBezTo>
+                <a:cubicBezTo>
+                  <a:pt x="7886" y="9778"/>
+                  <a:pt x="7915" y="9778"/>
+                  <a:pt x="7915" y="9778"/>
+                </a:cubicBezTo>
+                <a:lnTo>
+                  <a:pt x="9248" y="5265"/>
+                </a:lnTo>
+                <a:cubicBezTo>
+                  <a:pt x="9303" y="5077"/>
+                  <a:pt x="9303" y="4889"/>
+                  <a:pt x="9248" y="4701"/>
+                </a:cubicBezTo>
+                <a:close/>
+              </a:path>
+            </a:pathLst>
+          </a:custGeom>
+          <a:solidFill>
+            <a:schemeClr val="accent1"/>
+          </a:solidFill>
+          <a:ln>
+            <a:noFill/>
+          </a:ln>
+        </p:spPr>
+      </p:sp>
+      <p:sp>
+        <p:nvSpPr>
+          <p:cNvPr id="11" name="Slide Number Placeholder 5"/>
           <p:cNvSpPr>
             <a:spLocks noGrp="1"/>
           </p:cNvSpPr>
@@ -5111,7 +5412,12 @@
             <p:ph type="sldNum" sz="quarter" idx="12"/>
           </p:nvPr>
         </p:nvSpPr>
-        <p:spPr/>
+        <p:spPr>
+          <a:xfrm>
+            <a:off x="531812" y="787782"/>
+            <a:ext cx="779767" cy="365125"/>
+          </a:xfrm>
+        </p:spPr>
         <p:txBody>
           <a:bodyPr/>
           <a:lstStyle/>
@@ -5127,7 +5433,7 @@
     </p:spTree>
     <p:extLst>
       <p:ext uri="{BB962C8B-B14F-4D97-AF65-F5344CB8AC3E}">
-        <p14:creationId xmlns:p14="http://schemas.microsoft.com/office/powerpoint/2010/main" val="453405451"/>
+        <p14:creationId xmlns:p14="http://schemas.microsoft.com/office/powerpoint/2010/main" val="545098308"/>
       </p:ext>
     </p:extLst>
   </p:cSld>
@@ -5156,7 +5462,7 @@
       </p:grpSpPr>
       <p:sp>
         <p:nvSpPr>
-          <p:cNvPr id="2" name="Title 1"/>
+          <p:cNvPr id="10" name="Title 9"/>
           <p:cNvSpPr>
             <a:spLocks noGrp="1"/>
           </p:cNvSpPr>
@@ -5167,11 +5473,7 @@
         <p:spPr/>
         <p:txBody>
           <a:bodyPr/>
-          <a:lstStyle>
-            <a:lvl1pPr>
-              <a:defRPr/>
-            </a:lvl1pPr>
-          </a:lstStyle>
+          <a:lstStyle/>
           <a:p>
             <a:r>
               <a:rPr lang="en-US" smtClean="0"/>
@@ -5193,8 +5495,8 @@
         </p:nvSpPr>
         <p:spPr>
           <a:xfrm>
-            <a:off x="972080" y="685800"/>
-            <a:ext cx="4649787" cy="576262"/>
+            <a:off x="2939373" y="1972703"/>
+            <a:ext cx="3992732" cy="576262"/>
           </a:xfrm>
         </p:spPr>
         <p:txBody>
@@ -5204,11 +5506,7 @@
           <a:lstStyle>
             <a:lvl1pPr marL="0" indent="0">
               <a:buNone/>
-              <a:defRPr sz="2800" b="0">
-                <a:solidFill>
-                  <a:schemeClr val="tx1"/>
-                </a:solidFill>
-              </a:defRPr>
+              <a:defRPr sz="2400" b="0"/>
             </a:lvl1pPr>
             <a:lvl2pPr marL="457200" indent="0">
               <a:buNone/>
@@ -5264,12 +5562,12 @@
         </p:nvSpPr>
         <p:spPr>
           <a:xfrm>
-            <a:off x="684211" y="1270529"/>
-            <a:ext cx="4937655" cy="3030538"/>
+            <a:off x="2589212" y="2548966"/>
+            <a:ext cx="4342893" cy="3354060"/>
           </a:xfrm>
         </p:spPr>
         <p:txBody>
-          <a:bodyPr anchor="t">
+          <a:bodyPr>
             <a:normAutofit/>
           </a:bodyPr>
           <a:lstStyle/>
@@ -5323,8 +5621,8 @@
         </p:nvSpPr>
         <p:spPr>
           <a:xfrm>
-            <a:off x="6079066" y="685800"/>
-            <a:ext cx="4665134" cy="576262"/>
+            <a:off x="7506629" y="1969475"/>
+            <a:ext cx="3999001" cy="576262"/>
           </a:xfrm>
         </p:spPr>
         <p:txBody>
@@ -5334,11 +5632,7 @@
           <a:lstStyle>
             <a:lvl1pPr marL="0" indent="0">
               <a:buNone/>
-              <a:defRPr sz="2800" b="0">
-                <a:solidFill>
-                  <a:schemeClr val="tx1"/>
-                </a:solidFill>
-              </a:defRPr>
+              <a:defRPr sz="2400" b="0"/>
             </a:lvl1pPr>
             <a:lvl2pPr marL="457200" indent="0">
               <a:buNone/>
@@ -5394,12 +5688,12 @@
         </p:nvSpPr>
         <p:spPr>
           <a:xfrm>
-            <a:off x="5806545" y="1262062"/>
-            <a:ext cx="4929188" cy="3030538"/>
+            <a:off x="7166957" y="2545738"/>
+            <a:ext cx="4338674" cy="3354060"/>
           </a:xfrm>
         </p:spPr>
         <p:txBody>
-          <a:bodyPr anchor="t">
+          <a:bodyPr>
             <a:normAutofit/>
           </a:bodyPr>
           <a:lstStyle/>
@@ -5458,7 +5752,7 @@
           <a:p>
             <a:fld id="{F5F188DB-FD8C-4D18-9FD8-A2D3B5A7C832}" type="datetime1">
               <a:rPr lang="bg-BG" smtClean="0"/>
-              <a:t>12.5.2024 г.</a:t>
+              <a:t>21.5.2024 г.</a:t>
             </a:fld>
             <a:endParaRPr lang="bg-BG"/>
           </a:p>
@@ -5485,7 +5779,89 @@
       </p:sp>
       <p:sp>
         <p:nvSpPr>
-          <p:cNvPr id="9" name="Slide Number Placeholder 8"/>
+          <p:cNvPr id="12" name="Freeform 11"/>
+          <p:cNvSpPr/>
+          <p:nvPr/>
+        </p:nvSpPr>
+        <p:spPr bwMode="auto">
+          <a:xfrm flipV="1">
+            <a:off x="-4189" y="714375"/>
+            <a:ext cx="1588527" cy="507297"/>
+          </a:xfrm>
+          <a:custGeom>
+            <a:avLst/>
+            <a:gdLst/>
+            <a:ahLst/>
+            <a:cxnLst/>
+            <a:rect l="l" t="t" r="r" b="b"/>
+            <a:pathLst>
+              <a:path w="9248" h="10000">
+                <a:moveTo>
+                  <a:pt x="9248" y="4701"/>
+                </a:moveTo>
+                <a:lnTo>
+                  <a:pt x="7915" y="188"/>
+                </a:lnTo>
+                <a:cubicBezTo>
+                  <a:pt x="7906" y="156"/>
+                  <a:pt x="7895" y="126"/>
+                  <a:pt x="7886" y="94"/>
+                </a:cubicBezTo>
+                <a:cubicBezTo>
+                  <a:pt x="7859" y="0"/>
+                  <a:pt x="7831" y="0"/>
+                  <a:pt x="7803" y="0"/>
+                </a:cubicBezTo>
+                <a:lnTo>
+                  <a:pt x="7275" y="0"/>
+                </a:lnTo>
+                <a:lnTo>
+                  <a:pt x="0" y="70"/>
+                </a:lnTo>
+                <a:cubicBezTo>
+                  <a:pt x="8" y="3380"/>
+                  <a:pt x="17" y="6690"/>
+                  <a:pt x="25" y="10000"/>
+                </a:cubicBezTo>
+                <a:lnTo>
+                  <a:pt x="7275" y="9966"/>
+                </a:lnTo>
+                <a:lnTo>
+                  <a:pt x="7803" y="9966"/>
+                </a:lnTo>
+                <a:cubicBezTo>
+                  <a:pt x="7831" y="9966"/>
+                  <a:pt x="7859" y="9872"/>
+                  <a:pt x="7886" y="9872"/>
+                </a:cubicBezTo>
+                <a:cubicBezTo>
+                  <a:pt x="7886" y="9778"/>
+                  <a:pt x="7915" y="9778"/>
+                  <a:pt x="7915" y="9778"/>
+                </a:cubicBezTo>
+                <a:lnTo>
+                  <a:pt x="9248" y="5265"/>
+                </a:lnTo>
+                <a:cubicBezTo>
+                  <a:pt x="9303" y="5077"/>
+                  <a:pt x="9303" y="4889"/>
+                  <a:pt x="9248" y="4701"/>
+                </a:cubicBezTo>
+                <a:close/>
+              </a:path>
+            </a:pathLst>
+          </a:custGeom>
+          <a:solidFill>
+            <a:schemeClr val="accent1"/>
+          </a:solidFill>
+          <a:ln>
+            <a:noFill/>
+          </a:ln>
+        </p:spPr>
+      </p:sp>
+      <p:sp>
+        <p:nvSpPr>
+          <p:cNvPr id="13" name="Slide Number Placeholder 5"/>
           <p:cNvSpPr>
             <a:spLocks noGrp="1"/>
           </p:cNvSpPr>
@@ -5493,7 +5869,12 @@
             <p:ph type="sldNum" sz="quarter" idx="12"/>
           </p:nvPr>
         </p:nvSpPr>
-        <p:spPr/>
+        <p:spPr>
+          <a:xfrm>
+            <a:off x="531812" y="787782"/>
+            <a:ext cx="779767" cy="365125"/>
+          </a:xfrm>
+        </p:spPr>
         <p:txBody>
           <a:bodyPr/>
           <a:lstStyle/>
@@ -5509,7 +5890,7 @@
     </p:spTree>
     <p:extLst>
       <p:ext uri="{BB962C8B-B14F-4D97-AF65-F5344CB8AC3E}">
-        <p14:creationId xmlns:p14="http://schemas.microsoft.com/office/powerpoint/2010/main" val="3405363063"/>
+        <p14:creationId xmlns:p14="http://schemas.microsoft.com/office/powerpoint/2010/main" val="4237329944"/>
       </p:ext>
     </p:extLst>
   </p:cSld>
@@ -5576,7 +5957,7 @@
           <a:p>
             <a:fld id="{E58AF1C6-A3EA-4A59-9FD7-F4A11AE1F98A}" type="datetime1">
               <a:rPr lang="bg-BG" smtClean="0"/>
-              <a:t>12.5.2024 г.</a:t>
+              <a:t>21.5.2024 г.</a:t>
             </a:fld>
             <a:endParaRPr lang="bg-BG"/>
           </a:p>
@@ -5600,6 +5981,88 @@
             <a:endParaRPr lang="bg-BG"/>
           </a:p>
         </p:txBody>
+      </p:sp>
+      <p:sp>
+        <p:nvSpPr>
+          <p:cNvPr id="7" name="Freeform 11"/>
+          <p:cNvSpPr/>
+          <p:nvPr/>
+        </p:nvSpPr>
+        <p:spPr bwMode="auto">
+          <a:xfrm flipV="1">
+            <a:off x="-4189" y="714375"/>
+            <a:ext cx="1588527" cy="507297"/>
+          </a:xfrm>
+          <a:custGeom>
+            <a:avLst/>
+            <a:gdLst/>
+            <a:ahLst/>
+            <a:cxnLst/>
+            <a:rect l="l" t="t" r="r" b="b"/>
+            <a:pathLst>
+              <a:path w="9248" h="10000">
+                <a:moveTo>
+                  <a:pt x="9248" y="4701"/>
+                </a:moveTo>
+                <a:lnTo>
+                  <a:pt x="7915" y="188"/>
+                </a:lnTo>
+                <a:cubicBezTo>
+                  <a:pt x="7906" y="156"/>
+                  <a:pt x="7895" y="126"/>
+                  <a:pt x="7886" y="94"/>
+                </a:cubicBezTo>
+                <a:cubicBezTo>
+                  <a:pt x="7859" y="0"/>
+                  <a:pt x="7831" y="0"/>
+                  <a:pt x="7803" y="0"/>
+                </a:cubicBezTo>
+                <a:lnTo>
+                  <a:pt x="7275" y="0"/>
+                </a:lnTo>
+                <a:lnTo>
+                  <a:pt x="0" y="70"/>
+                </a:lnTo>
+                <a:cubicBezTo>
+                  <a:pt x="8" y="3380"/>
+                  <a:pt x="17" y="6690"/>
+                  <a:pt x="25" y="10000"/>
+                </a:cubicBezTo>
+                <a:lnTo>
+                  <a:pt x="7275" y="9966"/>
+                </a:lnTo>
+                <a:lnTo>
+                  <a:pt x="7803" y="9966"/>
+                </a:lnTo>
+                <a:cubicBezTo>
+                  <a:pt x="7831" y="9966"/>
+                  <a:pt x="7859" y="9872"/>
+                  <a:pt x="7886" y="9872"/>
+                </a:cubicBezTo>
+                <a:cubicBezTo>
+                  <a:pt x="7886" y="9778"/>
+                  <a:pt x="7915" y="9778"/>
+                  <a:pt x="7915" y="9778"/>
+                </a:cubicBezTo>
+                <a:lnTo>
+                  <a:pt x="9248" y="5265"/>
+                </a:lnTo>
+                <a:cubicBezTo>
+                  <a:pt x="9303" y="5077"/>
+                  <a:pt x="9303" y="4889"/>
+                  <a:pt x="9248" y="4701"/>
+                </a:cubicBezTo>
+                <a:close/>
+              </a:path>
+            </a:pathLst>
+          </a:custGeom>
+          <a:solidFill>
+            <a:schemeClr val="accent1"/>
+          </a:solidFill>
+          <a:ln>
+            <a:noFill/>
+          </a:ln>
+        </p:spPr>
       </p:sp>
       <p:sp>
         <p:nvSpPr>
@@ -5627,7 +6090,7 @@
     </p:spTree>
     <p:extLst>
       <p:ext uri="{BB962C8B-B14F-4D97-AF65-F5344CB8AC3E}">
-        <p14:creationId xmlns:p14="http://schemas.microsoft.com/office/powerpoint/2010/main" val="3934428708"/>
+        <p14:creationId xmlns:p14="http://schemas.microsoft.com/office/powerpoint/2010/main" val="208469837"/>
       </p:ext>
     </p:extLst>
   </p:cSld>
@@ -5671,7 +6134,7 @@
           <a:p>
             <a:fld id="{53BDAEE0-5349-40EF-B3F5-0BA9A1E1EFEF}" type="datetime1">
               <a:rPr lang="bg-BG" smtClean="0"/>
-              <a:t>12.5.2024 г.</a:t>
+              <a:t>21.5.2024 г.</a:t>
             </a:fld>
             <a:endParaRPr lang="bg-BG"/>
           </a:p>
@@ -5695,6 +6158,88 @@
             <a:endParaRPr lang="bg-BG"/>
           </a:p>
         </p:txBody>
+      </p:sp>
+      <p:sp>
+        <p:nvSpPr>
+          <p:cNvPr id="6" name="Freeform 11"/>
+          <p:cNvSpPr/>
+          <p:nvPr/>
+        </p:nvSpPr>
+        <p:spPr bwMode="auto">
+          <a:xfrm flipV="1">
+            <a:off x="-4189" y="714375"/>
+            <a:ext cx="1588527" cy="507297"/>
+          </a:xfrm>
+          <a:custGeom>
+            <a:avLst/>
+            <a:gdLst/>
+            <a:ahLst/>
+            <a:cxnLst/>
+            <a:rect l="l" t="t" r="r" b="b"/>
+            <a:pathLst>
+              <a:path w="9248" h="10000">
+                <a:moveTo>
+                  <a:pt x="9248" y="4701"/>
+                </a:moveTo>
+                <a:lnTo>
+                  <a:pt x="7915" y="188"/>
+                </a:lnTo>
+                <a:cubicBezTo>
+                  <a:pt x="7906" y="156"/>
+                  <a:pt x="7895" y="126"/>
+                  <a:pt x="7886" y="94"/>
+                </a:cubicBezTo>
+                <a:cubicBezTo>
+                  <a:pt x="7859" y="0"/>
+                  <a:pt x="7831" y="0"/>
+                  <a:pt x="7803" y="0"/>
+                </a:cubicBezTo>
+                <a:lnTo>
+                  <a:pt x="7275" y="0"/>
+                </a:lnTo>
+                <a:lnTo>
+                  <a:pt x="0" y="70"/>
+                </a:lnTo>
+                <a:cubicBezTo>
+                  <a:pt x="8" y="3380"/>
+                  <a:pt x="17" y="6690"/>
+                  <a:pt x="25" y="10000"/>
+                </a:cubicBezTo>
+                <a:lnTo>
+                  <a:pt x="7275" y="9966"/>
+                </a:lnTo>
+                <a:lnTo>
+                  <a:pt x="7803" y="9966"/>
+                </a:lnTo>
+                <a:cubicBezTo>
+                  <a:pt x="7831" y="9966"/>
+                  <a:pt x="7859" y="9872"/>
+                  <a:pt x="7886" y="9872"/>
+                </a:cubicBezTo>
+                <a:cubicBezTo>
+                  <a:pt x="7886" y="9778"/>
+                  <a:pt x="7915" y="9778"/>
+                  <a:pt x="7915" y="9778"/>
+                </a:cubicBezTo>
+                <a:lnTo>
+                  <a:pt x="9248" y="5265"/>
+                </a:lnTo>
+                <a:cubicBezTo>
+                  <a:pt x="9303" y="5077"/>
+                  <a:pt x="9303" y="4889"/>
+                  <a:pt x="9248" y="4701"/>
+                </a:cubicBezTo>
+                <a:close/>
+              </a:path>
+            </a:pathLst>
+          </a:custGeom>
+          <a:solidFill>
+            <a:schemeClr val="accent1"/>
+          </a:solidFill>
+          <a:ln>
+            <a:noFill/>
+          </a:ln>
+        </p:spPr>
       </p:sp>
       <p:sp>
         <p:nvSpPr>
@@ -5722,7 +6267,7 @@
     </p:spTree>
     <p:extLst>
       <p:ext uri="{BB962C8B-B14F-4D97-AF65-F5344CB8AC3E}">
-        <p14:creationId xmlns:p14="http://schemas.microsoft.com/office/powerpoint/2010/main" val="987542728"/>
+        <p14:creationId xmlns:p14="http://schemas.microsoft.com/office/powerpoint/2010/main" val="3150487910"/>
       </p:ext>
     </p:extLst>
   </p:cSld>
@@ -5761,17 +6306,15 @@
         </p:nvSpPr>
         <p:spPr>
           <a:xfrm>
-            <a:off x="7085012" y="685800"/>
-            <a:ext cx="3657600" cy="1371600"/>
+            <a:off x="2589212" y="446088"/>
+            <a:ext cx="3505199" cy="976312"/>
           </a:xfrm>
         </p:spPr>
         <p:txBody>
-          <a:bodyPr anchor="b">
-            <a:normAutofit/>
-          </a:bodyPr>
+          <a:bodyPr anchor="b"/>
           <a:lstStyle>
             <a:lvl1pPr algn="l">
-              <a:defRPr sz="2400" b="0"/>
+              <a:defRPr sz="2000" b="0"/>
             </a:lvl1pPr>
           </a:lstStyle>
           <a:p>
@@ -5795,8 +6338,8 @@
         </p:nvSpPr>
         <p:spPr>
           <a:xfrm>
-            <a:off x="684212" y="685800"/>
-            <a:ext cx="5943601" cy="5308600"/>
+            <a:off x="6323012" y="446088"/>
+            <a:ext cx="5181600" cy="5414963"/>
           </a:xfrm>
         </p:spPr>
         <p:txBody>
@@ -5854,18 +6397,16 @@
         </p:nvSpPr>
         <p:spPr>
           <a:xfrm>
-            <a:off x="7085012" y="2209799"/>
-            <a:ext cx="3657600" cy="2091267"/>
+            <a:off x="2589212" y="1598613"/>
+            <a:ext cx="3505199" cy="4262436"/>
           </a:xfrm>
         </p:spPr>
         <p:txBody>
-          <a:bodyPr anchor="t">
-            <a:normAutofit/>
-          </a:bodyPr>
+          <a:bodyPr/>
           <a:lstStyle>
             <a:lvl1pPr marL="0" indent="0">
               <a:buNone/>
-              <a:defRPr sz="1600"/>
+              <a:defRPr sz="1400"/>
             </a:lvl1pPr>
             <a:lvl2pPr marL="457200" indent="0">
               <a:buNone/>
@@ -5926,7 +6467,7 @@
           <a:p>
             <a:fld id="{64DAFD57-B32E-45D7-95B6-E4EDC9F1E2F7}" type="datetime1">
               <a:rPr lang="bg-BG" smtClean="0"/>
-              <a:t>12.5.2024 г.</a:t>
+              <a:t>21.5.2024 г.</a:t>
             </a:fld>
             <a:endParaRPr lang="bg-BG"/>
           </a:p>
@@ -5950,6 +6491,88 @@
             <a:endParaRPr lang="bg-BG"/>
           </a:p>
         </p:txBody>
+      </p:sp>
+      <p:sp>
+        <p:nvSpPr>
+          <p:cNvPr id="9" name="Freeform 11"/>
+          <p:cNvSpPr/>
+          <p:nvPr/>
+        </p:nvSpPr>
+        <p:spPr bwMode="auto">
+          <a:xfrm flipV="1">
+            <a:off x="-4189" y="714375"/>
+            <a:ext cx="1588527" cy="507297"/>
+          </a:xfrm>
+          <a:custGeom>
+            <a:avLst/>
+            <a:gdLst/>
+            <a:ahLst/>
+            <a:cxnLst/>
+            <a:rect l="l" t="t" r="r" b="b"/>
+            <a:pathLst>
+              <a:path w="9248" h="10000">
+                <a:moveTo>
+                  <a:pt x="9248" y="4701"/>
+                </a:moveTo>
+                <a:lnTo>
+                  <a:pt x="7915" y="188"/>
+                </a:lnTo>
+                <a:cubicBezTo>
+                  <a:pt x="7906" y="156"/>
+                  <a:pt x="7895" y="126"/>
+                  <a:pt x="7886" y="94"/>
+                </a:cubicBezTo>
+                <a:cubicBezTo>
+                  <a:pt x="7859" y="0"/>
+                  <a:pt x="7831" y="0"/>
+                  <a:pt x="7803" y="0"/>
+                </a:cubicBezTo>
+                <a:lnTo>
+                  <a:pt x="7275" y="0"/>
+                </a:lnTo>
+                <a:lnTo>
+                  <a:pt x="0" y="70"/>
+                </a:lnTo>
+                <a:cubicBezTo>
+                  <a:pt x="8" y="3380"/>
+                  <a:pt x="17" y="6690"/>
+                  <a:pt x="25" y="10000"/>
+                </a:cubicBezTo>
+                <a:lnTo>
+                  <a:pt x="7275" y="9966"/>
+                </a:lnTo>
+                <a:lnTo>
+                  <a:pt x="7803" y="9966"/>
+                </a:lnTo>
+                <a:cubicBezTo>
+                  <a:pt x="7831" y="9966"/>
+                  <a:pt x="7859" y="9872"/>
+                  <a:pt x="7886" y="9872"/>
+                </a:cubicBezTo>
+                <a:cubicBezTo>
+                  <a:pt x="7886" y="9778"/>
+                  <a:pt x="7915" y="9778"/>
+                  <a:pt x="7915" y="9778"/>
+                </a:cubicBezTo>
+                <a:lnTo>
+                  <a:pt x="9248" y="5265"/>
+                </a:lnTo>
+                <a:cubicBezTo>
+                  <a:pt x="9303" y="5077"/>
+                  <a:pt x="9303" y="4889"/>
+                  <a:pt x="9248" y="4701"/>
+                </a:cubicBezTo>
+                <a:close/>
+              </a:path>
+            </a:pathLst>
+          </a:custGeom>
+          <a:solidFill>
+            <a:schemeClr val="accent1"/>
+          </a:solidFill>
+          <a:ln>
+            <a:noFill/>
+          </a:ln>
+        </p:spPr>
       </p:sp>
       <p:sp>
         <p:nvSpPr>
@@ -5977,7 +6600,7 @@
     </p:spTree>
     <p:extLst>
       <p:ext uri="{BB962C8B-B14F-4D97-AF65-F5344CB8AC3E}">
-        <p14:creationId xmlns:p14="http://schemas.microsoft.com/office/powerpoint/2010/main" val="3012609409"/>
+        <p14:creationId xmlns:p14="http://schemas.microsoft.com/office/powerpoint/2010/main" val="2357300252"/>
       </p:ext>
     </p:extLst>
   </p:cSld>
@@ -6016,8 +6639,8 @@
         </p:nvSpPr>
         <p:spPr>
           <a:xfrm>
-            <a:off x="4722812" y="1447800"/>
-            <a:ext cx="6019800" cy="1143000"/>
+            <a:off x="2589213" y="4800600"/>
+            <a:ext cx="8915400" cy="566738"/>
           </a:xfrm>
         </p:spPr>
         <p:txBody>
@@ -6026,7 +6649,7 @@
           </a:bodyPr>
           <a:lstStyle>
             <a:lvl1pPr algn="l">
-              <a:defRPr sz="2800" b="0"/>
+              <a:defRPr sz="2400" b="0"/>
             </a:lvl1pPr>
           </a:lstStyle>
           <a:p>
@@ -6040,7 +6663,7 @@
       </p:sp>
       <p:sp>
         <p:nvSpPr>
-          <p:cNvPr id="14" name="Picture Placeholder 2"/>
+          <p:cNvPr id="3" name="Picture Placeholder 2"/>
           <p:cNvSpPr>
             <a:spLocks noGrp="1" noChangeAspect="1"/>
           </p:cNvSpPr>
@@ -6050,29 +6673,9 @@
         </p:nvSpPr>
         <p:spPr>
           <a:xfrm>
-            <a:off x="989012" y="914400"/>
-            <a:ext cx="3280974" cy="4572000"/>
+            <a:off x="2589212" y="634965"/>
+            <a:ext cx="8915400" cy="3854970"/>
           </a:xfrm>
-          <a:prstGeom prst="snip2DiagRect">
-            <a:avLst>
-              <a:gd name="adj1" fmla="val 10815"/>
-              <a:gd name="adj2" fmla="val 0"/>
-            </a:avLst>
-          </a:prstGeom>
-          <a:ln w="15875">
-            <a:solidFill>
-              <a:schemeClr val="tx1">
-                <a:alpha val="40000"/>
-              </a:schemeClr>
-            </a:solidFill>
-          </a:ln>
-          <a:effectLst>
-            <a:innerShdw blurRad="57150" dist="38100" dir="14460000">
-              <a:srgbClr val="000000">
-                <a:alpha val="70000"/>
-              </a:srgbClr>
-            </a:innerShdw>
-          </a:effectLst>
         </p:spPr>
         <p:txBody>
           <a:bodyPr anchor="t">
@@ -6137,18 +6740,18 @@
         </p:nvSpPr>
         <p:spPr>
           <a:xfrm>
-            <a:off x="4722812" y="2777066"/>
-            <a:ext cx="6021388" cy="2048933"/>
+            <a:off x="2589213" y="5367338"/>
+            <a:ext cx="8915400" cy="493712"/>
           </a:xfrm>
         </p:spPr>
         <p:txBody>
-          <a:bodyPr anchor="t">
+          <a:bodyPr>
             <a:normAutofit/>
           </a:bodyPr>
           <a:lstStyle>
             <a:lvl1pPr marL="0" indent="0">
               <a:buNone/>
-              <a:defRPr sz="1800"/>
+              <a:defRPr sz="1200"/>
             </a:lvl1pPr>
             <a:lvl2pPr marL="457200" indent="0">
               <a:buNone/>
@@ -6209,7 +6812,7 @@
           <a:p>
             <a:fld id="{DBDD5AD2-BC0A-45A8-AC6F-715DE9ECA970}" type="datetime1">
               <a:rPr lang="bg-BG" smtClean="0"/>
-              <a:t>12.5.2024 г.</a:t>
+              <a:t>21.5.2024 г.</a:t>
             </a:fld>
             <a:endParaRPr lang="bg-BG"/>
           </a:p>
@@ -6236,6 +6839,88 @@
       </p:sp>
       <p:sp>
         <p:nvSpPr>
+          <p:cNvPr id="9" name="Freeform 11"/>
+          <p:cNvSpPr/>
+          <p:nvPr/>
+        </p:nvSpPr>
+        <p:spPr bwMode="auto">
+          <a:xfrm flipV="1">
+            <a:off x="-4189" y="4911725"/>
+            <a:ext cx="1588527" cy="507297"/>
+          </a:xfrm>
+          <a:custGeom>
+            <a:avLst/>
+            <a:gdLst/>
+            <a:ahLst/>
+            <a:cxnLst/>
+            <a:rect l="l" t="t" r="r" b="b"/>
+            <a:pathLst>
+              <a:path w="9248" h="10000">
+                <a:moveTo>
+                  <a:pt x="9248" y="4701"/>
+                </a:moveTo>
+                <a:lnTo>
+                  <a:pt x="7915" y="188"/>
+                </a:lnTo>
+                <a:cubicBezTo>
+                  <a:pt x="7906" y="156"/>
+                  <a:pt x="7895" y="126"/>
+                  <a:pt x="7886" y="94"/>
+                </a:cubicBezTo>
+                <a:cubicBezTo>
+                  <a:pt x="7859" y="0"/>
+                  <a:pt x="7831" y="0"/>
+                  <a:pt x="7803" y="0"/>
+                </a:cubicBezTo>
+                <a:lnTo>
+                  <a:pt x="7275" y="0"/>
+                </a:lnTo>
+                <a:lnTo>
+                  <a:pt x="0" y="70"/>
+                </a:lnTo>
+                <a:cubicBezTo>
+                  <a:pt x="8" y="3380"/>
+                  <a:pt x="17" y="6690"/>
+                  <a:pt x="25" y="10000"/>
+                </a:cubicBezTo>
+                <a:lnTo>
+                  <a:pt x="7275" y="9966"/>
+                </a:lnTo>
+                <a:lnTo>
+                  <a:pt x="7803" y="9966"/>
+                </a:lnTo>
+                <a:cubicBezTo>
+                  <a:pt x="7831" y="9966"/>
+                  <a:pt x="7859" y="9872"/>
+                  <a:pt x="7886" y="9872"/>
+                </a:cubicBezTo>
+                <a:cubicBezTo>
+                  <a:pt x="7886" y="9778"/>
+                  <a:pt x="7915" y="9778"/>
+                  <a:pt x="7915" y="9778"/>
+                </a:cubicBezTo>
+                <a:lnTo>
+                  <a:pt x="9248" y="5265"/>
+                </a:lnTo>
+                <a:cubicBezTo>
+                  <a:pt x="9303" y="5077"/>
+                  <a:pt x="9303" y="4889"/>
+                  <a:pt x="9248" y="4701"/>
+                </a:cubicBezTo>
+                <a:close/>
+              </a:path>
+            </a:pathLst>
+          </a:custGeom>
+          <a:solidFill>
+            <a:schemeClr val="accent1"/>
+          </a:solidFill>
+          <a:ln>
+            <a:noFill/>
+          </a:ln>
+        </p:spPr>
+      </p:sp>
+      <p:sp>
+        <p:nvSpPr>
           <p:cNvPr id="7" name="Slide Number Placeholder 6"/>
           <p:cNvSpPr>
             <a:spLocks noGrp="1"/>
@@ -6244,7 +6929,12 @@
             <p:ph type="sldNum" sz="quarter" idx="12"/>
           </p:nvPr>
         </p:nvSpPr>
-        <p:spPr/>
+        <p:spPr>
+          <a:xfrm>
+            <a:off x="531812" y="4983087"/>
+            <a:ext cx="779767" cy="365125"/>
+          </a:xfrm>
+        </p:spPr>
         <p:txBody>
           <a:bodyPr/>
           <a:lstStyle/>
@@ -6260,7 +6950,7 @@
     </p:spTree>
     <p:extLst>
       <p:ext uri="{BB962C8B-B14F-4D97-AF65-F5344CB8AC3E}">
-        <p14:creationId xmlns:p14="http://schemas.microsoft.com/office/powerpoint/2010/main" val="1562778894"/>
+        <p14:creationId xmlns:p14="http://schemas.microsoft.com/office/powerpoint/2010/main" val="3538823770"/>
       </p:ext>
     </p:extLst>
   </p:cSld>
@@ -6274,7 +6964,7 @@
 <p:sldMaster xmlns:a="http://schemas.openxmlformats.org/drawingml/2006/main" xmlns:r="http://schemas.openxmlformats.org/officeDocument/2006/relationships" xmlns:p="http://schemas.openxmlformats.org/presentationml/2006/main">
   <p:cSld>
     <p:bg>
-      <p:bgRef idx="1002">
+      <p:bgRef idx="1003">
         <a:schemeClr val="bg2"/>
       </p:bgRef>
     </p:bg>
@@ -6294,285 +6984,1849 @@
       </p:grpSpPr>
       <p:grpSp>
         <p:nvGrpSpPr>
-          <p:cNvPr id="7" name="Group 6"/>
+          <p:cNvPr id="23" name="Group 22"/>
           <p:cNvGrpSpPr/>
           <p:nvPr/>
         </p:nvGrpSpPr>
         <p:grpSpPr>
           <a:xfrm>
-            <a:off x="9206969" y="2963333"/>
-            <a:ext cx="2981858" cy="3208867"/>
-            <a:chOff x="9206969" y="2963333"/>
-            <a:chExt cx="2981858" cy="3208867"/>
+            <a:off x="1" y="228600"/>
+            <a:ext cx="2851516" cy="6638628"/>
+            <a:chOff x="2487613" y="285750"/>
+            <a:chExt cx="2428875" cy="5654676"/>
           </a:xfrm>
         </p:grpSpPr>
-        <p:cxnSp>
-          <p:nvCxnSpPr>
-            <p:cNvPr id="8" name="Straight Connector 7"/>
-            <p:cNvCxnSpPr/>
+        <p:sp>
+          <p:nvSpPr>
+            <p:cNvPr id="24" name="Freeform 11"/>
+            <p:cNvSpPr/>
             <p:nvPr/>
-          </p:nvCxnSpPr>
-          <p:spPr>
-            <a:xfrm flipH="1">
-              <a:off x="11276012" y="2963333"/>
-              <a:ext cx="912814" cy="912812"/>
+          </p:nvSpPr>
+          <p:spPr bwMode="auto">
+            <a:xfrm>
+              <a:off x="2487613" y="2284413"/>
+              <a:ext cx="85725" cy="533400"/>
             </a:xfrm>
-            <a:prstGeom prst="line">
+            <a:custGeom>
               <a:avLst/>
-            </a:prstGeom>
-            <a:ln w="9525">
-              <a:solidFill>
-                <a:schemeClr val="tx1"/>
-              </a:solidFill>
+              <a:gdLst/>
+              <a:ahLst/>
+              <a:cxnLst/>
+              <a:rect l="0" t="0" r="r" b="b"/>
+              <a:pathLst>
+                <a:path w="22" h="136">
+                  <a:moveTo>
+                    <a:pt x="22" y="136"/>
+                  </a:moveTo>
+                  <a:cubicBezTo>
+                    <a:pt x="20" y="117"/>
+                    <a:pt x="19" y="99"/>
+                    <a:pt x="17" y="80"/>
+                  </a:cubicBezTo>
+                  <a:cubicBezTo>
+                    <a:pt x="11" y="54"/>
+                    <a:pt x="6" y="27"/>
+                    <a:pt x="0" y="0"/>
+                  </a:cubicBezTo>
+                  <a:cubicBezTo>
+                    <a:pt x="0" y="35"/>
+                    <a:pt x="0" y="35"/>
+                    <a:pt x="0" y="35"/>
+                  </a:cubicBezTo>
+                  <a:cubicBezTo>
+                    <a:pt x="6" y="64"/>
+                    <a:pt x="13" y="94"/>
+                    <a:pt x="20" y="124"/>
+                  </a:cubicBezTo>
+                  <a:cubicBezTo>
+                    <a:pt x="20" y="128"/>
+                    <a:pt x="21" y="132"/>
+                    <a:pt x="22" y="136"/>
+                  </a:cubicBezTo>
+                  <a:close/>
+                </a:path>
+              </a:pathLst>
+            </a:custGeom>
+            <a:solidFill>
+              <a:schemeClr val="tx2">
+                <a:alpha val="20000"/>
+              </a:schemeClr>
+            </a:solidFill>
+            <a:ln>
+              <a:noFill/>
             </a:ln>
           </p:spPr>
-          <p:style>
-            <a:lnRef idx="2">
-              <a:schemeClr val="accent1"/>
-            </a:lnRef>
-            <a:fillRef idx="0">
-              <a:schemeClr val="accent1"/>
-            </a:fillRef>
-            <a:effectRef idx="1">
-              <a:schemeClr val="accent1"/>
-            </a:effectRef>
-            <a:fontRef idx="minor">
-              <a:schemeClr val="tx1"/>
-            </a:fontRef>
-          </p:style>
-        </p:cxnSp>
-        <p:cxnSp>
-          <p:nvCxnSpPr>
-            <p:cNvPr id="9" name="Straight Connector 8"/>
-            <p:cNvCxnSpPr/>
+        </p:sp>
+        <p:sp>
+          <p:nvSpPr>
+            <p:cNvPr id="25" name="Freeform 12"/>
+            <p:cNvSpPr/>
             <p:nvPr/>
-          </p:nvCxnSpPr>
-          <p:spPr>
-            <a:xfrm flipH="1">
-              <a:off x="9206969" y="3190344"/>
-              <a:ext cx="2981857" cy="2981856"/>
+          </p:nvSpPr>
+          <p:spPr bwMode="auto">
+            <a:xfrm>
+              <a:off x="2597151" y="2779713"/>
+              <a:ext cx="550863" cy="1978025"/>
             </a:xfrm>
-            <a:prstGeom prst="line">
+            <a:custGeom>
               <a:avLst/>
-            </a:prstGeom>
-            <a:ln w="9525">
-              <a:solidFill>
-                <a:schemeClr val="tx1"/>
-              </a:solidFill>
+              <a:gdLst/>
+              <a:ahLst/>
+              <a:cxnLst/>
+              <a:rect l="0" t="0" r="r" b="b"/>
+              <a:pathLst>
+                <a:path w="140" h="504">
+                  <a:moveTo>
+                    <a:pt x="86" y="350"/>
+                  </a:moveTo>
+                  <a:cubicBezTo>
+                    <a:pt x="103" y="402"/>
+                    <a:pt x="120" y="453"/>
+                    <a:pt x="139" y="504"/>
+                  </a:cubicBezTo>
+                  <a:cubicBezTo>
+                    <a:pt x="139" y="495"/>
+                    <a:pt x="139" y="487"/>
+                    <a:pt x="140" y="478"/>
+                  </a:cubicBezTo>
+                  <a:cubicBezTo>
+                    <a:pt x="124" y="435"/>
+                    <a:pt x="109" y="391"/>
+                    <a:pt x="95" y="347"/>
+                  </a:cubicBezTo>
+                  <a:cubicBezTo>
+                    <a:pt x="58" y="233"/>
+                    <a:pt x="27" y="117"/>
+                    <a:pt x="0" y="0"/>
+                  </a:cubicBezTo>
+                  <a:cubicBezTo>
+                    <a:pt x="2" y="20"/>
+                    <a:pt x="4" y="41"/>
+                    <a:pt x="6" y="61"/>
+                  </a:cubicBezTo>
+                  <a:cubicBezTo>
+                    <a:pt x="30" y="158"/>
+                    <a:pt x="56" y="255"/>
+                    <a:pt x="86" y="350"/>
+                  </a:cubicBezTo>
+                  <a:close/>
+                </a:path>
+              </a:pathLst>
+            </a:custGeom>
+            <a:solidFill>
+              <a:schemeClr val="tx2">
+                <a:alpha val="20000"/>
+              </a:schemeClr>
+            </a:solidFill>
+            <a:ln>
+              <a:noFill/>
             </a:ln>
           </p:spPr>
-          <p:style>
-            <a:lnRef idx="2">
-              <a:schemeClr val="accent1"/>
-            </a:lnRef>
-            <a:fillRef idx="0">
-              <a:schemeClr val="accent1"/>
-            </a:fillRef>
-            <a:effectRef idx="1">
-              <a:schemeClr val="accent1"/>
-            </a:effectRef>
-            <a:fontRef idx="minor">
-              <a:schemeClr val="tx1"/>
-            </a:fontRef>
-          </p:style>
-        </p:cxnSp>
-        <p:cxnSp>
-          <p:nvCxnSpPr>
-            <p:cNvPr id="10" name="Straight Connector 9"/>
-            <p:cNvCxnSpPr/>
+        </p:sp>
+        <p:sp>
+          <p:nvSpPr>
+            <p:cNvPr id="26" name="Freeform 13"/>
+            <p:cNvSpPr/>
             <p:nvPr/>
-          </p:nvCxnSpPr>
-          <p:spPr>
-            <a:xfrm flipH="1">
-              <a:off x="10292292" y="3285067"/>
-              <a:ext cx="1896534" cy="1896533"/>
+          </p:nvSpPr>
+          <p:spPr bwMode="auto">
+            <a:xfrm>
+              <a:off x="3175001" y="4730750"/>
+              <a:ext cx="519113" cy="1209675"/>
             </a:xfrm>
-            <a:prstGeom prst="line">
+            <a:custGeom>
               <a:avLst/>
-            </a:prstGeom>
-            <a:ln w="9525">
-              <a:solidFill>
-                <a:schemeClr val="tx1"/>
-              </a:solidFill>
+              <a:gdLst/>
+              <a:ahLst/>
+              <a:cxnLst/>
+              <a:rect l="0" t="0" r="r" b="b"/>
+              <a:pathLst>
+                <a:path w="132" h="308">
+                  <a:moveTo>
+                    <a:pt x="8" y="22"/>
+                  </a:moveTo>
+                  <a:cubicBezTo>
+                    <a:pt x="5" y="15"/>
+                    <a:pt x="2" y="8"/>
+                    <a:pt x="0" y="0"/>
+                  </a:cubicBezTo>
+                  <a:cubicBezTo>
+                    <a:pt x="0" y="10"/>
+                    <a:pt x="0" y="19"/>
+                    <a:pt x="0" y="29"/>
+                  </a:cubicBezTo>
+                  <a:cubicBezTo>
+                    <a:pt x="21" y="85"/>
+                    <a:pt x="44" y="140"/>
+                    <a:pt x="68" y="194"/>
+                  </a:cubicBezTo>
+                  <a:cubicBezTo>
+                    <a:pt x="85" y="232"/>
+                    <a:pt x="104" y="270"/>
+                    <a:pt x="123" y="308"/>
+                  </a:cubicBezTo>
+                  <a:cubicBezTo>
+                    <a:pt x="132" y="308"/>
+                    <a:pt x="132" y="308"/>
+                    <a:pt x="132" y="308"/>
+                  </a:cubicBezTo>
+                  <a:cubicBezTo>
+                    <a:pt x="113" y="269"/>
+                    <a:pt x="94" y="230"/>
+                    <a:pt x="77" y="190"/>
+                  </a:cubicBezTo>
+                  <a:cubicBezTo>
+                    <a:pt x="52" y="135"/>
+                    <a:pt x="29" y="79"/>
+                    <a:pt x="8" y="22"/>
+                  </a:cubicBezTo>
+                  <a:close/>
+                </a:path>
+              </a:pathLst>
+            </a:custGeom>
+            <a:solidFill>
+              <a:schemeClr val="tx2">
+                <a:alpha val="20000"/>
+              </a:schemeClr>
+            </a:solidFill>
+            <a:ln>
+              <a:noFill/>
             </a:ln>
           </p:spPr>
-          <p:style>
-            <a:lnRef idx="2">
-              <a:schemeClr val="accent1"/>
-            </a:lnRef>
-            <a:fillRef idx="0">
-              <a:schemeClr val="accent1"/>
-            </a:fillRef>
-            <a:effectRef idx="1">
-              <a:schemeClr val="accent1"/>
-            </a:effectRef>
-            <a:fontRef idx="minor">
-              <a:schemeClr val="tx1"/>
-            </a:fontRef>
-          </p:style>
-        </p:cxnSp>
-        <p:cxnSp>
-          <p:nvCxnSpPr>
-            <p:cNvPr id="11" name="Straight Connector 10"/>
-            <p:cNvCxnSpPr/>
+        </p:sp>
+        <p:sp>
+          <p:nvSpPr>
+            <p:cNvPr id="27" name="Freeform 14"/>
+            <p:cNvSpPr/>
             <p:nvPr/>
-          </p:nvCxnSpPr>
-          <p:spPr>
-            <a:xfrm flipH="1">
-              <a:off x="10443103" y="3131080"/>
-              <a:ext cx="1745722" cy="1745720"/>
+          </p:nvSpPr>
+          <p:spPr bwMode="auto">
+            <a:xfrm>
+              <a:off x="3305176" y="5630863"/>
+              <a:ext cx="146050" cy="309563"/>
             </a:xfrm>
-            <a:prstGeom prst="line">
+            <a:custGeom>
               <a:avLst/>
-            </a:prstGeom>
-            <a:ln w="28575">
-              <a:solidFill>
-                <a:schemeClr val="tx1"/>
-              </a:solidFill>
+              <a:gdLst/>
+              <a:ahLst/>
+              <a:cxnLst/>
+              <a:rect l="0" t="0" r="r" b="b"/>
+              <a:pathLst>
+                <a:path w="37" h="79">
+                  <a:moveTo>
+                    <a:pt x="28" y="79"/>
+                  </a:moveTo>
+                  <a:cubicBezTo>
+                    <a:pt x="37" y="79"/>
+                    <a:pt x="37" y="79"/>
+                    <a:pt x="37" y="79"/>
+                  </a:cubicBezTo>
+                  <a:cubicBezTo>
+                    <a:pt x="24" y="53"/>
+                    <a:pt x="12" y="27"/>
+                    <a:pt x="0" y="0"/>
+                  </a:cubicBezTo>
+                  <a:cubicBezTo>
+                    <a:pt x="8" y="27"/>
+                    <a:pt x="17" y="53"/>
+                    <a:pt x="28" y="79"/>
+                  </a:cubicBezTo>
+                  <a:close/>
+                </a:path>
+              </a:pathLst>
+            </a:custGeom>
+            <a:solidFill>
+              <a:schemeClr val="tx2">
+                <a:alpha val="20000"/>
+              </a:schemeClr>
+            </a:solidFill>
+            <a:ln>
+              <a:noFill/>
             </a:ln>
           </p:spPr>
-          <p:style>
-            <a:lnRef idx="2">
-              <a:schemeClr val="accent1"/>
-            </a:lnRef>
-            <a:fillRef idx="0">
-              <a:schemeClr val="accent1"/>
-            </a:fillRef>
-            <a:effectRef idx="1">
-              <a:schemeClr val="accent1"/>
-            </a:effectRef>
-            <a:fontRef idx="minor">
-              <a:schemeClr val="tx1"/>
-            </a:fontRef>
-          </p:style>
-        </p:cxnSp>
-        <p:cxnSp>
-          <p:nvCxnSpPr>
-            <p:cNvPr id="12" name="Straight Connector 11"/>
-            <p:cNvCxnSpPr/>
+        </p:sp>
+        <p:sp>
+          <p:nvSpPr>
+            <p:cNvPr id="28" name="Freeform 15"/>
+            <p:cNvSpPr/>
             <p:nvPr/>
-          </p:nvCxnSpPr>
-          <p:spPr>
-            <a:xfrm flipH="1">
-              <a:off x="10918826" y="3683001"/>
-              <a:ext cx="1270001" cy="1269999"/>
+          </p:nvSpPr>
+          <p:spPr bwMode="auto">
+            <a:xfrm>
+              <a:off x="2573338" y="2817813"/>
+              <a:ext cx="700088" cy="2835275"/>
             </a:xfrm>
-            <a:prstGeom prst="line">
+            <a:custGeom>
               <a:avLst/>
-            </a:prstGeom>
-            <a:ln w="28575">
-              <a:solidFill>
-                <a:schemeClr val="tx1"/>
-              </a:solidFill>
+              <a:gdLst/>
+              <a:ahLst/>
+              <a:cxnLst/>
+              <a:rect l="0" t="0" r="r" b="b"/>
+              <a:pathLst>
+                <a:path w="178" h="722">
+                  <a:moveTo>
+                    <a:pt x="162" y="660"/>
+                  </a:moveTo>
+                  <a:cubicBezTo>
+                    <a:pt x="145" y="618"/>
+                    <a:pt x="130" y="576"/>
+                    <a:pt x="116" y="534"/>
+                  </a:cubicBezTo>
+                  <a:cubicBezTo>
+                    <a:pt x="84" y="437"/>
+                    <a:pt x="59" y="337"/>
+                    <a:pt x="40" y="236"/>
+                  </a:cubicBezTo>
+                  <a:cubicBezTo>
+                    <a:pt x="29" y="175"/>
+                    <a:pt x="20" y="113"/>
+                    <a:pt x="12" y="51"/>
+                  </a:cubicBezTo>
+                  <a:cubicBezTo>
+                    <a:pt x="8" y="34"/>
+                    <a:pt x="4" y="17"/>
+                    <a:pt x="0" y="0"/>
+                  </a:cubicBezTo>
+                  <a:cubicBezTo>
+                    <a:pt x="8" y="79"/>
+                    <a:pt x="19" y="159"/>
+                    <a:pt x="33" y="237"/>
+                  </a:cubicBezTo>
+                  <a:cubicBezTo>
+                    <a:pt x="51" y="339"/>
+                    <a:pt x="76" y="439"/>
+                    <a:pt x="107" y="537"/>
+                  </a:cubicBezTo>
+                  <a:cubicBezTo>
+                    <a:pt x="123" y="586"/>
+                    <a:pt x="141" y="634"/>
+                    <a:pt x="160" y="681"/>
+                  </a:cubicBezTo>
+                  <a:cubicBezTo>
+                    <a:pt x="166" y="695"/>
+                    <a:pt x="172" y="708"/>
+                    <a:pt x="178" y="722"/>
+                  </a:cubicBezTo>
+                  <a:cubicBezTo>
+                    <a:pt x="176" y="717"/>
+                    <a:pt x="175" y="713"/>
+                    <a:pt x="174" y="708"/>
+                  </a:cubicBezTo>
+                  <a:cubicBezTo>
+                    <a:pt x="169" y="692"/>
+                    <a:pt x="165" y="676"/>
+                    <a:pt x="162" y="660"/>
+                  </a:cubicBezTo>
+                  <a:close/>
+                </a:path>
+              </a:pathLst>
+            </a:custGeom>
+            <a:solidFill>
+              <a:schemeClr val="tx2">
+                <a:alpha val="20000"/>
+              </a:schemeClr>
+            </a:solidFill>
+            <a:ln>
+              <a:noFill/>
             </a:ln>
           </p:spPr>
-          <p:style>
-            <a:lnRef idx="2">
-              <a:schemeClr val="accent1"/>
-            </a:lnRef>
-            <a:fillRef idx="0">
-              <a:schemeClr val="accent1"/>
-            </a:fillRef>
-            <a:effectRef idx="1">
-              <a:schemeClr val="accent1"/>
-            </a:effectRef>
-            <a:fontRef idx="minor">
-              <a:schemeClr val="tx1"/>
-            </a:fontRef>
-          </p:style>
-        </p:cxnSp>
+        </p:sp>
+        <p:sp>
+          <p:nvSpPr>
+            <p:cNvPr id="29" name="Freeform 16"/>
+            <p:cNvSpPr/>
+            <p:nvPr/>
+          </p:nvSpPr>
+          <p:spPr bwMode="auto">
+            <a:xfrm>
+              <a:off x="2506663" y="285750"/>
+              <a:ext cx="90488" cy="2493963"/>
+            </a:xfrm>
+            <a:custGeom>
+              <a:avLst/>
+              <a:gdLst/>
+              <a:ahLst/>
+              <a:cxnLst/>
+              <a:rect l="0" t="0" r="r" b="b"/>
+              <a:pathLst>
+                <a:path w="23" h="635">
+                  <a:moveTo>
+                    <a:pt x="11" y="577"/>
+                  </a:moveTo>
+                  <a:cubicBezTo>
+                    <a:pt x="12" y="581"/>
+                    <a:pt x="12" y="585"/>
+                    <a:pt x="12" y="589"/>
+                  </a:cubicBezTo>
+                  <a:cubicBezTo>
+                    <a:pt x="15" y="603"/>
+                    <a:pt x="19" y="617"/>
+                    <a:pt x="22" y="632"/>
+                  </a:cubicBezTo>
+                  <a:cubicBezTo>
+                    <a:pt x="22" y="633"/>
+                    <a:pt x="22" y="634"/>
+                    <a:pt x="23" y="635"/>
+                  </a:cubicBezTo>
+                  <a:cubicBezTo>
+                    <a:pt x="21" y="615"/>
+                    <a:pt x="19" y="596"/>
+                    <a:pt x="17" y="576"/>
+                  </a:cubicBezTo>
+                  <a:cubicBezTo>
+                    <a:pt x="9" y="474"/>
+                    <a:pt x="5" y="372"/>
+                    <a:pt x="5" y="269"/>
+                  </a:cubicBezTo>
+                  <a:cubicBezTo>
+                    <a:pt x="6" y="179"/>
+                    <a:pt x="9" y="90"/>
+                    <a:pt x="15" y="0"/>
+                  </a:cubicBezTo>
+                  <a:cubicBezTo>
+                    <a:pt x="12" y="0"/>
+                    <a:pt x="12" y="0"/>
+                    <a:pt x="12" y="0"/>
+                  </a:cubicBezTo>
+                  <a:cubicBezTo>
+                    <a:pt x="5" y="89"/>
+                    <a:pt x="2" y="179"/>
+                    <a:pt x="1" y="269"/>
+                  </a:cubicBezTo>
+                  <a:cubicBezTo>
+                    <a:pt x="0" y="372"/>
+                    <a:pt x="3" y="474"/>
+                    <a:pt x="11" y="577"/>
+                  </a:cubicBezTo>
+                  <a:close/>
+                </a:path>
+              </a:pathLst>
+            </a:custGeom>
+            <a:solidFill>
+              <a:schemeClr val="tx2">
+                <a:alpha val="20000"/>
+              </a:schemeClr>
+            </a:solidFill>
+            <a:ln>
+              <a:noFill/>
+            </a:ln>
+          </p:spPr>
+        </p:sp>
+        <p:sp>
+          <p:nvSpPr>
+            <p:cNvPr id="30" name="Freeform 17"/>
+            <p:cNvSpPr/>
+            <p:nvPr/>
+          </p:nvSpPr>
+          <p:spPr bwMode="auto">
+            <a:xfrm>
+              <a:off x="2554288" y="2598738"/>
+              <a:ext cx="66675" cy="420688"/>
+            </a:xfrm>
+            <a:custGeom>
+              <a:avLst/>
+              <a:gdLst/>
+              <a:ahLst/>
+              <a:cxnLst/>
+              <a:rect l="0" t="0" r="r" b="b"/>
+              <a:pathLst>
+                <a:path w="17" h="107">
+                  <a:moveTo>
+                    <a:pt x="0" y="0"/>
+                  </a:moveTo>
+                  <a:cubicBezTo>
+                    <a:pt x="2" y="19"/>
+                    <a:pt x="3" y="37"/>
+                    <a:pt x="5" y="56"/>
+                  </a:cubicBezTo>
+                  <a:cubicBezTo>
+                    <a:pt x="9" y="73"/>
+                    <a:pt x="13" y="90"/>
+                    <a:pt x="17" y="107"/>
+                  </a:cubicBezTo>
+                  <a:cubicBezTo>
+                    <a:pt x="15" y="87"/>
+                    <a:pt x="13" y="66"/>
+                    <a:pt x="11" y="46"/>
+                  </a:cubicBezTo>
+                  <a:cubicBezTo>
+                    <a:pt x="10" y="45"/>
+                    <a:pt x="10" y="44"/>
+                    <a:pt x="10" y="43"/>
+                  </a:cubicBezTo>
+                  <a:cubicBezTo>
+                    <a:pt x="7" y="28"/>
+                    <a:pt x="3" y="14"/>
+                    <a:pt x="0" y="0"/>
+                  </a:cubicBezTo>
+                  <a:close/>
+                </a:path>
+              </a:pathLst>
+            </a:custGeom>
+            <a:solidFill>
+              <a:schemeClr val="tx2">
+                <a:alpha val="20000"/>
+              </a:schemeClr>
+            </a:solidFill>
+            <a:ln>
+              <a:noFill/>
+            </a:ln>
+          </p:spPr>
+        </p:sp>
+        <p:sp>
+          <p:nvSpPr>
+            <p:cNvPr id="31" name="Freeform 18"/>
+            <p:cNvSpPr/>
+            <p:nvPr/>
+          </p:nvSpPr>
+          <p:spPr bwMode="auto">
+            <a:xfrm>
+              <a:off x="3143251" y="4757738"/>
+              <a:ext cx="161925" cy="873125"/>
+            </a:xfrm>
+            <a:custGeom>
+              <a:avLst/>
+              <a:gdLst/>
+              <a:ahLst/>
+              <a:cxnLst/>
+              <a:rect l="0" t="0" r="r" b="b"/>
+              <a:pathLst>
+                <a:path w="41" h="222">
+                  <a:moveTo>
+                    <a:pt x="0" y="0"/>
+                  </a:moveTo>
+                  <a:cubicBezTo>
+                    <a:pt x="0" y="31"/>
+                    <a:pt x="2" y="62"/>
+                    <a:pt x="5" y="93"/>
+                  </a:cubicBezTo>
+                  <a:cubicBezTo>
+                    <a:pt x="8" y="117"/>
+                    <a:pt x="12" y="142"/>
+                    <a:pt x="17" y="166"/>
+                  </a:cubicBezTo>
+                  <a:cubicBezTo>
+                    <a:pt x="19" y="172"/>
+                    <a:pt x="22" y="178"/>
+                    <a:pt x="24" y="184"/>
+                  </a:cubicBezTo>
+                  <a:cubicBezTo>
+                    <a:pt x="30" y="197"/>
+                    <a:pt x="35" y="209"/>
+                    <a:pt x="41" y="222"/>
+                  </a:cubicBezTo>
+                  <a:cubicBezTo>
+                    <a:pt x="40" y="219"/>
+                    <a:pt x="39" y="215"/>
+                    <a:pt x="38" y="212"/>
+                  </a:cubicBezTo>
+                  <a:cubicBezTo>
+                    <a:pt x="26" y="172"/>
+                    <a:pt x="18" y="132"/>
+                    <a:pt x="13" y="92"/>
+                  </a:cubicBezTo>
+                  <a:cubicBezTo>
+                    <a:pt x="11" y="68"/>
+                    <a:pt x="9" y="45"/>
+                    <a:pt x="8" y="22"/>
+                  </a:cubicBezTo>
+                  <a:cubicBezTo>
+                    <a:pt x="8" y="21"/>
+                    <a:pt x="7" y="20"/>
+                    <a:pt x="7" y="18"/>
+                  </a:cubicBezTo>
+                  <a:cubicBezTo>
+                    <a:pt x="5" y="12"/>
+                    <a:pt x="2" y="6"/>
+                    <a:pt x="0" y="0"/>
+                  </a:cubicBezTo>
+                  <a:close/>
+                </a:path>
+              </a:pathLst>
+            </a:custGeom>
+            <a:solidFill>
+              <a:schemeClr val="tx2">
+                <a:alpha val="20000"/>
+              </a:schemeClr>
+            </a:solidFill>
+            <a:ln>
+              <a:noFill/>
+            </a:ln>
+          </p:spPr>
+        </p:sp>
+        <p:sp>
+          <p:nvSpPr>
+            <p:cNvPr id="32" name="Freeform 19"/>
+            <p:cNvSpPr/>
+            <p:nvPr/>
+          </p:nvSpPr>
+          <p:spPr bwMode="auto">
+            <a:xfrm>
+              <a:off x="3148013" y="1282700"/>
+              <a:ext cx="1768475" cy="3448050"/>
+            </a:xfrm>
+            <a:custGeom>
+              <a:avLst/>
+              <a:gdLst/>
+              <a:ahLst/>
+              <a:cxnLst/>
+              <a:rect l="0" t="0" r="r" b="b"/>
+              <a:pathLst>
+                <a:path w="450" h="878">
+                  <a:moveTo>
+                    <a:pt x="7" y="854"/>
+                  </a:moveTo>
+                  <a:cubicBezTo>
+                    <a:pt x="10" y="772"/>
+                    <a:pt x="26" y="691"/>
+                    <a:pt x="50" y="613"/>
+                  </a:cubicBezTo>
+                  <a:cubicBezTo>
+                    <a:pt x="75" y="535"/>
+                    <a:pt x="109" y="460"/>
+                    <a:pt x="149" y="388"/>
+                  </a:cubicBezTo>
+                  <a:cubicBezTo>
+                    <a:pt x="189" y="316"/>
+                    <a:pt x="235" y="248"/>
+                    <a:pt x="285" y="183"/>
+                  </a:cubicBezTo>
+                  <a:cubicBezTo>
+                    <a:pt x="310" y="151"/>
+                    <a:pt x="337" y="119"/>
+                    <a:pt x="364" y="89"/>
+                  </a:cubicBezTo>
+                  <a:cubicBezTo>
+                    <a:pt x="378" y="74"/>
+                    <a:pt x="392" y="58"/>
+                    <a:pt x="406" y="44"/>
+                  </a:cubicBezTo>
+                  <a:cubicBezTo>
+                    <a:pt x="421" y="29"/>
+                    <a:pt x="435" y="15"/>
+                    <a:pt x="450" y="1"/>
+                  </a:cubicBezTo>
+                  <a:cubicBezTo>
+                    <a:pt x="450" y="0"/>
+                    <a:pt x="450" y="0"/>
+                    <a:pt x="450" y="0"/>
+                  </a:cubicBezTo>
+                  <a:cubicBezTo>
+                    <a:pt x="434" y="14"/>
+                    <a:pt x="420" y="28"/>
+                    <a:pt x="405" y="43"/>
+                  </a:cubicBezTo>
+                  <a:cubicBezTo>
+                    <a:pt x="391" y="57"/>
+                    <a:pt x="377" y="72"/>
+                    <a:pt x="363" y="88"/>
+                  </a:cubicBezTo>
+                  <a:cubicBezTo>
+                    <a:pt x="335" y="118"/>
+                    <a:pt x="308" y="149"/>
+                    <a:pt x="283" y="181"/>
+                  </a:cubicBezTo>
+                  <a:cubicBezTo>
+                    <a:pt x="232" y="246"/>
+                    <a:pt x="185" y="314"/>
+                    <a:pt x="145" y="386"/>
+                  </a:cubicBezTo>
+                  <a:cubicBezTo>
+                    <a:pt x="104" y="457"/>
+                    <a:pt x="70" y="533"/>
+                    <a:pt x="45" y="611"/>
+                  </a:cubicBezTo>
+                  <a:cubicBezTo>
+                    <a:pt x="19" y="690"/>
+                    <a:pt x="3" y="771"/>
+                    <a:pt x="0" y="854"/>
+                  </a:cubicBezTo>
+                  <a:cubicBezTo>
+                    <a:pt x="0" y="856"/>
+                    <a:pt x="0" y="857"/>
+                    <a:pt x="0" y="859"/>
+                  </a:cubicBezTo>
+                  <a:cubicBezTo>
+                    <a:pt x="2" y="865"/>
+                    <a:pt x="4" y="872"/>
+                    <a:pt x="7" y="878"/>
+                  </a:cubicBezTo>
+                  <a:cubicBezTo>
+                    <a:pt x="7" y="870"/>
+                    <a:pt x="7" y="862"/>
+                    <a:pt x="7" y="854"/>
+                  </a:cubicBezTo>
+                  <a:close/>
+                </a:path>
+              </a:pathLst>
+            </a:custGeom>
+            <a:solidFill>
+              <a:schemeClr val="tx2">
+                <a:alpha val="20000"/>
+              </a:schemeClr>
+            </a:solidFill>
+            <a:ln>
+              <a:noFill/>
+            </a:ln>
+          </p:spPr>
+        </p:sp>
+        <p:sp>
+          <p:nvSpPr>
+            <p:cNvPr id="33" name="Freeform 20"/>
+            <p:cNvSpPr/>
+            <p:nvPr/>
+          </p:nvSpPr>
+          <p:spPr bwMode="auto">
+            <a:xfrm>
+              <a:off x="3273426" y="5653088"/>
+              <a:ext cx="138113" cy="287338"/>
+            </a:xfrm>
+            <a:custGeom>
+              <a:avLst/>
+              <a:gdLst/>
+              <a:ahLst/>
+              <a:cxnLst/>
+              <a:rect l="0" t="0" r="r" b="b"/>
+              <a:pathLst>
+                <a:path w="35" h="73">
+                  <a:moveTo>
+                    <a:pt x="0" y="0"/>
+                  </a:moveTo>
+                  <a:cubicBezTo>
+                    <a:pt x="7" y="24"/>
+                    <a:pt x="16" y="49"/>
+                    <a:pt x="26" y="73"/>
+                  </a:cubicBezTo>
+                  <a:cubicBezTo>
+                    <a:pt x="35" y="73"/>
+                    <a:pt x="35" y="73"/>
+                    <a:pt x="35" y="73"/>
+                  </a:cubicBezTo>
+                  <a:cubicBezTo>
+                    <a:pt x="23" y="49"/>
+                    <a:pt x="11" y="24"/>
+                    <a:pt x="0" y="0"/>
+                  </a:cubicBezTo>
+                  <a:close/>
+                </a:path>
+              </a:pathLst>
+            </a:custGeom>
+            <a:solidFill>
+              <a:schemeClr val="tx2">
+                <a:alpha val="20000"/>
+              </a:schemeClr>
+            </a:solidFill>
+            <a:ln>
+              <a:noFill/>
+            </a:ln>
+          </p:spPr>
+        </p:sp>
+        <p:sp>
+          <p:nvSpPr>
+            <p:cNvPr id="34" name="Freeform 21"/>
+            <p:cNvSpPr/>
+            <p:nvPr/>
+          </p:nvSpPr>
+          <p:spPr bwMode="auto">
+            <a:xfrm>
+              <a:off x="3143251" y="4656138"/>
+              <a:ext cx="31750" cy="188913"/>
+            </a:xfrm>
+            <a:custGeom>
+              <a:avLst/>
+              <a:gdLst/>
+              <a:ahLst/>
+              <a:cxnLst/>
+              <a:rect l="0" t="0" r="r" b="b"/>
+              <a:pathLst>
+                <a:path w="8" h="48">
+                  <a:moveTo>
+                    <a:pt x="7" y="44"/>
+                  </a:moveTo>
+                  <a:cubicBezTo>
+                    <a:pt x="7" y="46"/>
+                    <a:pt x="8" y="47"/>
+                    <a:pt x="8" y="48"/>
+                  </a:cubicBezTo>
+                  <a:cubicBezTo>
+                    <a:pt x="8" y="38"/>
+                    <a:pt x="8" y="29"/>
+                    <a:pt x="8" y="19"/>
+                  </a:cubicBezTo>
+                  <a:cubicBezTo>
+                    <a:pt x="5" y="13"/>
+                    <a:pt x="3" y="6"/>
+                    <a:pt x="1" y="0"/>
+                  </a:cubicBezTo>
+                  <a:cubicBezTo>
+                    <a:pt x="0" y="9"/>
+                    <a:pt x="0" y="17"/>
+                    <a:pt x="0" y="26"/>
+                  </a:cubicBezTo>
+                  <a:cubicBezTo>
+                    <a:pt x="2" y="32"/>
+                    <a:pt x="5" y="38"/>
+                    <a:pt x="7" y="44"/>
+                  </a:cubicBezTo>
+                  <a:close/>
+                </a:path>
+              </a:pathLst>
+            </a:custGeom>
+            <a:solidFill>
+              <a:schemeClr val="tx2">
+                <a:alpha val="20000"/>
+              </a:schemeClr>
+            </a:solidFill>
+            <a:ln>
+              <a:noFill/>
+            </a:ln>
+          </p:spPr>
+        </p:sp>
+        <p:sp>
+          <p:nvSpPr>
+            <p:cNvPr id="35" name="Freeform 22"/>
+            <p:cNvSpPr/>
+            <p:nvPr/>
+          </p:nvSpPr>
+          <p:spPr bwMode="auto">
+            <a:xfrm>
+              <a:off x="3211513" y="5410200"/>
+              <a:ext cx="203200" cy="530225"/>
+            </a:xfrm>
+            <a:custGeom>
+              <a:avLst/>
+              <a:gdLst/>
+              <a:ahLst/>
+              <a:cxnLst/>
+              <a:rect l="0" t="0" r="r" b="b"/>
+              <a:pathLst>
+                <a:path w="52" h="135">
+                  <a:moveTo>
+                    <a:pt x="7" y="18"/>
+                  </a:moveTo>
+                  <a:cubicBezTo>
+                    <a:pt x="5" y="12"/>
+                    <a:pt x="2" y="6"/>
+                    <a:pt x="0" y="0"/>
+                  </a:cubicBezTo>
+                  <a:cubicBezTo>
+                    <a:pt x="3" y="16"/>
+                    <a:pt x="7" y="32"/>
+                    <a:pt x="12" y="48"/>
+                  </a:cubicBezTo>
+                  <a:cubicBezTo>
+                    <a:pt x="13" y="53"/>
+                    <a:pt x="14" y="57"/>
+                    <a:pt x="16" y="62"/>
+                  </a:cubicBezTo>
+                  <a:cubicBezTo>
+                    <a:pt x="27" y="86"/>
+                    <a:pt x="39" y="111"/>
+                    <a:pt x="51" y="135"/>
+                  </a:cubicBezTo>
+                  <a:cubicBezTo>
+                    <a:pt x="52" y="135"/>
+                    <a:pt x="52" y="135"/>
+                    <a:pt x="52" y="135"/>
+                  </a:cubicBezTo>
+                  <a:cubicBezTo>
+                    <a:pt x="41" y="109"/>
+                    <a:pt x="32" y="83"/>
+                    <a:pt x="24" y="56"/>
+                  </a:cubicBezTo>
+                  <a:cubicBezTo>
+                    <a:pt x="18" y="43"/>
+                    <a:pt x="13" y="31"/>
+                    <a:pt x="7" y="18"/>
+                  </a:cubicBezTo>
+                  <a:close/>
+                </a:path>
+              </a:pathLst>
+            </a:custGeom>
+            <a:solidFill>
+              <a:schemeClr val="tx2">
+                <a:alpha val="20000"/>
+              </a:schemeClr>
+            </a:solidFill>
+            <a:ln>
+              <a:noFill/>
+            </a:ln>
+          </p:spPr>
+        </p:sp>
       </p:grpSp>
-      <p:sp>
-        <p:nvSpPr>
-          <p:cNvPr id="2" name="Title Placeholder 1"/>
-          <p:cNvSpPr>
-            <a:spLocks noGrp="1"/>
-          </p:cNvSpPr>
-          <p:nvPr>
-            <p:ph type="title"/>
-          </p:nvPr>
+      <p:grpSp>
+        <p:nvGrpSpPr>
+          <p:cNvPr id="10" name="Group 9"/>
+          <p:cNvGrpSpPr/>
+          <p:nvPr/>
+        </p:nvGrpSpPr>
+        <p:grpSpPr>
+          <a:xfrm>
+            <a:off x="27221" y="-786"/>
+            <a:ext cx="2356674" cy="6854039"/>
+            <a:chOff x="6627813" y="194833"/>
+            <a:chExt cx="1952625" cy="5678918"/>
+          </a:xfrm>
+        </p:grpSpPr>
+        <p:sp>
+          <p:nvSpPr>
+            <p:cNvPr id="11" name="Freeform 27"/>
+            <p:cNvSpPr/>
+            <p:nvPr/>
+          </p:nvSpPr>
+          <p:spPr bwMode="auto">
+            <a:xfrm>
+              <a:off x="6627813" y="194833"/>
+              <a:ext cx="409575" cy="3646488"/>
+            </a:xfrm>
+            <a:custGeom>
+              <a:avLst/>
+              <a:gdLst/>
+              <a:ahLst/>
+              <a:cxnLst/>
+              <a:rect l="0" t="0" r="r" b="b"/>
+              <a:pathLst>
+                <a:path w="103" h="920">
+                  <a:moveTo>
+                    <a:pt x="7" y="210"/>
+                  </a:moveTo>
+                  <a:cubicBezTo>
+                    <a:pt x="11" y="288"/>
+                    <a:pt x="17" y="367"/>
+                    <a:pt x="26" y="445"/>
+                  </a:cubicBezTo>
+                  <a:cubicBezTo>
+                    <a:pt x="34" y="523"/>
+                    <a:pt x="44" y="601"/>
+                    <a:pt x="57" y="679"/>
+                  </a:cubicBezTo>
+                  <a:cubicBezTo>
+                    <a:pt x="69" y="757"/>
+                    <a:pt x="84" y="834"/>
+                    <a:pt x="101" y="911"/>
+                  </a:cubicBezTo>
+                  <a:cubicBezTo>
+                    <a:pt x="102" y="914"/>
+                    <a:pt x="103" y="917"/>
+                    <a:pt x="103" y="920"/>
+                  </a:cubicBezTo>
+                  <a:cubicBezTo>
+                    <a:pt x="102" y="905"/>
+                    <a:pt x="100" y="889"/>
+                    <a:pt x="99" y="874"/>
+                  </a:cubicBezTo>
+                  <a:cubicBezTo>
+                    <a:pt x="99" y="871"/>
+                    <a:pt x="99" y="868"/>
+                    <a:pt x="99" y="866"/>
+                  </a:cubicBezTo>
+                  <a:cubicBezTo>
+                    <a:pt x="85" y="803"/>
+                    <a:pt x="73" y="741"/>
+                    <a:pt x="63" y="678"/>
+                  </a:cubicBezTo>
+                  <a:cubicBezTo>
+                    <a:pt x="50" y="600"/>
+                    <a:pt x="39" y="523"/>
+                    <a:pt x="30" y="444"/>
+                  </a:cubicBezTo>
+                  <a:cubicBezTo>
+                    <a:pt x="21" y="366"/>
+                    <a:pt x="14" y="288"/>
+                    <a:pt x="9" y="209"/>
+                  </a:cubicBezTo>
+                  <a:cubicBezTo>
+                    <a:pt x="7" y="170"/>
+                    <a:pt x="5" y="131"/>
+                    <a:pt x="3" y="92"/>
+                  </a:cubicBezTo>
+                  <a:cubicBezTo>
+                    <a:pt x="2" y="61"/>
+                    <a:pt x="1" y="31"/>
+                    <a:pt x="1" y="0"/>
+                  </a:cubicBezTo>
+                  <a:cubicBezTo>
+                    <a:pt x="0" y="0"/>
+                    <a:pt x="0" y="0"/>
+                    <a:pt x="0" y="0"/>
+                  </a:cubicBezTo>
+                  <a:cubicBezTo>
+                    <a:pt x="0" y="31"/>
+                    <a:pt x="1" y="61"/>
+                    <a:pt x="1" y="92"/>
+                  </a:cubicBezTo>
+                  <a:cubicBezTo>
+                    <a:pt x="3" y="131"/>
+                    <a:pt x="4" y="170"/>
+                    <a:pt x="7" y="210"/>
+                  </a:cubicBezTo>
+                  <a:close/>
+                </a:path>
+              </a:pathLst>
+            </a:custGeom>
+            <a:solidFill>
+              <a:schemeClr val="tx2"/>
+            </a:solidFill>
+            <a:ln>
+              <a:noFill/>
+            </a:ln>
+          </p:spPr>
+        </p:sp>
+        <p:sp>
+          <p:nvSpPr>
+            <p:cNvPr id="12" name="Freeform 28"/>
+            <p:cNvSpPr/>
+            <p:nvPr/>
+          </p:nvSpPr>
+          <p:spPr bwMode="auto">
+            <a:xfrm>
+              <a:off x="7061201" y="3771900"/>
+              <a:ext cx="350838" cy="1309688"/>
+            </a:xfrm>
+            <a:custGeom>
+              <a:avLst/>
+              <a:gdLst/>
+              <a:ahLst/>
+              <a:cxnLst/>
+              <a:rect l="0" t="0" r="r" b="b"/>
+              <a:pathLst>
+                <a:path w="88" h="330">
+                  <a:moveTo>
+                    <a:pt x="53" y="229"/>
+                  </a:moveTo>
+                  <a:cubicBezTo>
+                    <a:pt x="64" y="263"/>
+                    <a:pt x="75" y="297"/>
+                    <a:pt x="88" y="330"/>
+                  </a:cubicBezTo>
+                  <a:cubicBezTo>
+                    <a:pt x="88" y="323"/>
+                    <a:pt x="88" y="315"/>
+                    <a:pt x="88" y="308"/>
+                  </a:cubicBezTo>
+                  <a:cubicBezTo>
+                    <a:pt x="88" y="307"/>
+                    <a:pt x="88" y="305"/>
+                    <a:pt x="88" y="304"/>
+                  </a:cubicBezTo>
+                  <a:cubicBezTo>
+                    <a:pt x="79" y="278"/>
+                    <a:pt x="70" y="252"/>
+                    <a:pt x="62" y="226"/>
+                  </a:cubicBezTo>
+                  <a:cubicBezTo>
+                    <a:pt x="38" y="152"/>
+                    <a:pt x="17" y="76"/>
+                    <a:pt x="0" y="0"/>
+                  </a:cubicBezTo>
+                  <a:cubicBezTo>
+                    <a:pt x="2" y="21"/>
+                    <a:pt x="4" y="42"/>
+                    <a:pt x="7" y="63"/>
+                  </a:cubicBezTo>
+                  <a:cubicBezTo>
+                    <a:pt x="21" y="119"/>
+                    <a:pt x="36" y="174"/>
+                    <a:pt x="53" y="229"/>
+                  </a:cubicBezTo>
+                  <a:close/>
+                </a:path>
+              </a:pathLst>
+            </a:custGeom>
+            <a:solidFill>
+              <a:schemeClr val="tx2"/>
+            </a:solidFill>
+            <a:ln>
+              <a:noFill/>
+            </a:ln>
+          </p:spPr>
+        </p:sp>
+        <p:sp>
+          <p:nvSpPr>
+            <p:cNvPr id="13" name="Freeform 29"/>
+            <p:cNvSpPr/>
+            <p:nvPr/>
+          </p:nvSpPr>
+          <p:spPr bwMode="auto">
+            <a:xfrm>
+              <a:off x="7439026" y="5053013"/>
+              <a:ext cx="357188" cy="820738"/>
+            </a:xfrm>
+            <a:custGeom>
+              <a:avLst/>
+              <a:gdLst/>
+              <a:ahLst/>
+              <a:cxnLst/>
+              <a:rect l="0" t="0" r="r" b="b"/>
+              <a:pathLst>
+                <a:path w="90" h="207">
+                  <a:moveTo>
+                    <a:pt x="6" y="15"/>
+                  </a:moveTo>
+                  <a:cubicBezTo>
+                    <a:pt x="4" y="10"/>
+                    <a:pt x="2" y="5"/>
+                    <a:pt x="0" y="0"/>
+                  </a:cubicBezTo>
+                  <a:cubicBezTo>
+                    <a:pt x="0" y="9"/>
+                    <a:pt x="0" y="19"/>
+                    <a:pt x="1" y="29"/>
+                  </a:cubicBezTo>
+                  <a:cubicBezTo>
+                    <a:pt x="14" y="62"/>
+                    <a:pt x="27" y="95"/>
+                    <a:pt x="42" y="127"/>
+                  </a:cubicBezTo>
+                  <a:cubicBezTo>
+                    <a:pt x="54" y="154"/>
+                    <a:pt x="67" y="181"/>
+                    <a:pt x="80" y="207"/>
+                  </a:cubicBezTo>
+                  <a:cubicBezTo>
+                    <a:pt x="90" y="207"/>
+                    <a:pt x="90" y="207"/>
+                    <a:pt x="90" y="207"/>
+                  </a:cubicBezTo>
+                  <a:cubicBezTo>
+                    <a:pt x="76" y="180"/>
+                    <a:pt x="63" y="152"/>
+                    <a:pt x="50" y="123"/>
+                  </a:cubicBezTo>
+                  <a:cubicBezTo>
+                    <a:pt x="34" y="88"/>
+                    <a:pt x="20" y="51"/>
+                    <a:pt x="6" y="15"/>
+                  </a:cubicBezTo>
+                  <a:close/>
+                </a:path>
+              </a:pathLst>
+            </a:custGeom>
+            <a:solidFill>
+              <a:schemeClr val="tx2"/>
+            </a:solidFill>
+            <a:ln>
+              <a:noFill/>
+            </a:ln>
+          </p:spPr>
+        </p:sp>
+        <p:sp>
+          <p:nvSpPr>
+            <p:cNvPr id="14" name="Freeform 30"/>
+            <p:cNvSpPr/>
+            <p:nvPr/>
+          </p:nvSpPr>
+          <p:spPr bwMode="auto">
+            <a:xfrm>
+              <a:off x="7037388" y="3811588"/>
+              <a:ext cx="457200" cy="1852613"/>
+            </a:xfrm>
+            <a:custGeom>
+              <a:avLst/>
+              <a:gdLst/>
+              <a:ahLst/>
+              <a:cxnLst/>
+              <a:rect l="0" t="0" r="r" b="b"/>
+              <a:pathLst>
+                <a:path w="115" h="467">
+                  <a:moveTo>
+                    <a:pt x="101" y="409"/>
+                  </a:moveTo>
+                  <a:cubicBezTo>
+                    <a:pt x="93" y="388"/>
+                    <a:pt x="85" y="366"/>
+                    <a:pt x="78" y="344"/>
+                  </a:cubicBezTo>
+                  <a:cubicBezTo>
+                    <a:pt x="57" y="281"/>
+                    <a:pt x="41" y="216"/>
+                    <a:pt x="29" y="151"/>
+                  </a:cubicBezTo>
+                  <a:cubicBezTo>
+                    <a:pt x="22" y="119"/>
+                    <a:pt x="17" y="86"/>
+                    <a:pt x="13" y="53"/>
+                  </a:cubicBezTo>
+                  <a:cubicBezTo>
+                    <a:pt x="9" y="35"/>
+                    <a:pt x="4" y="18"/>
+                    <a:pt x="0" y="0"/>
+                  </a:cubicBezTo>
+                  <a:cubicBezTo>
+                    <a:pt x="5" y="51"/>
+                    <a:pt x="12" y="102"/>
+                    <a:pt x="21" y="152"/>
+                  </a:cubicBezTo>
+                  <a:cubicBezTo>
+                    <a:pt x="33" y="218"/>
+                    <a:pt x="49" y="283"/>
+                    <a:pt x="69" y="347"/>
+                  </a:cubicBezTo>
+                  <a:cubicBezTo>
+                    <a:pt x="79" y="378"/>
+                    <a:pt x="90" y="410"/>
+                    <a:pt x="103" y="441"/>
+                  </a:cubicBezTo>
+                  <a:cubicBezTo>
+                    <a:pt x="107" y="449"/>
+                    <a:pt x="111" y="458"/>
+                    <a:pt x="115" y="467"/>
+                  </a:cubicBezTo>
+                  <a:cubicBezTo>
+                    <a:pt x="114" y="464"/>
+                    <a:pt x="113" y="461"/>
+                    <a:pt x="112" y="458"/>
+                  </a:cubicBezTo>
+                  <a:cubicBezTo>
+                    <a:pt x="108" y="442"/>
+                    <a:pt x="104" y="425"/>
+                    <a:pt x="101" y="409"/>
+                  </a:cubicBezTo>
+                  <a:close/>
+                </a:path>
+              </a:pathLst>
+            </a:custGeom>
+            <a:solidFill>
+              <a:schemeClr val="tx2"/>
+            </a:solidFill>
+            <a:ln>
+              <a:noFill/>
+            </a:ln>
+          </p:spPr>
+        </p:sp>
+        <p:sp>
+          <p:nvSpPr>
+            <p:cNvPr id="15" name="Freeform 31"/>
+            <p:cNvSpPr/>
+            <p:nvPr/>
+          </p:nvSpPr>
+          <p:spPr bwMode="auto">
+            <a:xfrm>
+              <a:off x="6992938" y="1263650"/>
+              <a:ext cx="144463" cy="2508250"/>
+            </a:xfrm>
+            <a:custGeom>
+              <a:avLst/>
+              <a:gdLst/>
+              <a:ahLst/>
+              <a:cxnLst/>
+              <a:rect l="0" t="0" r="r" b="b"/>
+              <a:pathLst>
+                <a:path w="36" h="633">
+                  <a:moveTo>
+                    <a:pt x="17" y="633"/>
+                  </a:moveTo>
+                  <a:cubicBezTo>
+                    <a:pt x="15" y="621"/>
+                    <a:pt x="14" y="609"/>
+                    <a:pt x="13" y="597"/>
+                  </a:cubicBezTo>
+                  <a:cubicBezTo>
+                    <a:pt x="8" y="530"/>
+                    <a:pt x="5" y="464"/>
+                    <a:pt x="5" y="398"/>
+                  </a:cubicBezTo>
+                  <a:cubicBezTo>
+                    <a:pt x="5" y="331"/>
+                    <a:pt x="8" y="265"/>
+                    <a:pt x="13" y="198"/>
+                  </a:cubicBezTo>
+                  <a:cubicBezTo>
+                    <a:pt x="15" y="165"/>
+                    <a:pt x="18" y="132"/>
+                    <a:pt x="22" y="99"/>
+                  </a:cubicBezTo>
+                  <a:cubicBezTo>
+                    <a:pt x="26" y="66"/>
+                    <a:pt x="30" y="33"/>
+                    <a:pt x="36" y="0"/>
+                  </a:cubicBezTo>
+                  <a:cubicBezTo>
+                    <a:pt x="35" y="0"/>
+                    <a:pt x="35" y="0"/>
+                    <a:pt x="35" y="0"/>
+                  </a:cubicBezTo>
+                  <a:cubicBezTo>
+                    <a:pt x="29" y="33"/>
+                    <a:pt x="24" y="66"/>
+                    <a:pt x="20" y="99"/>
+                  </a:cubicBezTo>
+                  <a:cubicBezTo>
+                    <a:pt x="16" y="132"/>
+                    <a:pt x="13" y="165"/>
+                    <a:pt x="10" y="198"/>
+                  </a:cubicBezTo>
+                  <a:cubicBezTo>
+                    <a:pt x="4" y="264"/>
+                    <a:pt x="1" y="331"/>
+                    <a:pt x="1" y="398"/>
+                  </a:cubicBezTo>
+                  <a:cubicBezTo>
+                    <a:pt x="0" y="461"/>
+                    <a:pt x="2" y="525"/>
+                    <a:pt x="7" y="589"/>
+                  </a:cubicBezTo>
+                  <a:cubicBezTo>
+                    <a:pt x="10" y="603"/>
+                    <a:pt x="13" y="618"/>
+                    <a:pt x="16" y="632"/>
+                  </a:cubicBezTo>
+                  <a:cubicBezTo>
+                    <a:pt x="16" y="632"/>
+                    <a:pt x="17" y="633"/>
+                    <a:pt x="17" y="633"/>
+                  </a:cubicBezTo>
+                  <a:close/>
+                </a:path>
+              </a:pathLst>
+            </a:custGeom>
+            <a:solidFill>
+              <a:schemeClr val="tx2"/>
+            </a:solidFill>
+            <a:ln>
+              <a:noFill/>
+            </a:ln>
+          </p:spPr>
+        </p:sp>
+        <p:sp>
+          <p:nvSpPr>
+            <p:cNvPr id="16" name="Freeform 32"/>
+            <p:cNvSpPr/>
+            <p:nvPr/>
+          </p:nvSpPr>
+          <p:spPr bwMode="auto">
+            <a:xfrm>
+              <a:off x="7526338" y="5640388"/>
+              <a:ext cx="111125" cy="233363"/>
+            </a:xfrm>
+            <a:custGeom>
+              <a:avLst/>
+              <a:gdLst/>
+              <a:ahLst/>
+              <a:cxnLst/>
+              <a:rect l="0" t="0" r="r" b="b"/>
+              <a:pathLst>
+                <a:path w="28" h="59">
+                  <a:moveTo>
+                    <a:pt x="22" y="59"/>
+                  </a:moveTo>
+                  <a:cubicBezTo>
+                    <a:pt x="28" y="59"/>
+                    <a:pt x="28" y="59"/>
+                    <a:pt x="28" y="59"/>
+                  </a:cubicBezTo>
+                  <a:cubicBezTo>
+                    <a:pt x="18" y="40"/>
+                    <a:pt x="9" y="20"/>
+                    <a:pt x="0" y="0"/>
+                  </a:cubicBezTo>
+                  <a:cubicBezTo>
+                    <a:pt x="6" y="20"/>
+                    <a:pt x="13" y="40"/>
+                    <a:pt x="22" y="59"/>
+                  </a:cubicBezTo>
+                  <a:close/>
+                </a:path>
+              </a:pathLst>
+            </a:custGeom>
+            <a:solidFill>
+              <a:schemeClr val="tx2"/>
+            </a:solidFill>
+            <a:ln>
+              <a:noFill/>
+            </a:ln>
+          </p:spPr>
+        </p:sp>
+        <p:sp>
+          <p:nvSpPr>
+            <p:cNvPr id="17" name="Freeform 33"/>
+            <p:cNvSpPr/>
+            <p:nvPr/>
+          </p:nvSpPr>
+          <p:spPr bwMode="auto">
+            <a:xfrm>
+              <a:off x="7021513" y="3598863"/>
+              <a:ext cx="68263" cy="423863"/>
+            </a:xfrm>
+            <a:custGeom>
+              <a:avLst/>
+              <a:gdLst/>
+              <a:ahLst/>
+              <a:cxnLst/>
+              <a:rect l="0" t="0" r="r" b="b"/>
+              <a:pathLst>
+                <a:path w="17" h="107">
+                  <a:moveTo>
+                    <a:pt x="4" y="54"/>
+                  </a:moveTo>
+                  <a:cubicBezTo>
+                    <a:pt x="8" y="72"/>
+                    <a:pt x="13" y="89"/>
+                    <a:pt x="17" y="107"/>
+                  </a:cubicBezTo>
+                  <a:cubicBezTo>
+                    <a:pt x="14" y="86"/>
+                    <a:pt x="12" y="65"/>
+                    <a:pt x="10" y="44"/>
+                  </a:cubicBezTo>
+                  <a:cubicBezTo>
+                    <a:pt x="10" y="44"/>
+                    <a:pt x="9" y="43"/>
+                    <a:pt x="9" y="43"/>
+                  </a:cubicBezTo>
+                  <a:cubicBezTo>
+                    <a:pt x="6" y="29"/>
+                    <a:pt x="3" y="14"/>
+                    <a:pt x="0" y="0"/>
+                  </a:cubicBezTo>
+                  <a:cubicBezTo>
+                    <a:pt x="0" y="2"/>
+                    <a:pt x="0" y="5"/>
+                    <a:pt x="0" y="8"/>
+                  </a:cubicBezTo>
+                  <a:cubicBezTo>
+                    <a:pt x="1" y="23"/>
+                    <a:pt x="3" y="39"/>
+                    <a:pt x="4" y="54"/>
+                  </a:cubicBezTo>
+                  <a:close/>
+                </a:path>
+              </a:pathLst>
+            </a:custGeom>
+            <a:solidFill>
+              <a:schemeClr val="tx2"/>
+            </a:solidFill>
+            <a:ln>
+              <a:noFill/>
+            </a:ln>
+          </p:spPr>
+        </p:sp>
+        <p:sp>
+          <p:nvSpPr>
+            <p:cNvPr id="18" name="Freeform 34"/>
+            <p:cNvSpPr/>
+            <p:nvPr/>
+          </p:nvSpPr>
+          <p:spPr bwMode="auto">
+            <a:xfrm>
+              <a:off x="7412038" y="2801938"/>
+              <a:ext cx="1168400" cy="2251075"/>
+            </a:xfrm>
+            <a:custGeom>
+              <a:avLst/>
+              <a:gdLst/>
+              <a:ahLst/>
+              <a:cxnLst/>
+              <a:rect l="0" t="0" r="r" b="b"/>
+              <a:pathLst>
+                <a:path w="294" h="568">
+                  <a:moveTo>
+                    <a:pt x="8" y="553"/>
+                  </a:moveTo>
+                  <a:cubicBezTo>
+                    <a:pt x="9" y="501"/>
+                    <a:pt x="19" y="448"/>
+                    <a:pt x="35" y="397"/>
+                  </a:cubicBezTo>
+                  <a:cubicBezTo>
+                    <a:pt x="51" y="347"/>
+                    <a:pt x="73" y="298"/>
+                    <a:pt x="99" y="252"/>
+                  </a:cubicBezTo>
+                  <a:cubicBezTo>
+                    <a:pt x="124" y="205"/>
+                    <a:pt x="154" y="161"/>
+                    <a:pt x="187" y="119"/>
+                  </a:cubicBezTo>
+                  <a:cubicBezTo>
+                    <a:pt x="203" y="98"/>
+                    <a:pt x="220" y="77"/>
+                    <a:pt x="238" y="58"/>
+                  </a:cubicBezTo>
+                  <a:cubicBezTo>
+                    <a:pt x="247" y="48"/>
+                    <a:pt x="256" y="38"/>
+                    <a:pt x="265" y="28"/>
+                  </a:cubicBezTo>
+                  <a:cubicBezTo>
+                    <a:pt x="274" y="19"/>
+                    <a:pt x="284" y="9"/>
+                    <a:pt x="294" y="0"/>
+                  </a:cubicBezTo>
+                  <a:cubicBezTo>
+                    <a:pt x="293" y="0"/>
+                    <a:pt x="293" y="0"/>
+                    <a:pt x="293" y="0"/>
+                  </a:cubicBezTo>
+                  <a:cubicBezTo>
+                    <a:pt x="283" y="9"/>
+                    <a:pt x="273" y="18"/>
+                    <a:pt x="264" y="27"/>
+                  </a:cubicBezTo>
+                  <a:cubicBezTo>
+                    <a:pt x="255" y="37"/>
+                    <a:pt x="246" y="47"/>
+                    <a:pt x="237" y="56"/>
+                  </a:cubicBezTo>
+                  <a:cubicBezTo>
+                    <a:pt x="218" y="76"/>
+                    <a:pt x="201" y="96"/>
+                    <a:pt x="185" y="117"/>
+                  </a:cubicBezTo>
+                  <a:cubicBezTo>
+                    <a:pt x="151" y="159"/>
+                    <a:pt x="121" y="203"/>
+                    <a:pt x="95" y="249"/>
+                  </a:cubicBezTo>
+                  <a:cubicBezTo>
+                    <a:pt x="68" y="296"/>
+                    <a:pt x="46" y="345"/>
+                    <a:pt x="30" y="396"/>
+                  </a:cubicBezTo>
+                  <a:cubicBezTo>
+                    <a:pt x="13" y="445"/>
+                    <a:pt x="3" y="497"/>
+                    <a:pt x="0" y="549"/>
+                  </a:cubicBezTo>
+                  <a:cubicBezTo>
+                    <a:pt x="3" y="555"/>
+                    <a:pt x="5" y="561"/>
+                    <a:pt x="7" y="568"/>
+                  </a:cubicBezTo>
+                  <a:cubicBezTo>
+                    <a:pt x="7" y="563"/>
+                    <a:pt x="7" y="558"/>
+                    <a:pt x="8" y="553"/>
+                  </a:cubicBezTo>
+                  <a:close/>
+                </a:path>
+              </a:pathLst>
+            </a:custGeom>
+            <a:solidFill>
+              <a:schemeClr val="tx2"/>
+            </a:solidFill>
+            <a:ln>
+              <a:noFill/>
+            </a:ln>
+          </p:spPr>
+        </p:sp>
+        <p:sp>
+          <p:nvSpPr>
+            <p:cNvPr id="19" name="Freeform 35"/>
+            <p:cNvSpPr/>
+            <p:nvPr/>
+          </p:nvSpPr>
+          <p:spPr bwMode="auto">
+            <a:xfrm>
+              <a:off x="7494588" y="5664200"/>
+              <a:ext cx="100013" cy="209550"/>
+            </a:xfrm>
+            <a:custGeom>
+              <a:avLst/>
+              <a:gdLst/>
+              <a:ahLst/>
+              <a:cxnLst/>
+              <a:rect l="0" t="0" r="r" b="b"/>
+              <a:pathLst>
+                <a:path w="25" h="53">
+                  <a:moveTo>
+                    <a:pt x="0" y="0"/>
+                  </a:moveTo>
+                  <a:cubicBezTo>
+                    <a:pt x="5" y="18"/>
+                    <a:pt x="12" y="36"/>
+                    <a:pt x="19" y="53"/>
+                  </a:cubicBezTo>
+                  <a:cubicBezTo>
+                    <a:pt x="25" y="53"/>
+                    <a:pt x="25" y="53"/>
+                    <a:pt x="25" y="53"/>
+                  </a:cubicBezTo>
+                  <a:cubicBezTo>
+                    <a:pt x="16" y="36"/>
+                    <a:pt x="8" y="18"/>
+                    <a:pt x="0" y="0"/>
+                  </a:cubicBezTo>
+                  <a:close/>
+                </a:path>
+              </a:pathLst>
+            </a:custGeom>
+            <a:solidFill>
+              <a:schemeClr val="tx2"/>
+            </a:solidFill>
+            <a:ln>
+              <a:noFill/>
+            </a:ln>
+          </p:spPr>
+        </p:sp>
+        <p:sp>
+          <p:nvSpPr>
+            <p:cNvPr id="20" name="Freeform 36"/>
+            <p:cNvSpPr/>
+            <p:nvPr/>
+          </p:nvSpPr>
+          <p:spPr bwMode="auto">
+            <a:xfrm>
+              <a:off x="7412038" y="5081588"/>
+              <a:ext cx="114300" cy="558800"/>
+            </a:xfrm>
+            <a:custGeom>
+              <a:avLst/>
+              <a:gdLst/>
+              <a:ahLst/>
+              <a:cxnLst/>
+              <a:rect l="0" t="0" r="r" b="b"/>
+              <a:pathLst>
+                <a:path w="29" h="141">
+                  <a:moveTo>
+                    <a:pt x="0" y="0"/>
+                  </a:moveTo>
+                  <a:cubicBezTo>
+                    <a:pt x="0" y="30"/>
+                    <a:pt x="2" y="60"/>
+                    <a:pt x="7" y="89"/>
+                  </a:cubicBezTo>
+                  <a:cubicBezTo>
+                    <a:pt x="11" y="98"/>
+                    <a:pt x="14" y="108"/>
+                    <a:pt x="18" y="117"/>
+                  </a:cubicBezTo>
+                  <a:cubicBezTo>
+                    <a:pt x="22" y="125"/>
+                    <a:pt x="25" y="133"/>
+                    <a:pt x="29" y="141"/>
+                  </a:cubicBezTo>
+                  <a:cubicBezTo>
+                    <a:pt x="28" y="139"/>
+                    <a:pt x="28" y="137"/>
+                    <a:pt x="27" y="135"/>
+                  </a:cubicBezTo>
+                  <a:cubicBezTo>
+                    <a:pt x="16" y="98"/>
+                    <a:pt x="10" y="60"/>
+                    <a:pt x="8" y="22"/>
+                  </a:cubicBezTo>
+                  <a:cubicBezTo>
+                    <a:pt x="7" y="18"/>
+                    <a:pt x="5" y="15"/>
+                    <a:pt x="4" y="11"/>
+                  </a:cubicBezTo>
+                  <a:cubicBezTo>
+                    <a:pt x="2" y="7"/>
+                    <a:pt x="1" y="3"/>
+                    <a:pt x="0" y="0"/>
+                  </a:cubicBezTo>
+                  <a:close/>
+                </a:path>
+              </a:pathLst>
+            </a:custGeom>
+            <a:solidFill>
+              <a:schemeClr val="tx2"/>
+            </a:solidFill>
+            <a:ln>
+              <a:noFill/>
+            </a:ln>
+          </p:spPr>
+        </p:sp>
+        <p:sp>
+          <p:nvSpPr>
+            <p:cNvPr id="21" name="Freeform 37"/>
+            <p:cNvSpPr/>
+            <p:nvPr/>
+          </p:nvSpPr>
+          <p:spPr bwMode="auto">
+            <a:xfrm>
+              <a:off x="7412038" y="4978400"/>
+              <a:ext cx="31750" cy="188913"/>
+            </a:xfrm>
+            <a:custGeom>
+              <a:avLst/>
+              <a:gdLst/>
+              <a:ahLst/>
+              <a:cxnLst/>
+              <a:rect l="0" t="0" r="r" b="b"/>
+              <a:pathLst>
+                <a:path w="8" h="48">
+                  <a:moveTo>
+                    <a:pt x="0" y="26"/>
+                  </a:moveTo>
+                  <a:cubicBezTo>
+                    <a:pt x="1" y="29"/>
+                    <a:pt x="2" y="33"/>
+                    <a:pt x="4" y="37"/>
+                  </a:cubicBezTo>
+                  <a:cubicBezTo>
+                    <a:pt x="5" y="41"/>
+                    <a:pt x="7" y="44"/>
+                    <a:pt x="8" y="48"/>
+                  </a:cubicBezTo>
+                  <a:cubicBezTo>
+                    <a:pt x="7" y="38"/>
+                    <a:pt x="7" y="28"/>
+                    <a:pt x="7" y="19"/>
+                  </a:cubicBezTo>
+                  <a:cubicBezTo>
+                    <a:pt x="5" y="12"/>
+                    <a:pt x="3" y="6"/>
+                    <a:pt x="0" y="0"/>
+                  </a:cubicBezTo>
+                  <a:cubicBezTo>
+                    <a:pt x="0" y="1"/>
+                    <a:pt x="0" y="3"/>
+                    <a:pt x="0" y="4"/>
+                  </a:cubicBezTo>
+                  <a:cubicBezTo>
+                    <a:pt x="0" y="11"/>
+                    <a:pt x="0" y="19"/>
+                    <a:pt x="0" y="26"/>
+                  </a:cubicBezTo>
+                  <a:close/>
+                </a:path>
+              </a:pathLst>
+            </a:custGeom>
+            <a:solidFill>
+              <a:schemeClr val="tx2"/>
+            </a:solidFill>
+            <a:ln>
+              <a:noFill/>
+            </a:ln>
+          </p:spPr>
+        </p:sp>
+        <p:sp>
+          <p:nvSpPr>
+            <p:cNvPr id="22" name="Freeform 38"/>
+            <p:cNvSpPr/>
+            <p:nvPr/>
+          </p:nvSpPr>
+          <p:spPr bwMode="auto">
+            <a:xfrm>
+              <a:off x="7439026" y="5434013"/>
+              <a:ext cx="174625" cy="439738"/>
+            </a:xfrm>
+            <a:custGeom>
+              <a:avLst/>
+              <a:gdLst/>
+              <a:ahLst/>
+              <a:cxnLst/>
+              <a:rect l="0" t="0" r="r" b="b"/>
+              <a:pathLst>
+                <a:path w="44" h="111">
+                  <a:moveTo>
+                    <a:pt x="11" y="28"/>
+                  </a:moveTo>
+                  <a:cubicBezTo>
+                    <a:pt x="7" y="19"/>
+                    <a:pt x="4" y="9"/>
+                    <a:pt x="0" y="0"/>
+                  </a:cubicBezTo>
+                  <a:cubicBezTo>
+                    <a:pt x="3" y="16"/>
+                    <a:pt x="7" y="33"/>
+                    <a:pt x="11" y="49"/>
+                  </a:cubicBezTo>
+                  <a:cubicBezTo>
+                    <a:pt x="12" y="52"/>
+                    <a:pt x="13" y="55"/>
+                    <a:pt x="14" y="58"/>
+                  </a:cubicBezTo>
+                  <a:cubicBezTo>
+                    <a:pt x="22" y="76"/>
+                    <a:pt x="30" y="94"/>
+                    <a:pt x="39" y="111"/>
+                  </a:cubicBezTo>
+                  <a:cubicBezTo>
+                    <a:pt x="44" y="111"/>
+                    <a:pt x="44" y="111"/>
+                    <a:pt x="44" y="111"/>
+                  </a:cubicBezTo>
+                  <a:cubicBezTo>
+                    <a:pt x="35" y="92"/>
+                    <a:pt x="28" y="72"/>
+                    <a:pt x="22" y="52"/>
+                  </a:cubicBezTo>
+                  <a:cubicBezTo>
+                    <a:pt x="18" y="44"/>
+                    <a:pt x="15" y="36"/>
+                    <a:pt x="11" y="28"/>
+                  </a:cubicBezTo>
+                  <a:close/>
+                </a:path>
+              </a:pathLst>
+            </a:custGeom>
+            <a:solidFill>
+              <a:schemeClr val="tx2"/>
+            </a:solidFill>
+            <a:ln>
+              <a:noFill/>
+            </a:ln>
+          </p:spPr>
+        </p:sp>
+      </p:grpSp>
+      <p:sp>
+        <p:nvSpPr>
+          <p:cNvPr id="7" name="Rectangle 6"/>
+          <p:cNvSpPr/>
+          <p:nvPr/>
         </p:nvSpPr>
         <p:spPr>
           <a:xfrm>
-            <a:off x="684212" y="4487332"/>
-            <a:ext cx="8534400" cy="1507067"/>
+            <a:off x="0" y="0"/>
+            <a:ext cx="182880" cy="6858000"/>
           </a:xfrm>
           <a:prstGeom prst="rect">
             <a:avLst/>
           </a:prstGeom>
+          <a:solidFill>
+            <a:schemeClr val="tx2"/>
+          </a:solidFill>
+          <a:ln>
+            <a:noFill/>
+          </a:ln>
           <a:effectLst/>
         </p:spPr>
-        <p:txBody>
-          <a:bodyPr vert="horz" lIns="91440" tIns="45720" rIns="91440" bIns="45720" rtlCol="0" anchor="ctr">
-            <a:normAutofit/>
-          </a:bodyPr>
-          <a:lstStyle/>
-          <a:p>
-            <a:r>
-              <a:rPr lang="en-US" smtClean="0"/>
-              <a:t>Click to edit Master title style</a:t>
-            </a:r>
-            <a:endParaRPr lang="en-US" dirty="0"/>
-          </a:p>
-        </p:txBody>
-      </p:sp>
-      <p:sp>
-        <p:nvSpPr>
-          <p:cNvPr id="3" name="Text Placeholder 2"/>
-          <p:cNvSpPr>
-            <a:spLocks noGrp="1"/>
-          </p:cNvSpPr>
-          <p:nvPr>
-            <p:ph type="body" idx="1"/>
+        <p:style>
+          <a:lnRef idx="1">
+            <a:schemeClr val="accent1"/>
+          </a:lnRef>
+          <a:fillRef idx="3">
+            <a:schemeClr val="accent1"/>
+          </a:fillRef>
+          <a:effectRef idx="2">
+            <a:schemeClr val="accent1"/>
+          </a:effectRef>
+          <a:fontRef idx="minor">
+            <a:schemeClr val="lt1"/>
+          </a:fontRef>
+        </p:style>
+      </p:sp>
+      <p:sp>
+        <p:nvSpPr>
+          <p:cNvPr id="2" name="Title Placeholder 1"/>
+          <p:cNvSpPr>
+            <a:spLocks noGrp="1"/>
+          </p:cNvSpPr>
+          <p:nvPr>
+            <p:ph type="title"/>
           </p:nvPr>
         </p:nvSpPr>
         <p:spPr>
           <a:xfrm>
-            <a:off x="684212" y="685800"/>
-            <a:ext cx="8534400" cy="3615267"/>
+            <a:off x="2592924" y="624110"/>
+            <a:ext cx="8911687" cy="1280890"/>
           </a:xfrm>
           <a:prstGeom prst="rect">
             <a:avLst/>
           </a:prstGeom>
         </p:spPr>
         <p:txBody>
-          <a:bodyPr vert="horz" lIns="91440" tIns="45720" rIns="91440" bIns="45720" rtlCol="0" anchor="ctr">
+          <a:bodyPr vert="horz" lIns="91440" tIns="45720" rIns="91440" bIns="45720" rtlCol="0" anchor="t">
             <a:normAutofit/>
           </a:bodyPr>
           <a:lstStyle/>
           <a:p>
-            <a:pPr lvl="0"/>
             <a:r>
               <a:rPr lang="en-US" smtClean="0"/>
-              <a:t>Edit Master text styles</a:t>
-            </a:r>
-          </a:p>
-          <a:p>
-            <a:pPr lvl="1"/>
-            <a:r>
-              <a:rPr lang="en-US" smtClean="0"/>
-              <a:t>Second level</a:t>
-            </a:r>
-          </a:p>
-          <a:p>
-            <a:pPr lvl="2"/>
-            <a:r>
-              <a:rPr lang="en-US" smtClean="0"/>
-              <a:t>Third level</a:t>
-            </a:r>
-          </a:p>
-          <a:p>
-            <a:pPr lvl="3"/>
-            <a:r>
-              <a:rPr lang="en-US" smtClean="0"/>
-              <a:t>Fourth level</a:t>
-            </a:r>
-          </a:p>
-          <a:p>
-            <a:pPr lvl="4"/>
-            <a:r>
-              <a:rPr lang="en-US" smtClean="0"/>
-              <a:t>Fifth level</a:t>
+              <a:t>Click to edit Master title style</a:t>
             </a:r>
             <a:endParaRPr lang="en-US" dirty="0"/>
           </a:p>
@@ -6580,117 +8834,171 @@
       </p:sp>
       <p:sp>
         <p:nvSpPr>
-          <p:cNvPr id="4" name="Date Placeholder 3"/>
-          <p:cNvSpPr>
-            <a:spLocks noGrp="1"/>
-          </p:cNvSpPr>
-          <p:nvPr>
-            <p:ph type="dt" sz="half" idx="2"/>
+          <p:cNvPr id="3" name="Text Placeholder 2"/>
+          <p:cNvSpPr>
+            <a:spLocks noGrp="1"/>
+          </p:cNvSpPr>
+          <p:nvPr>
+            <p:ph type="body" idx="1"/>
           </p:nvPr>
         </p:nvSpPr>
         <p:spPr>
           <a:xfrm>
-            <a:off x="9904412" y="6172200"/>
-            <a:ext cx="1600200" cy="365125"/>
+            <a:off x="2589212" y="2133600"/>
+            <a:ext cx="8915400" cy="3886200"/>
           </a:xfrm>
           <a:prstGeom prst="rect">
             <a:avLst/>
           </a:prstGeom>
         </p:spPr>
         <p:txBody>
-          <a:bodyPr vert="horz" lIns="91440" tIns="45720" rIns="91440" bIns="45720" rtlCol="0" anchor="t"/>
-          <a:lstStyle>
-            <a:lvl1pPr algn="r">
-              <a:defRPr sz="1000" b="0" i="0">
-                <a:solidFill>
-                  <a:schemeClr val="bg2">
-                    <a:lumMod val="50000"/>
-                  </a:schemeClr>
-                </a:solidFill>
-                <a:effectLst/>
-                <a:latin typeface="+mn-lt"/>
-              </a:defRPr>
-            </a:lvl1pPr>
-          </a:lstStyle>
-          <a:p>
-            <a:fld id="{E59B4EEE-A5C8-4A54-856F-C3B6491BFA94}" type="datetime1">
-              <a:rPr lang="bg-BG" smtClean="0"/>
-              <a:t>12.5.2024 г.</a:t>
-            </a:fld>
-            <a:endParaRPr lang="bg-BG"/>
-          </a:p>
-        </p:txBody>
-      </p:sp>
-      <p:sp>
-        <p:nvSpPr>
-          <p:cNvPr id="5" name="Footer Placeholder 4"/>
-          <p:cNvSpPr>
-            <a:spLocks noGrp="1"/>
-          </p:cNvSpPr>
-          <p:nvPr>
-            <p:ph type="ftr" sz="quarter" idx="3"/>
+          <a:bodyPr vert="horz" lIns="91440" tIns="45720" rIns="91440" bIns="45720" rtlCol="0">
+            <a:normAutofit/>
+          </a:bodyPr>
+          <a:lstStyle/>
+          <a:p>
+            <a:pPr lvl="0"/>
+            <a:r>
+              <a:rPr lang="en-US" smtClean="0"/>
+              <a:t>Edit Master text styles</a:t>
+            </a:r>
+          </a:p>
+          <a:p>
+            <a:pPr lvl="1"/>
+            <a:r>
+              <a:rPr lang="en-US" smtClean="0"/>
+              <a:t>Second level</a:t>
+            </a:r>
+          </a:p>
+          <a:p>
+            <a:pPr lvl="2"/>
+            <a:r>
+              <a:rPr lang="en-US" smtClean="0"/>
+              <a:t>Third level</a:t>
+            </a:r>
+          </a:p>
+          <a:p>
+            <a:pPr lvl="3"/>
+            <a:r>
+              <a:rPr lang="en-US" smtClean="0"/>
+              <a:t>Fourth level</a:t>
+            </a:r>
+          </a:p>
+          <a:p>
+            <a:pPr lvl="4"/>
+            <a:r>
+              <a:rPr lang="en-US" smtClean="0"/>
+              <a:t>Fifth level</a:t>
+            </a:r>
+            <a:endParaRPr lang="en-US" dirty="0"/>
+          </a:p>
+        </p:txBody>
+      </p:sp>
+      <p:sp>
+        <p:nvSpPr>
+          <p:cNvPr id="4" name="Date Placeholder 3"/>
+          <p:cNvSpPr>
+            <a:spLocks noGrp="1"/>
+          </p:cNvSpPr>
+          <p:nvPr>
+            <p:ph type="dt" sz="half" idx="2"/>
           </p:nvPr>
         </p:nvSpPr>
         <p:spPr>
           <a:xfrm>
-            <a:off x="684212" y="6172200"/>
-            <a:ext cx="7543800" cy="365125"/>
+            <a:off x="10361612" y="6130437"/>
+            <a:ext cx="1146283" cy="370396"/>
           </a:xfrm>
           <a:prstGeom prst="rect">
             <a:avLst/>
           </a:prstGeom>
         </p:spPr>
         <p:txBody>
-          <a:bodyPr vert="horz" lIns="91440" tIns="45720" rIns="91440" bIns="45720" rtlCol="0" anchor="t"/>
+          <a:bodyPr vert="horz" lIns="91440" tIns="45720" rIns="91440" bIns="45720" rtlCol="0" anchor="ctr"/>
           <a:lstStyle>
-            <a:lvl1pPr algn="l">
-              <a:defRPr sz="1000" b="0" i="0">
+            <a:lvl1pPr algn="r">
+              <a:defRPr sz="900">
                 <a:solidFill>
-                  <a:schemeClr val="bg2">
-                    <a:lumMod val="50000"/>
+                  <a:schemeClr val="tx1">
+                    <a:tint val="75000"/>
                   </a:schemeClr>
                 </a:solidFill>
-                <a:effectLst/>
-                <a:latin typeface="+mn-lt"/>
               </a:defRPr>
             </a:lvl1pPr>
           </a:lstStyle>
           <a:p>
+            <a:fld id="{E59B4EEE-A5C8-4A54-856F-C3B6491BFA94}" type="datetime1">
+              <a:rPr lang="bg-BG" smtClean="0"/>
+              <a:t>21.5.2024 г.</a:t>
+            </a:fld>
             <a:endParaRPr lang="bg-BG"/>
           </a:p>
         </p:txBody>
       </p:sp>
       <p:sp>
         <p:nvSpPr>
-          <p:cNvPr id="6" name="Slide Number Placeholder 5"/>
-          <p:cNvSpPr>
-            <a:spLocks noGrp="1"/>
-          </p:cNvSpPr>
-          <p:nvPr>
-            <p:ph type="sldNum" sz="quarter" idx="4"/>
+          <p:cNvPr id="5" name="Footer Placeholder 4"/>
+          <p:cNvSpPr>
+            <a:spLocks noGrp="1"/>
+          </p:cNvSpPr>
+          <p:nvPr>
+            <p:ph type="ftr" sz="quarter" idx="3"/>
           </p:nvPr>
         </p:nvSpPr>
         <p:spPr>
           <a:xfrm>
-            <a:off x="10363200" y="5578475"/>
-            <a:ext cx="1142245" cy="669925"/>
+            <a:off x="2589212" y="6135808"/>
+            <a:ext cx="7619999" cy="365125"/>
           </a:xfrm>
           <a:prstGeom prst="rect">
             <a:avLst/>
           </a:prstGeom>
         </p:spPr>
         <p:txBody>
-          <a:bodyPr vert="horz" lIns="91440" tIns="45720" rIns="91440" bIns="45720" rtlCol="0" anchor="b"/>
+          <a:bodyPr vert="horz" lIns="91440" tIns="45720" rIns="91440" bIns="45720" rtlCol="0" anchor="ctr"/>
+          <a:lstStyle>
+            <a:lvl1pPr algn="l">
+              <a:defRPr sz="900">
+                <a:solidFill>
+                  <a:schemeClr val="tx1">
+                    <a:tint val="75000"/>
+                  </a:schemeClr>
+                </a:solidFill>
+              </a:defRPr>
+            </a:lvl1pPr>
+          </a:lstStyle>
+          <a:p>
+            <a:endParaRPr lang="bg-BG"/>
+          </a:p>
+        </p:txBody>
+      </p:sp>
+      <p:sp>
+        <p:nvSpPr>
+          <p:cNvPr id="6" name="Slide Number Placeholder 5"/>
+          <p:cNvSpPr>
+            <a:spLocks noGrp="1"/>
+          </p:cNvSpPr>
+          <p:nvPr>
+            <p:ph type="sldNum" sz="quarter" idx="4"/>
+          </p:nvPr>
+        </p:nvSpPr>
+        <p:spPr bwMode="gray">
+          <a:xfrm>
+            <a:off x="531812" y="787782"/>
+            <a:ext cx="779767" cy="365125"/>
+          </a:xfrm>
+          <a:prstGeom prst="rect">
+            <a:avLst/>
+          </a:prstGeom>
+        </p:spPr>
+        <p:txBody>
+          <a:bodyPr vert="horz" lIns="91440" tIns="45720" rIns="91440" bIns="45720" rtlCol="0" anchor="ctr"/>
           <a:lstStyle>
             <a:lvl1pPr algn="r">
-              <a:defRPr sz="3200" b="0" i="0">
+              <a:defRPr sz="2000">
                 <a:solidFill>
-                  <a:schemeClr val="bg2">
-                    <a:lumMod val="50000"/>
-                  </a:schemeClr>
+                  <a:srgbClr val="FEFFFF"/>
                 </a:solidFill>
-                <a:effectLst/>
-                <a:latin typeface="+mn-lt"/>
               </a:defRPr>
             </a:lvl1pPr>
           </a:lstStyle>
@@ -6706,29 +9014,28 @@
     </p:spTree>
     <p:extLst>
       <p:ext uri="{BB962C8B-B14F-4D97-AF65-F5344CB8AC3E}">
-        <p14:creationId xmlns:p14="http://schemas.microsoft.com/office/powerpoint/2010/main" val="3830348761"/>
+        <p14:creationId xmlns:p14="http://schemas.microsoft.com/office/powerpoint/2010/main" val="232964594"/>
       </p:ext>
     </p:extLst>
   </p:cSld>
   <p:clrMap bg1="lt1" tx1="dk1" bg2="lt2" tx2="dk2" accent1="accent1" accent2="accent2" accent3="accent3" accent4="accent4" accent5="accent5" accent6="accent6" hlink="hlink" folHlink="folHlink"/>
   <p:sldLayoutIdLst>
-    <p:sldLayoutId id="2147483887" r:id="rId1"/>
-    <p:sldLayoutId id="2147483888" r:id="rId2"/>
-    <p:sldLayoutId id="2147483889" r:id="rId3"/>
-    <p:sldLayoutId id="2147483890" r:id="rId4"/>
-    <p:sldLayoutId id="2147483891" r:id="rId5"/>
-    <p:sldLayoutId id="2147483892" r:id="rId6"/>
-    <p:sldLayoutId id="2147483893" r:id="rId7"/>
-    <p:sldLayoutId id="2147483894" r:id="rId8"/>
-    <p:sldLayoutId id="2147483895" r:id="rId9"/>
-    <p:sldLayoutId id="2147483896" r:id="rId10"/>
-    <p:sldLayoutId id="2147483897" r:id="rId11"/>
-    <p:sldLayoutId id="2147483898" r:id="rId12"/>
-    <p:sldLayoutId id="2147483899" r:id="rId13"/>
-    <p:sldLayoutId id="2147483900" r:id="rId14"/>
-    <p:sldLayoutId id="2147483901" r:id="rId15"/>
-    <p:sldLayoutId id="2147483902" r:id="rId16"/>
-    <p:sldLayoutId id="2147483903" r:id="rId17"/>
+    <p:sldLayoutId id="2147483905" r:id="rId1"/>
+    <p:sldLayoutId id="2147483906" r:id="rId2"/>
+    <p:sldLayoutId id="2147483907" r:id="rId3"/>
+    <p:sldLayoutId id="2147483908" r:id="rId4"/>
+    <p:sldLayoutId id="2147483909" r:id="rId5"/>
+    <p:sldLayoutId id="2147483910" r:id="rId6"/>
+    <p:sldLayoutId id="2147483911" r:id="rId7"/>
+    <p:sldLayoutId id="2147483912" r:id="rId8"/>
+    <p:sldLayoutId id="2147483913" r:id="rId9"/>
+    <p:sldLayoutId id="2147483914" r:id="rId10"/>
+    <p:sldLayoutId id="2147483915" r:id="rId11"/>
+    <p:sldLayoutId id="2147483916" r:id="rId12"/>
+    <p:sldLayoutId id="2147483917" r:id="rId13"/>
+    <p:sldLayoutId id="2147483918" r:id="rId14"/>
+    <p:sldLayoutId id="2147483919" r:id="rId15"/>
+    <p:sldLayoutId id="2147483920" r:id="rId16"/>
   </p:sldLayoutIdLst>
   <p:hf sldNum="0" hdr="0" ftr="0" dt="0"/>
   <p:txStyles>
@@ -6738,14 +9045,13 @@
           <a:spcPct val="0"/>
         </a:spcBef>
         <a:buNone/>
-        <a:defRPr sz="3600" kern="1200" cap="all">
-          <a:ln w="3175" cmpd="sng">
-            <a:noFill/>
-          </a:ln>
+        <a:defRPr sz="3600" kern="1200">
           <a:solidFill>
-            <a:schemeClr val="tx1"/>
+            <a:schemeClr val="tx1">
+              <a:lumMod val="85000"/>
+              <a:lumOff val="15000"/>
+            </a:schemeClr>
           </a:solidFill>
-          <a:effectLst/>
           <a:latin typeface="+mj-lt"/>
           <a:ea typeface="+mj-ea"/>
           <a:cs typeface="+mj-cs"/>
@@ -6809,24 +9115,25 @@
       </a:lvl9pPr>
     </p:titleStyle>
     <p:bodyStyle>
-      <a:lvl1pPr marL="285750" indent="-285750" algn="l" defTabSz="457200" rtl="0" eaLnBrk="1" latinLnBrk="0" hangingPunct="1">
+      <a:lvl1pPr marL="342900" indent="-342900" algn="l" defTabSz="457200" rtl="0" eaLnBrk="1" latinLnBrk="0" hangingPunct="1">
         <a:spcBef>
-          <a:spcPct val="20000"/>
+          <a:spcPts val="1000"/>
         </a:spcBef>
         <a:spcAft>
-          <a:spcPts val="600"/>
+          <a:spcPts val="0"/>
         </a:spcAft>
         <a:buClr>
-          <a:schemeClr val="tx1"/>
+          <a:schemeClr val="accent1"/>
         </a:buClr>
-        <a:buSzPct val="80000"/>
-        <a:buFont typeface="Wingdings 3" panose="05040102010807070707" pitchFamily="18" charset="2"/>
-        <a:buChar char=""/>
-        <a:defRPr sz="2000" kern="1200" cap="none">
+        <a:buFont typeface="Wingdings 3" charset="2"/>
+        <a:buChar char=""/>
+        <a:defRPr sz="1800" kern="1200">
           <a:solidFill>
-            <a:schemeClr val="tx1"/>
+            <a:schemeClr val="tx1">
+              <a:lumMod val="75000"/>
+              <a:lumOff val="25000"/>
+            </a:schemeClr>
           </a:solidFill>
-          <a:effectLst/>
           <a:latin typeface="+mn-lt"/>
           <a:ea typeface="+mn-ea"/>
           <a:cs typeface="+mn-cs"/>
@@ -6834,91 +9141,95 @@
       </a:lvl1pPr>
       <a:lvl2pPr marL="742950" indent="-285750" algn="l" defTabSz="457200" rtl="0" eaLnBrk="1" latinLnBrk="0" hangingPunct="1">
         <a:spcBef>
-          <a:spcPct val="20000"/>
+          <a:spcPts val="1000"/>
         </a:spcBef>
         <a:spcAft>
-          <a:spcPts val="600"/>
+          <a:spcPts val="0"/>
         </a:spcAft>
         <a:buClr>
-          <a:schemeClr val="tx1"/>
+          <a:schemeClr val="accent1"/>
         </a:buClr>
-        <a:buSzPct val="80000"/>
-        <a:buFont typeface="Wingdings 3" panose="05040102010807070707" pitchFamily="18" charset="2"/>
-        <a:buChar char=""/>
-        <a:defRPr sz="1800" kern="1200" cap="none">
+        <a:buFont typeface="Wingdings 3" charset="2"/>
+        <a:buChar char=""/>
+        <a:defRPr sz="1600" kern="1200">
           <a:solidFill>
-            <a:schemeClr val="tx1"/>
+            <a:schemeClr val="tx1">
+              <a:lumMod val="75000"/>
+              <a:lumOff val="25000"/>
+            </a:schemeClr>
           </a:solidFill>
-          <a:effectLst/>
           <a:latin typeface="+mn-lt"/>
           <a:ea typeface="+mn-ea"/>
           <a:cs typeface="+mn-cs"/>
         </a:defRPr>
       </a:lvl2pPr>
-      <a:lvl3pPr marL="1200150" indent="-285750" algn="l" defTabSz="457200" rtl="0" eaLnBrk="1" latinLnBrk="0" hangingPunct="1">
+      <a:lvl3pPr marL="1143000" indent="-228600" algn="l" defTabSz="457200" rtl="0" eaLnBrk="1" latinLnBrk="0" hangingPunct="1">
         <a:spcBef>
-          <a:spcPct val="20000"/>
+          <a:spcPts val="1000"/>
         </a:spcBef>
         <a:spcAft>
-          <a:spcPts val="600"/>
+          <a:spcPts val="0"/>
         </a:spcAft>
         <a:buClr>
-          <a:schemeClr val="tx1"/>
+          <a:schemeClr val="accent1"/>
         </a:buClr>
-        <a:buSzPct val="80000"/>
-        <a:buFont typeface="Wingdings 3" panose="05040102010807070707" pitchFamily="18" charset="2"/>
-        <a:buChar char=""/>
-        <a:defRPr sz="1600" kern="1200" cap="none">
+        <a:buFont typeface="Wingdings 3" charset="2"/>
+        <a:buChar char=""/>
+        <a:defRPr sz="1400" kern="1200">
           <a:solidFill>
-            <a:schemeClr val="tx1"/>
+            <a:schemeClr val="tx1">
+              <a:lumMod val="75000"/>
+              <a:lumOff val="25000"/>
+            </a:schemeClr>
           </a:solidFill>
-          <a:effectLst/>
           <a:latin typeface="+mn-lt"/>
           <a:ea typeface="+mn-ea"/>
           <a:cs typeface="+mn-cs"/>
         </a:defRPr>
       </a:lvl3pPr>
-      <a:lvl4pPr marL="1543050" indent="-171450" algn="l" defTabSz="457200" rtl="0" eaLnBrk="1" latinLnBrk="0" hangingPunct="1">
+      <a:lvl4pPr marL="1600200" indent="-228600" algn="l" defTabSz="457200" rtl="0" eaLnBrk="1" latinLnBrk="0" hangingPunct="1">
         <a:spcBef>
-          <a:spcPct val="20000"/>
+          <a:spcPts val="1000"/>
         </a:spcBef>
         <a:spcAft>
-          <a:spcPts val="600"/>
+          <a:spcPts val="0"/>
         </a:spcAft>
         <a:buClr>
-          <a:schemeClr val="tx1"/>
+          <a:schemeClr val="accent1"/>
         </a:buClr>
-        <a:buSzPct val="80000"/>
-        <a:buFont typeface="Wingdings 3" panose="05040102010807070707" pitchFamily="18" charset="2"/>
-        <a:buChar char=""/>
-        <a:defRPr sz="1400" kern="1200" cap="none">
+        <a:buFont typeface="Wingdings 3" charset="2"/>
+        <a:buChar char=""/>
+        <a:defRPr sz="1200" kern="1200">
           <a:solidFill>
-            <a:schemeClr val="tx1"/>
+            <a:schemeClr val="tx1">
+              <a:lumMod val="75000"/>
+              <a:lumOff val="25000"/>
+            </a:schemeClr>
           </a:solidFill>
-          <a:effectLst/>
           <a:latin typeface="+mn-lt"/>
           <a:ea typeface="+mn-ea"/>
           <a:cs typeface="+mn-cs"/>
         </a:defRPr>
       </a:lvl4pPr>
-      <a:lvl5pPr marL="2000250" indent="-171450" algn="l" defTabSz="457200" rtl="0" eaLnBrk="1" latinLnBrk="0" hangingPunct="1">
+      <a:lvl5pPr marL="2057400" indent="-228600" algn="l" defTabSz="457200" rtl="0" eaLnBrk="1" latinLnBrk="0" hangingPunct="1">
         <a:spcBef>
-          <a:spcPct val="20000"/>
+          <a:spcPts val="1000"/>
         </a:spcBef>
         <a:spcAft>
-          <a:spcPts val="600"/>
+          <a:spcPts val="0"/>
         </a:spcAft>
         <a:buClr>
-          <a:schemeClr val="tx1"/>
+          <a:schemeClr val="accent1"/>
         </a:buClr>
-        <a:buSzPct val="80000"/>
-        <a:buFont typeface="Wingdings 3" panose="05040102010807070707" pitchFamily="18" charset="2"/>
-        <a:buChar char=""/>
-        <a:defRPr sz="1400" kern="1200" cap="none">
+        <a:buFont typeface="Wingdings 3" charset="2"/>
+        <a:buChar char=""/>
+        <a:defRPr sz="1200" kern="1200">
           <a:solidFill>
-            <a:schemeClr val="tx1"/>
+            <a:schemeClr val="tx1">
+              <a:lumMod val="75000"/>
+              <a:lumOff val="25000"/>
+            </a:schemeClr>
           </a:solidFill>
-          <a:effectLst/>
           <a:latin typeface="+mn-lt"/>
           <a:ea typeface="+mn-ea"/>
           <a:cs typeface="+mn-cs"/>
@@ -6926,22 +9237,23 @@
       </a:lvl5pPr>
       <a:lvl6pPr marL="2514600" indent="-228600" algn="l" defTabSz="457200" rtl="0" eaLnBrk="1" latinLnBrk="0" hangingPunct="1">
         <a:spcBef>
-          <a:spcPct val="20000"/>
+          <a:spcPts val="1000"/>
         </a:spcBef>
         <a:spcAft>
-          <a:spcPts val="600"/>
+          <a:spcPts val="0"/>
         </a:spcAft>
         <a:buClr>
-          <a:schemeClr val="tx1"/>
+          <a:schemeClr val="accent1"/>
         </a:buClr>
-        <a:buSzPct val="80000"/>
-        <a:buFont typeface="Wingdings 3" panose="05040102010807070707" pitchFamily="18" charset="2"/>
-        <a:buChar char=""/>
-        <a:defRPr sz="1400" kern="1200" cap="none">
+        <a:buFont typeface="Wingdings 3" charset="2"/>
+        <a:buChar char=""/>
+        <a:defRPr sz="1200" kern="1200">
           <a:solidFill>
-            <a:schemeClr val="tx1"/>
+            <a:schemeClr val="tx1">
+              <a:lumMod val="75000"/>
+              <a:lumOff val="25000"/>
+            </a:schemeClr>
           </a:solidFill>
-          <a:effectLst/>
           <a:latin typeface="+mn-lt"/>
           <a:ea typeface="+mn-ea"/>
           <a:cs typeface="+mn-cs"/>
@@ -6949,22 +9261,23 @@
       </a:lvl6pPr>
       <a:lvl7pPr marL="2971800" indent="-228600" algn="l" defTabSz="457200" rtl="0" eaLnBrk="1" latinLnBrk="0" hangingPunct="1">
         <a:spcBef>
-          <a:spcPct val="20000"/>
+          <a:spcPts val="1000"/>
         </a:spcBef>
         <a:spcAft>
-          <a:spcPts val="600"/>
+          <a:spcPts val="0"/>
         </a:spcAft>
         <a:buClr>
-          <a:schemeClr val="tx1"/>
+          <a:schemeClr val="accent1"/>
         </a:buClr>
-        <a:buSzPct val="80000"/>
-        <a:buFont typeface="Wingdings 3" panose="05040102010807070707" pitchFamily="18" charset="2"/>
-        <a:buChar char=""/>
-        <a:defRPr sz="1400" kern="1200" cap="none">
+        <a:buFont typeface="Wingdings 3" charset="2"/>
+        <a:buChar char=""/>
+        <a:defRPr sz="1200" kern="1200">
           <a:solidFill>
-            <a:schemeClr val="tx1"/>
+            <a:schemeClr val="tx1">
+              <a:lumMod val="75000"/>
+              <a:lumOff val="25000"/>
+            </a:schemeClr>
           </a:solidFill>
-          <a:effectLst/>
           <a:latin typeface="+mn-lt"/>
           <a:ea typeface="+mn-ea"/>
           <a:cs typeface="+mn-cs"/>
@@ -6972,22 +9285,23 @@
       </a:lvl7pPr>
       <a:lvl8pPr marL="3429000" indent="-228600" algn="l" defTabSz="457200" rtl="0" eaLnBrk="1" latinLnBrk="0" hangingPunct="1">
         <a:spcBef>
-          <a:spcPct val="20000"/>
+          <a:spcPts val="1000"/>
         </a:spcBef>
         <a:spcAft>
-          <a:spcPts val="600"/>
+          <a:spcPts val="0"/>
         </a:spcAft>
         <a:buClr>
-          <a:schemeClr val="tx1"/>
+          <a:schemeClr val="accent1"/>
         </a:buClr>
-        <a:buSzPct val="80000"/>
-        <a:buFont typeface="Wingdings 3" panose="05040102010807070707" pitchFamily="18" charset="2"/>
-        <a:buChar char=""/>
-        <a:defRPr sz="1400" kern="1200" cap="none">
+        <a:buFont typeface="Wingdings 3" charset="2"/>
+        <a:buChar char=""/>
+        <a:defRPr sz="1200" kern="1200">
           <a:solidFill>
-            <a:schemeClr val="tx1"/>
+            <a:schemeClr val="tx1">
+              <a:lumMod val="75000"/>
+              <a:lumOff val="25000"/>
+            </a:schemeClr>
           </a:solidFill>
-          <a:effectLst/>
           <a:latin typeface="+mn-lt"/>
           <a:ea typeface="+mn-ea"/>
           <a:cs typeface="+mn-cs"/>
@@ -6995,22 +9309,23 @@
       </a:lvl8pPr>
       <a:lvl9pPr marL="3886200" indent="-228600" algn="l" defTabSz="457200" rtl="0" eaLnBrk="1" latinLnBrk="0" hangingPunct="1">
         <a:spcBef>
-          <a:spcPct val="20000"/>
+          <a:spcPts val="1000"/>
         </a:spcBef>
         <a:spcAft>
-          <a:spcPts val="600"/>
+          <a:spcPts val="0"/>
         </a:spcAft>
         <a:buClr>
-          <a:schemeClr val="tx1"/>
+          <a:schemeClr val="accent1"/>
         </a:buClr>
-        <a:buSzPct val="80000"/>
-        <a:buFont typeface="Wingdings 3" panose="05040102010807070707" pitchFamily="18" charset="2"/>
-        <a:buChar char=""/>
-        <a:defRPr sz="1400" kern="1200" cap="none">
+        <a:buFont typeface="Wingdings 3" charset="2"/>
+        <a:buChar char=""/>
+        <a:defRPr sz="1200" kern="1200">
           <a:solidFill>
-            <a:schemeClr val="tx1"/>
+            <a:schemeClr val="tx1">
+              <a:lumMod val="75000"/>
+              <a:lumOff val="25000"/>
+            </a:schemeClr>
           </a:solidFill>
-          <a:effectLst/>
           <a:latin typeface="+mn-lt"/>
           <a:ea typeface="+mn-ea"/>
           <a:cs typeface="+mn-cs"/>
@@ -7282,7 +9597,7 @@
         </p:nvSpPr>
         <p:spPr>
           <a:xfrm>
-            <a:off x="242019" y="1784556"/>
+            <a:off x="2382946" y="1774390"/>
             <a:ext cx="8031332" cy="3108543"/>
           </a:xfrm>
           <a:prstGeom prst="rect">
@@ -7348,8 +9663,8 @@
         </p:nvSpPr>
         <p:spPr>
           <a:xfrm>
-            <a:off x="8636556" y="5350463"/>
-            <a:ext cx="3555444" cy="784830"/>
+            <a:off x="7092764" y="5255460"/>
+            <a:ext cx="3555444" cy="457498"/>
           </a:xfrm>
           <a:prstGeom prst="rect">
             <a:avLst/>
@@ -7380,13 +9695,6 @@
               </a:rPr>
               <a:t>Дипломант: </a:t>
             </a:r>
-          </a:p>
-          <a:p>
-            <a:pPr>
-              <a:tabLst>
-                <a:tab pos="1168400" algn="l"/>
-              </a:tabLst>
-            </a:pPr>
             <a:r>
               <a:rPr lang="bg-BG" dirty="0" smtClean="0">
                 <a:latin typeface="Times New Roman" panose="02020603050405020304" pitchFamily="18" charset="0"/>
@@ -7548,8 +9856,8 @@
         </p:nvSpPr>
         <p:spPr>
           <a:xfrm>
-            <a:off x="1037230" y="736979"/>
-            <a:ext cx="731290" cy="369332"/>
+            <a:off x="1822209" y="653852"/>
+            <a:ext cx="1197764" cy="584775"/>
           </a:xfrm>
           <a:prstGeom prst="rect">
             <a:avLst/>
@@ -7563,13 +9871,43 @@
           <a:lstStyle/>
           <a:p>
             <a:r>
-              <a:rPr lang="bg-BG" dirty="0" smtClean="0"/>
+              <a:rPr lang="bg-BG" sz="3200" b="1" dirty="0" smtClean="0"/>
               <a:t>Увод</a:t>
             </a:r>
-            <a:endParaRPr lang="bg-BG" dirty="0"/>
-          </a:p>
-        </p:txBody>
-      </p:sp>
+            <a:endParaRPr lang="bg-BG" sz="3200" b="1" dirty="0"/>
+          </a:p>
+        </p:txBody>
+      </p:sp>
+      <p:pic>
+        <p:nvPicPr>
+          <p:cNvPr id="4" name="Picture 3"/>
+          <p:cNvPicPr>
+            <a:picLocks noChangeAspect="1"/>
+          </p:cNvPicPr>
+          <p:nvPr/>
+        </p:nvPicPr>
+        <p:blipFill>
+          <a:blip r:embed="rId3">
+            <a:extLst>
+              <a:ext uri="{28A0092B-C50C-407E-A947-70E740481C1C}">
+                <a14:useLocalDpi xmlns:a14="http://schemas.microsoft.com/office/drawing/2010/main" val="0"/>
+              </a:ext>
+            </a:extLst>
+          </a:blip>
+          <a:stretch>
+            <a:fillRect/>
+          </a:stretch>
+        </p:blipFill>
+        <p:spPr>
+          <a:xfrm>
+            <a:off x="2982527" y="2320091"/>
+            <a:ext cx="8769534" cy="2217817"/>
+          </a:xfrm>
+          <a:prstGeom prst="rect">
+            <a:avLst/>
+          </a:prstGeom>
+        </p:spPr>
+      </p:pic>
     </p:spTree>
     <p:extLst>
       <p:ext uri="{BB962C8B-B14F-4D97-AF65-F5344CB8AC3E}">
@@ -7580,12 +9918,33 @@
   <p:clrMapOvr>
     <a:masterClrMapping/>
   </p:clrMapOvr>
+  <p:timing>
+    <p:tnLst>
+      <p:par>
+        <p:cTn id="1" dur="indefinite" restart="never" nodeType="tmRoot"/>
+      </p:par>
+    </p:tnLst>
+  </p:timing>
 </p:sld>
 </file>
 
 <file path=ppt/slides/slide3.xml><?xml version="1.0" encoding="utf-8"?>
 <p:sld xmlns:a="http://schemas.openxmlformats.org/drawingml/2006/main" xmlns:r="http://schemas.openxmlformats.org/officeDocument/2006/relationships" xmlns:p="http://schemas.openxmlformats.org/presentationml/2006/main">
   <p:cSld>
+    <p:bg>
+      <p:bgPr>
+        <a:blipFill dpi="0" rotWithShape="1">
+          <a:blip r:embed="rId3">
+            <a:lum/>
+          </a:blip>
+          <a:srcRect/>
+          <a:stretch>
+            <a:fillRect l="-6000" r="-6000"/>
+          </a:stretch>
+        </a:blipFill>
+        <a:effectLst/>
+      </p:bgPr>
+    </p:bg>
     <p:spTree>
       <p:nvGrpSpPr>
         <p:cNvPr id="1" name=""/>
@@ -7608,8 +9967,8 @@
         </p:nvSpPr>
         <p:spPr>
           <a:xfrm>
-            <a:off x="646239" y="542078"/>
-            <a:ext cx="1986441" cy="369332"/>
+            <a:off x="1655642" y="755834"/>
+            <a:ext cx="3013967" cy="523220"/>
           </a:xfrm>
           <a:prstGeom prst="rect">
             <a:avLst/>
@@ -7622,14 +9981,13 @@
           <a:lstStyle/>
           <a:p>
             <a:r>
-              <a:rPr lang="en-US" dirty="0"/>
+              <a:rPr lang="en-US" sz="2800" b="1" dirty="0"/>
               <a:t>WWW - </a:t>
             </a:r>
             <a:r>
-              <a:rPr lang="bg-BG" dirty="0"/>
+              <a:rPr lang="bg-BG" sz="2800" b="1" dirty="0"/>
               <a:t>история</a:t>
             </a:r>
-            <a:endParaRPr lang="bg-BG" dirty="0"/>
           </a:p>
         </p:txBody>
       </p:sp>
@@ -7643,12 +10001,33 @@
   <p:clrMapOvr>
     <a:masterClrMapping/>
   </p:clrMapOvr>
+  <p:timing>
+    <p:tnLst>
+      <p:par>
+        <p:cTn id="1" dur="indefinite" restart="never" nodeType="tmRoot"/>
+      </p:par>
+    </p:tnLst>
+  </p:timing>
 </p:sld>
 </file>
 
 <file path=ppt/slides/slide4.xml><?xml version="1.0" encoding="utf-8"?>
 <p:sld xmlns:a="http://schemas.openxmlformats.org/drawingml/2006/main" xmlns:r="http://schemas.openxmlformats.org/officeDocument/2006/relationships" xmlns:p="http://schemas.openxmlformats.org/presentationml/2006/main">
   <p:cSld>
+    <p:bg>
+      <p:bgPr>
+        <a:blipFill dpi="0" rotWithShape="1">
+          <a:blip r:embed="rId3">
+            <a:lum/>
+          </a:blip>
+          <a:srcRect/>
+          <a:stretch>
+            <a:fillRect l="-6000" r="-6000"/>
+          </a:stretch>
+        </a:blipFill>
+        <a:effectLst/>
+      </p:bgPr>
+    </p:bg>
     <p:spTree>
       <p:nvGrpSpPr>
         <p:cNvPr id="1" name=""/>
@@ -7671,8 +10050,8 @@
         </p:nvSpPr>
         <p:spPr>
           <a:xfrm>
-            <a:off x="526945" y="556368"/>
-            <a:ext cx="3461204" cy="369332"/>
+            <a:off x="1666976" y="722622"/>
+            <a:ext cx="5336717" cy="523220"/>
           </a:xfrm>
           <a:prstGeom prst="rect">
             <a:avLst/>
@@ -7686,22 +10065,21 @@
           <a:lstStyle/>
           <a:p>
             <a:r>
-              <a:rPr lang="en-US" dirty="0"/>
+              <a:rPr lang="en-US" sz="2800" b="1" dirty="0"/>
               <a:t>Python </a:t>
             </a:r>
             <a:r>
-              <a:rPr lang="bg-BG" dirty="0"/>
+              <a:rPr lang="bg-BG" sz="2800" b="1" dirty="0"/>
               <a:t>и </a:t>
             </a:r>
             <a:r>
-              <a:rPr lang="en-US" dirty="0"/>
+              <a:rPr lang="en-US" sz="2800" b="1" dirty="0"/>
               <a:t>Django - </a:t>
             </a:r>
             <a:r>
-              <a:rPr lang="bg-BG" dirty="0"/>
+              <a:rPr lang="bg-BG" sz="2800" b="1" dirty="0"/>
               <a:t>въведение</a:t>
             </a:r>
-            <a:endParaRPr lang="bg-BG" dirty="0"/>
           </a:p>
         </p:txBody>
       </p:sp>
@@ -7715,12 +10093,33 @@
   <p:clrMapOvr>
     <a:masterClrMapping/>
   </p:clrMapOvr>
+  <p:timing>
+    <p:tnLst>
+      <p:par>
+        <p:cTn id="1" dur="indefinite" restart="never" nodeType="tmRoot"/>
+      </p:par>
+    </p:tnLst>
+  </p:timing>
 </p:sld>
 </file>
 
 <file path=ppt/slides/slide5.xml><?xml version="1.0" encoding="utf-8"?>
 <p:sld xmlns:a="http://schemas.openxmlformats.org/drawingml/2006/main" xmlns:r="http://schemas.openxmlformats.org/officeDocument/2006/relationships" xmlns:p="http://schemas.openxmlformats.org/presentationml/2006/main">
   <p:cSld>
+    <p:bg>
+      <p:bgPr>
+        <a:blipFill dpi="0" rotWithShape="1">
+          <a:blip r:embed="rId3">
+            <a:lum/>
+          </a:blip>
+          <a:srcRect/>
+          <a:stretch>
+            <a:fillRect l="-4000" r="-4000"/>
+          </a:stretch>
+        </a:blipFill>
+        <a:effectLst/>
+      </p:bgPr>
+    </p:bg>
     <p:spTree>
       <p:nvGrpSpPr>
         <p:cNvPr id="1" name=""/>
@@ -7743,8 +10142,8 @@
         </p:nvSpPr>
         <p:spPr>
           <a:xfrm>
-            <a:off x="598616" y="501134"/>
-            <a:ext cx="2177199" cy="369332"/>
+            <a:off x="1572392" y="643638"/>
+            <a:ext cx="1186543" cy="584775"/>
           </a:xfrm>
           <a:prstGeom prst="rect">
             <a:avLst/>
@@ -7758,13 +10157,18 @@
           <a:p>
             <a:pPr lvl="0"/>
             <a:r>
-              <a:rPr lang="en-US" dirty="0"/>
-              <a:t>HTML </a:t>
-            </a:r>
-            <a:r>
-              <a:rPr lang="bg-BG" dirty="0"/>
-              <a:t>и компания</a:t>
-            </a:r>
+              <a:rPr lang="en-US" sz="3200" b="1" dirty="0" smtClean="0">
+                <a:solidFill>
+                  <a:srgbClr val="FFFF00"/>
+                </a:solidFill>
+              </a:rPr>
+              <a:t>HTML</a:t>
+            </a:r>
+            <a:endParaRPr lang="bg-BG" sz="3200" b="1" dirty="0">
+              <a:solidFill>
+                <a:srgbClr val="FFFF00"/>
+              </a:solidFill>
+            </a:endParaRPr>
           </a:p>
         </p:txBody>
       </p:sp>
@@ -7806,8 +10210,8 @@
         </p:nvSpPr>
         <p:spPr>
           <a:xfrm>
-            <a:off x="449048" y="555725"/>
-            <a:ext cx="2792752" cy="369332"/>
+            <a:off x="1719708" y="733855"/>
+            <a:ext cx="2165978" cy="523220"/>
           </a:xfrm>
           <a:prstGeom prst="rect">
             <a:avLst/>
@@ -7820,13 +10224,58 @@
           <a:lstStyle/>
           <a:p>
             <a:r>
-              <a:rPr lang="bg-BG" dirty="0"/>
-              <a:t>Изборът на технология</a:t>
-            </a:r>
-            <a:endParaRPr lang="bg-BG" dirty="0"/>
-          </a:p>
-        </p:txBody>
-      </p:sp>
+              <a:rPr lang="bg-BG" sz="2800" b="1" dirty="0" smtClean="0"/>
+              <a:t>Заданието</a:t>
+            </a:r>
+            <a:endParaRPr lang="bg-BG" sz="2800" b="1" dirty="0"/>
+          </a:p>
+        </p:txBody>
+      </p:sp>
+      <p:pic>
+        <p:nvPicPr>
+          <p:cNvPr id="3" name="Picture 2"/>
+          <p:cNvPicPr>
+            <a:picLocks noChangeAspect="1"/>
+          </p:cNvPicPr>
+          <p:nvPr/>
+        </p:nvPicPr>
+        <p:blipFill>
+          <a:blip r:embed="rId3"/>
+          <a:stretch>
+            <a:fillRect/>
+          </a:stretch>
+        </p:blipFill>
+        <p:spPr>
+          <a:xfrm>
+            <a:off x="3586184" y="1569500"/>
+            <a:ext cx="8056550" cy="4789736"/>
+          </a:xfrm>
+          <a:prstGeom prst="rect">
+            <a:avLst/>
+          </a:prstGeom>
+          <a:ln>
+            <a:noFill/>
+          </a:ln>
+          <a:effectLst>
+            <a:outerShdw blurRad="190500" dist="228600" dir="2700000" algn="ctr">
+              <a:srgbClr val="000000">
+                <a:alpha val="30000"/>
+              </a:srgbClr>
+            </a:outerShdw>
+          </a:effectLst>
+          <a:scene3d>
+            <a:camera prst="orthographicFront">
+              <a:rot lat="0" lon="0" rev="0"/>
+            </a:camera>
+            <a:lightRig rig="glow" dir="t">
+              <a:rot lat="0" lon="0" rev="4800000"/>
+            </a:lightRig>
+          </a:scene3d>
+          <a:sp3d prstMaterial="matte">
+            <a:bevelT w="127000" h="63500"/>
+          </a:sp3d>
+        </p:spPr>
+      </p:pic>
     </p:spTree>
     <p:extLst>
       <p:ext uri="{BB962C8B-B14F-4D97-AF65-F5344CB8AC3E}">
@@ -7865,8 +10314,8 @@
         </p:nvSpPr>
         <p:spPr>
           <a:xfrm>
-            <a:off x="448703" y="485713"/>
-            <a:ext cx="1039067" cy="369332"/>
+            <a:off x="1659986" y="640092"/>
+            <a:ext cx="5006499" cy="584775"/>
           </a:xfrm>
           <a:prstGeom prst="rect">
             <a:avLst/>
@@ -7879,13 +10328,62 @@
           <a:lstStyle/>
           <a:p>
             <a:r>
-              <a:rPr lang="bg-BG" dirty="0"/>
-              <a:t>Форми</a:t>
-            </a:r>
-            <a:endParaRPr lang="bg-BG" dirty="0"/>
-          </a:p>
-        </p:txBody>
-      </p:sp>
+              <a:rPr lang="bg-BG" sz="3200" b="1" dirty="0" smtClean="0"/>
+              <a:t>Форми – файл </a:t>
+            </a:r>
+            <a:r>
+              <a:rPr lang="en-US" sz="3200" b="1" dirty="0" smtClean="0"/>
+              <a:t>forms.py</a:t>
+            </a:r>
+            <a:endParaRPr lang="bg-BG" sz="3200" b="1" dirty="0"/>
+          </a:p>
+        </p:txBody>
+      </p:sp>
+      <p:pic>
+        <p:nvPicPr>
+          <p:cNvPr id="3" name="Picture 2"/>
+          <p:cNvPicPr>
+            <a:picLocks noChangeAspect="1"/>
+          </p:cNvPicPr>
+          <p:nvPr/>
+        </p:nvPicPr>
+        <p:blipFill>
+          <a:blip r:embed="rId3"/>
+          <a:stretch>
+            <a:fillRect/>
+          </a:stretch>
+        </p:blipFill>
+        <p:spPr>
+          <a:xfrm>
+            <a:off x="3075710" y="1429837"/>
+            <a:ext cx="8565266" cy="4910564"/>
+          </a:xfrm>
+          <a:prstGeom prst="rect">
+            <a:avLst/>
+          </a:prstGeom>
+          <a:ln>
+            <a:noFill/>
+          </a:ln>
+          <a:effectLst>
+            <a:outerShdw blurRad="190500" dist="228600" dir="2700000" algn="ctr">
+              <a:srgbClr val="000000">
+                <a:alpha val="30000"/>
+              </a:srgbClr>
+            </a:outerShdw>
+          </a:effectLst>
+          <a:scene3d>
+            <a:camera prst="orthographicFront">
+              <a:rot lat="0" lon="0" rev="0"/>
+            </a:camera>
+            <a:lightRig rig="glow" dir="t">
+              <a:rot lat="0" lon="0" rev="4800000"/>
+            </a:lightRig>
+          </a:scene3d>
+          <a:sp3d prstMaterial="matte">
+            <a:bevelT w="127000" h="63500"/>
+          </a:sp3d>
+        </p:spPr>
+      </p:pic>
     </p:spTree>
     <p:extLst>
       <p:ext uri="{BB962C8B-B14F-4D97-AF65-F5344CB8AC3E}">
@@ -7924,8 +10422,8 @@
         </p:nvSpPr>
         <p:spPr>
           <a:xfrm>
-            <a:off x="379096" y="473838"/>
-            <a:ext cx="1039067" cy="369332"/>
+            <a:off x="1661632" y="651968"/>
+            <a:ext cx="5487400" cy="584775"/>
           </a:xfrm>
           <a:prstGeom prst="rect">
             <a:avLst/>
@@ -7938,13 +10436,62 @@
           <a:lstStyle/>
           <a:p>
             <a:r>
-              <a:rPr lang="ru-RU" dirty="0"/>
-              <a:t>Форми</a:t>
-            </a:r>
-            <a:endParaRPr lang="bg-BG" dirty="0"/>
-          </a:p>
-        </p:txBody>
-      </p:sp>
+              <a:rPr lang="ru-RU" sz="3200" b="1" dirty="0" smtClean="0"/>
+              <a:t>Форми – файлът </a:t>
+            </a:r>
+            <a:r>
+              <a:rPr lang="en-US" sz="3200" b="1" dirty="0" smtClean="0"/>
+              <a:t>views.py</a:t>
+            </a:r>
+            <a:endParaRPr lang="bg-BG" sz="3200" b="1" dirty="0"/>
+          </a:p>
+        </p:txBody>
+      </p:sp>
+      <p:pic>
+        <p:nvPicPr>
+          <p:cNvPr id="4" name="Picture 3"/>
+          <p:cNvPicPr>
+            <a:picLocks noChangeAspect="1"/>
+          </p:cNvPicPr>
+          <p:nvPr/>
+        </p:nvPicPr>
+        <p:blipFill>
+          <a:blip r:embed="rId3"/>
+          <a:stretch>
+            <a:fillRect/>
+          </a:stretch>
+        </p:blipFill>
+        <p:spPr>
+          <a:xfrm>
+            <a:off x="3258544" y="1612080"/>
+            <a:ext cx="8291272" cy="4558947"/>
+          </a:xfrm>
+          <a:prstGeom prst="rect">
+            <a:avLst/>
+          </a:prstGeom>
+          <a:ln>
+            <a:noFill/>
+          </a:ln>
+          <a:effectLst>
+            <a:outerShdw blurRad="190500" dist="228600" dir="2700000" algn="ctr">
+              <a:srgbClr val="000000">
+                <a:alpha val="30000"/>
+              </a:srgbClr>
+            </a:outerShdw>
+          </a:effectLst>
+          <a:scene3d>
+            <a:camera prst="orthographicFront">
+              <a:rot lat="0" lon="0" rev="0"/>
+            </a:camera>
+            <a:lightRig rig="glow" dir="t">
+              <a:rot lat="0" lon="0" rev="4800000"/>
+            </a:lightRig>
+          </a:scene3d>
+          <a:sp3d prstMaterial="matte">
+            <a:bevelT w="127000" h="63500"/>
+          </a:sp3d>
+        </p:spPr>
+      </p:pic>
     </p:spTree>
     <p:extLst>
       <p:ext uri="{BB962C8B-B14F-4D97-AF65-F5344CB8AC3E}">
@@ -7983,8 +10530,8 @@
         </p:nvSpPr>
         <p:spPr>
           <a:xfrm>
-            <a:off x="448580" y="528430"/>
-            <a:ext cx="1664238" cy="369332"/>
+            <a:off x="1588611" y="718435"/>
+            <a:ext cx="2449710" cy="523220"/>
           </a:xfrm>
           <a:prstGeom prst="rect">
             <a:avLst/>
@@ -7997,13 +10544,62 @@
           <a:lstStyle/>
           <a:p>
             <a:r>
+              <a:rPr lang="bg-BG" sz="2800" b="1" dirty="0" smtClean="0"/>
+              <a:t>Заключение</a:t>
+            </a:r>
+            <a:r>
               <a:rPr lang="bg-BG" dirty="0" smtClean="0"/>
-              <a:t>Заключение </a:t>
+              <a:t> </a:t>
             </a:r>
             <a:endParaRPr lang="bg-BG" dirty="0"/>
           </a:p>
         </p:txBody>
       </p:sp>
+      <p:pic>
+        <p:nvPicPr>
+          <p:cNvPr id="3" name="Picture 2"/>
+          <p:cNvPicPr>
+            <a:picLocks noChangeAspect="1"/>
+          </p:cNvPicPr>
+          <p:nvPr/>
+        </p:nvPicPr>
+        <p:blipFill>
+          <a:blip r:embed="rId3"/>
+          <a:stretch>
+            <a:fillRect/>
+          </a:stretch>
+        </p:blipFill>
+        <p:spPr>
+          <a:xfrm>
+            <a:off x="4180115" y="1123393"/>
+            <a:ext cx="6645642" cy="5440832"/>
+          </a:xfrm>
+          <a:prstGeom prst="rect">
+            <a:avLst/>
+          </a:prstGeom>
+          <a:ln>
+            <a:noFill/>
+          </a:ln>
+          <a:effectLst>
+            <a:outerShdw blurRad="190500" dist="228600" dir="2700000" algn="ctr">
+              <a:srgbClr val="000000">
+                <a:alpha val="30000"/>
+              </a:srgbClr>
+            </a:outerShdw>
+          </a:effectLst>
+          <a:scene3d>
+            <a:camera prst="orthographicFront">
+              <a:rot lat="0" lon="0" rev="0"/>
+            </a:camera>
+            <a:lightRig rig="glow" dir="t">
+              <a:rot lat="0" lon="0" rev="4800000"/>
+            </a:lightRig>
+          </a:scene3d>
+          <a:sp3d prstMaterial="matte">
+            <a:bevelT w="127000" h="63500"/>
+          </a:sp3d>
+        </p:spPr>
+      </p:pic>
     </p:spTree>
     <p:extLst>
       <p:ext uri="{BB962C8B-B14F-4D97-AF65-F5344CB8AC3E}">
@@ -8018,9 +10614,9 @@
 </file>
 
 <file path=ppt/theme/theme1.xml><?xml version="1.0" encoding="utf-8"?>
-<a:theme xmlns:a="http://schemas.openxmlformats.org/drawingml/2006/main" name="Slice">
+<a:theme xmlns:a="http://schemas.openxmlformats.org/drawingml/2006/main" name="Wisp">
   <a:themeElements>
-    <a:clrScheme name="Office 2007-2010">
+    <a:clrScheme name="Wisp">
       <a:dk1>
         <a:sysClr val="windowText" lastClr="000000"/>
       </a:dk1>
@@ -8028,37 +10624,37 @@
         <a:sysClr val="window" lastClr="FFFFFF"/>
       </a:lt1>
       <a:dk2>
-        <a:srgbClr val="1F497D"/>
+        <a:srgbClr val="766F54"/>
       </a:dk2>
       <a:lt2>
-        <a:srgbClr val="EEECE1"/>
+        <a:srgbClr val="E3EACF"/>
       </a:lt2>
       <a:accent1>
-        <a:srgbClr val="4F81BD"/>
+        <a:srgbClr val="A53010"/>
       </a:accent1>
       <a:accent2>
-        <a:srgbClr val="C0504D"/>
+        <a:srgbClr val="DE7E18"/>
       </a:accent2>
       <a:accent3>
-        <a:srgbClr val="9BBB59"/>
+        <a:srgbClr val="9F8351"/>
       </a:accent3>
       <a:accent4>
-        <a:srgbClr val="8064A2"/>
+        <a:srgbClr val="728653"/>
       </a:accent4>
       <a:accent5>
-        <a:srgbClr val="4BACC6"/>
+        <a:srgbClr val="92AA4C"/>
       </a:accent5>
       <a:accent6>
-        <a:srgbClr val="F79646"/>
+        <a:srgbClr val="6AAC91"/>
       </a:accent6>
       <a:hlink>
-        <a:srgbClr val="0000FF"/>
+        <a:srgbClr val="FB4A18"/>
       </a:hlink>
       <a:folHlink>
-        <a:srgbClr val="800080"/>
+        <a:srgbClr val="FB9318"/>
       </a:folHlink>
     </a:clrScheme>
-    <a:fontScheme name="Slice">
+    <a:fontScheme name="Wisp">
       <a:majorFont>
         <a:latin typeface="Century Gothic" panose="020B0502020202020204"/>
         <a:ea typeface=""/>
@@ -8130,44 +10726,29 @@
         <a:font script="Geor" typeface="Sylfaen"/>
       </a:minorFont>
     </a:fontScheme>
-    <a:fmtScheme name="Slice">
+    <a:fmtScheme name="Wisp">
       <a:fillStyleLst>
         <a:solidFill>
           <a:schemeClr val="phClr"/>
+        </a:solidFill>
+        <a:solidFill>
+          <a:schemeClr val="phClr">
+            <a:tint val="70000"/>
+            <a:lumMod val="104000"/>
+          </a:schemeClr>
         </a:solidFill>
         <a:gradFill rotWithShape="1">
           <a:gsLst>
             <a:gs pos="0">
               <a:schemeClr val="phClr">
-                <a:tint val="62000"/>
-                <a:hueMod val="94000"/>
-                <a:satMod val="140000"/>
-                <a:lumMod val="110000"/>
+                <a:tint val="96000"/>
+                <a:lumMod val="104000"/>
               </a:schemeClr>
             </a:gs>
             <a:gs pos="100000">
               <a:schemeClr val="phClr">
-                <a:tint val="84000"/>
-                <a:satMod val="160000"/>
-              </a:schemeClr>
-            </a:gs>
-          </a:gsLst>
-          <a:lin ang="5400000" scaled="0"/>
-        </a:gradFill>
-        <a:gradFill rotWithShape="1">
-          <a:gsLst>
-            <a:gs pos="0">
-              <a:schemeClr val="phClr">
-                <a:tint val="98000"/>
-                <a:hueMod val="94000"/>
-                <a:satMod val="130000"/>
-                <a:lumMod val="128000"/>
-              </a:schemeClr>
-            </a:gs>
-            <a:gs pos="100000">
-              <a:schemeClr val="phClr">
-                <a:shade val="94000"/>
-                <a:lumMod val="88000"/>
+                <a:shade val="98000"/>
+                <a:lumMod val="94000"/>
               </a:schemeClr>
             </a:gs>
           </a:gsLst>
@@ -8178,22 +10759,18 @@
         <a:ln w="9525" cap="rnd" cmpd="sng" algn="ctr">
           <a:solidFill>
             <a:schemeClr val="phClr">
-              <a:tint val="76000"/>
-              <a:alpha val="60000"/>
-              <a:hueMod val="94000"/>
+              <a:shade val="90000"/>
             </a:schemeClr>
           </a:solidFill>
           <a:prstDash val="solid"/>
         </a:ln>
         <a:ln w="15875" cap="rnd" cmpd="sng" algn="ctr">
           <a:solidFill>
-            <a:schemeClr val="phClr">
-              <a:hueMod val="94000"/>
-            </a:schemeClr>
+            <a:schemeClr val="phClr"/>
           </a:solidFill>
           <a:prstDash val="solid"/>
         </a:ln>
-        <a:ln w="28575" cap="rnd" cmpd="sng" algn="ctr">
+        <a:ln w="22225" cap="rnd" cmpd="sng" algn="ctr">
           <a:solidFill>
             <a:schemeClr val="phClr"/>
           </a:solidFill>
@@ -8206,30 +10783,21 @@
         </a:effectStyle>
         <a:effectStyle>
           <a:effectLst>
-            <a:innerShdw blurRad="25400" dist="12700" dir="13500000">
+            <a:outerShdw blurRad="38100" dist="25400" dir="5400000" rotWithShape="0">
               <a:srgbClr val="000000">
-                <a:alpha val="45000"/>
+                <a:alpha val="25000"/>
               </a:srgbClr>
-            </a:innerShdw>
+            </a:outerShdw>
           </a:effectLst>
         </a:effectStyle>
         <a:effectStyle>
           <a:effectLst>
             <a:outerShdw blurRad="50800" dist="38100" dir="5400000" rotWithShape="0">
               <a:srgbClr val="000000">
-                <a:alpha val="46000"/>
+                <a:alpha val="60000"/>
               </a:srgbClr>
             </a:outerShdw>
           </a:effectLst>
-          <a:scene3d>
-            <a:camera prst="orthographicFront">
-              <a:rot lat="0" lon="0" rev="0"/>
-            </a:camera>
-            <a:lightRig rig="threePt" dir="t"/>
-          </a:scene3d>
-          <a:sp3d prstMaterial="plastic">
-            <a:bevelT w="25400" h="25400"/>
-          </a:sp3d>
         </a:effectStyle>
       </a:effectStyleLst>
       <a:bgFillStyleLst>
@@ -8238,46 +10806,41 @@
         </a:solidFill>
         <a:gradFill rotWithShape="1">
           <a:gsLst>
-            <a:gs pos="10000">
+            <a:gs pos="0">
               <a:schemeClr val="phClr">
-                <a:tint val="97000"/>
-                <a:hueMod val="142000"/>
-                <a:satMod val="200000"/>
-                <a:lumMod val="118000"/>
+                <a:tint val="90000"/>
+                <a:lumMod val="120000"/>
               </a:schemeClr>
             </a:gs>
             <a:gs pos="100000">
               <a:schemeClr val="phClr">
-                <a:shade val="94000"/>
-                <a:hueMod val="22000"/>
-                <a:satMod val="220000"/>
-                <a:lumMod val="62000"/>
+                <a:shade val="98000"/>
+                <a:satMod val="120000"/>
+                <a:lumMod val="98000"/>
               </a:schemeClr>
             </a:gs>
           </a:gsLst>
-          <a:lin ang="6120000" scaled="1"/>
+          <a:lin ang="5400000" scaled="0"/>
         </a:gradFill>
         <a:gradFill rotWithShape="1">
           <a:gsLst>
             <a:gs pos="0">
               <a:schemeClr val="phClr">
-                <a:tint val="97000"/>
-                <a:hueMod val="142000"/>
-                <a:satMod val="200000"/>
-                <a:lumMod val="118000"/>
+                <a:tint val="90000"/>
+                <a:satMod val="92000"/>
+                <a:lumMod val="120000"/>
               </a:schemeClr>
             </a:gs>
             <a:gs pos="100000">
               <a:schemeClr val="phClr">
-                <a:shade val="92000"/>
-                <a:hueMod val="22000"/>
-                <a:satMod val="220000"/>
-                <a:lumMod val="62000"/>
+                <a:shade val="98000"/>
+                <a:satMod val="120000"/>
+                <a:lumMod val="98000"/>
               </a:schemeClr>
             </a:gs>
           </a:gsLst>
           <a:path path="circle">
-            <a:fillToRect b="100000"/>
+            <a:fillToRect l="50000" t="50000" r="100000" b="100000"/>
           </a:path>
         </a:gradFill>
       </a:bgFillStyleLst>
@@ -8287,7 +10850,7 @@
   <a:extraClrSchemeLst/>
   <a:extLst>
     <a:ext uri="{05A4C25C-085E-4340-85A3-A5531E510DB2}">
-      <thm15:themeFamily xmlns:thm15="http://schemas.microsoft.com/office/thememl/2012/main" name="Slice" id="{0507925B-6AC9-4358-8E18-C330545D08F8}" vid="{2903AAAE-3EA5-424A-B142-CC51DC1F897D}"/>
+      <thm15:themeFamily xmlns:thm15="http://schemas.microsoft.com/office/thememl/2012/main" name="Wisp" id="{7CB32D59-10C0-40DD-B7BD-2E94284A981C}" vid="{24B1A44C-C006-48B2-A4D7-E5549B3D8CD4}"/>
     </a:ext>
   </a:extLst>
 </a:theme>
